--- a/project-docs/Andoid-MiniHealthCare-Helper.pptx
+++ b/project-docs/Andoid-MiniHealthCare-Helper.pptx
@@ -10,14 +10,16 @@
     <p:sldId id="267" r:id="rId4"/>
     <p:sldId id="266" r:id="rId5"/>
     <p:sldId id="265" r:id="rId6"/>
-    <p:sldId id="269" r:id="rId7"/>
-    <p:sldId id="262" r:id="rId8"/>
-    <p:sldId id="263" r:id="rId9"/>
-    <p:sldId id="264" r:id="rId10"/>
-    <p:sldId id="270" r:id="rId11"/>
-    <p:sldId id="261" r:id="rId12"/>
-    <p:sldId id="268" r:id="rId13"/>
-    <p:sldId id="271" r:id="rId14"/>
+    <p:sldId id="272" r:id="rId7"/>
+    <p:sldId id="269" r:id="rId8"/>
+    <p:sldId id="262" r:id="rId9"/>
+    <p:sldId id="263" r:id="rId10"/>
+    <p:sldId id="273" r:id="rId11"/>
+    <p:sldId id="274" r:id="rId12"/>
+    <p:sldId id="270" r:id="rId13"/>
+    <p:sldId id="261" r:id="rId14"/>
+    <p:sldId id="268" r:id="rId15"/>
+    <p:sldId id="271" r:id="rId16"/>
   </p:sldIdLst>
   <p:sldSz cx="12192000" cy="6858000"/>
   <p:notesSz cx="6858000" cy="9144000"/>
@@ -929,7 +931,7 @@
         <a:p>
           <a:r>
             <a:rPr lang="en-US" dirty="0"/>
-            <a:t>This project is healthcare helper created for this COVID like crisis. </a:t>
+            <a:t>This project is a healthcare helper created for small clinics during COVID like crisis. </a:t>
           </a:r>
         </a:p>
       </dgm:t>
@@ -1077,7 +1079,7 @@
           </a:r>
           <a:r>
             <a:rPr lang="en-US" dirty="0"/>
-            <a:t>: Patients can avoid queue in hospitals. Lessen public gathering during COVID crisis</a:t>
+            <a:t>: Patients can avoid queue in hospitals. Lessen social gathering during COVID crisis</a:t>
           </a:r>
         </a:p>
       </dgm:t>
@@ -1171,8 +1173,8 @@
       </dsp:nvSpPr>
       <dsp:spPr>
         <a:xfrm>
-          <a:off x="0" y="54974"/>
-          <a:ext cx="6967728" cy="1162290"/>
+          <a:off x="0" y="61601"/>
+          <a:ext cx="6967728" cy="1395367"/>
         </a:xfrm>
         <a:prstGeom prst="roundRect">
           <a:avLst/>
@@ -1214,12 +1216,12 @@
         </a:fontRef>
       </dsp:style>
       <dsp:txBody>
-        <a:bodyPr spcFirstLastPara="0" vert="horz" wrap="square" lIns="110490" tIns="110490" rIns="110490" bIns="110490" numCol="1" spcCol="1270" anchor="ctr" anchorCtr="0">
+        <a:bodyPr spcFirstLastPara="0" vert="horz" wrap="square" lIns="99060" tIns="99060" rIns="99060" bIns="99060" numCol="1" spcCol="1270" anchor="ctr" anchorCtr="0">
           <a:noAutofit/>
         </a:bodyPr>
         <a:lstStyle/>
         <a:p>
-          <a:pPr marL="0" lvl="0" indent="0" algn="l" defTabSz="1289050">
+          <a:pPr marL="0" lvl="0" indent="0" algn="l" defTabSz="1155700">
             <a:lnSpc>
               <a:spcPct val="90000"/>
             </a:lnSpc>
@@ -1232,14 +1234,14 @@
             <a:buNone/>
           </a:pPr>
           <a:r>
-            <a:rPr lang="en-US" sz="2900" kern="1200" dirty="0"/>
-            <a:t>This project is healthcare helper created for this COVID like crisis. </a:t>
+            <a:rPr lang="en-US" sz="2600" kern="1200" dirty="0"/>
+            <a:t>This project is a healthcare helper created for small clinics during COVID like crisis. </a:t>
           </a:r>
         </a:p>
       </dsp:txBody>
       <dsp:txXfrm>
-        <a:off x="56738" y="111712"/>
-        <a:ext cx="6854252" cy="1048814"/>
+        <a:off x="68116" y="129717"/>
+        <a:ext cx="6831496" cy="1259135"/>
       </dsp:txXfrm>
     </dsp:sp>
     <dsp:sp modelId="{292AE84E-22B2-7C4D-950F-E656052AEE24}">
@@ -1249,8 +1251,8 @@
       </dsp:nvSpPr>
       <dsp:spPr>
         <a:xfrm>
-          <a:off x="0" y="1217265"/>
-          <a:ext cx="6967728" cy="4305600"/>
+          <a:off x="0" y="1456968"/>
+          <a:ext cx="6967728" cy="4059270"/>
         </a:xfrm>
         <a:prstGeom prst="rect">
           <a:avLst/>
@@ -1274,12 +1276,12 @@
         <a:fontRef idx="minor"/>
       </dsp:style>
       <dsp:txBody>
-        <a:bodyPr spcFirstLastPara="0" vert="horz" wrap="square" lIns="221225" tIns="36830" rIns="206248" bIns="36830" numCol="1" spcCol="1270" anchor="t" anchorCtr="0">
+        <a:bodyPr spcFirstLastPara="0" vert="horz" wrap="square" lIns="221225" tIns="33020" rIns="184912" bIns="33020" numCol="1" spcCol="1270" anchor="t" anchorCtr="0">
           <a:noAutofit/>
         </a:bodyPr>
         <a:lstStyle/>
         <a:p>
-          <a:pPr marL="228600" lvl="1" indent="-228600" algn="l" defTabSz="1022350">
+          <a:pPr marL="228600" lvl="1" indent="-228600" algn="l" defTabSz="889000">
             <a:lnSpc>
               <a:spcPct val="90000"/>
             </a:lnSpc>
@@ -1292,12 +1294,12 @@
             <a:buChar char="•"/>
           </a:pPr>
           <a:r>
-            <a:rPr lang="en-US" sz="2300" kern="1200" dirty="0"/>
+            <a:rPr lang="en-US" sz="2000" kern="1200" dirty="0"/>
             <a:t>Helps patient to schedule an appointment </a:t>
           </a:r>
         </a:p>
         <a:p>
-          <a:pPr marL="228600" lvl="1" indent="-228600" algn="l" defTabSz="1022350">
+          <a:pPr marL="228600" lvl="1" indent="-228600" algn="l" defTabSz="889000">
             <a:lnSpc>
               <a:spcPct val="90000"/>
             </a:lnSpc>
@@ -1310,12 +1312,12 @@
             <a:buChar char="•"/>
           </a:pPr>
           <a:r>
-            <a:rPr lang="en-US" sz="2300" kern="1200" dirty="0"/>
+            <a:rPr lang="en-US" sz="2000" kern="1200" dirty="0"/>
             <a:t>Doctor can prepare as per the scheduled appointment</a:t>
           </a:r>
         </a:p>
         <a:p>
-          <a:pPr marL="228600" lvl="1" indent="-228600" algn="l" defTabSz="1022350">
+          <a:pPr marL="228600" lvl="1" indent="-228600" algn="l" defTabSz="889000">
             <a:lnSpc>
               <a:spcPct val="90000"/>
             </a:lnSpc>
@@ -1328,12 +1330,12 @@
             <a:buChar char="•"/>
           </a:pPr>
           <a:r>
-            <a:rPr lang="en-US" sz="2300" kern="1200" dirty="0"/>
+            <a:rPr lang="en-US" sz="2000" kern="1200" dirty="0"/>
             <a:t>Blood donors can register and Admin can connect them in need.</a:t>
           </a:r>
         </a:p>
         <a:p>
-          <a:pPr marL="228600" lvl="1" indent="-228600" algn="l" defTabSz="1022350">
+          <a:pPr marL="228600" lvl="1" indent="-228600" algn="l" defTabSz="889000">
             <a:lnSpc>
               <a:spcPct val="90000"/>
             </a:lnSpc>
@@ -1346,18 +1348,18 @@
             <a:buChar char="•"/>
           </a:pPr>
           <a:r>
-            <a:rPr lang="en-US" sz="2300" b="1" kern="1200" dirty="0"/>
+            <a:rPr lang="en-US" sz="2000" b="1" kern="1200" dirty="0"/>
             <a:t>Motivation</a:t>
           </a:r>
           <a:r>
-            <a:rPr lang="en-US" sz="2300" kern="1200" dirty="0"/>
-            <a:t>: Patients can avoid queue in hospitals. Lessen public gathering during COVID crisis</a:t>
+            <a:rPr lang="en-US" sz="2000" kern="1200" dirty="0"/>
+            <a:t>: Patients can avoid queue in hospitals. Lessen social gathering during COVID crisis</a:t>
           </a:r>
         </a:p>
       </dsp:txBody>
       <dsp:txXfrm>
-        <a:off x="0" y="1217265"/>
-        <a:ext cx="6967728" cy="4305600"/>
+        <a:off x="0" y="1456968"/>
+        <a:ext cx="6967728" cy="4059270"/>
       </dsp:txXfrm>
     </dsp:sp>
   </dsp:spTree>
@@ -7917,229 +7919,6 @@
 <file path=ppt/slides/slide10.xml><?xml version="1.0" encoding="utf-8"?>
 <p:sld xmlns:a="http://schemas.openxmlformats.org/drawingml/2006/main" xmlns:r="http://schemas.openxmlformats.org/officeDocument/2006/relationships" xmlns:p="http://schemas.openxmlformats.org/presentationml/2006/main">
   <p:cSld>
-    <p:spTree>
-      <p:nvGrpSpPr>
-        <p:cNvPr id="1" name=""/>
-        <p:cNvGrpSpPr/>
-        <p:nvPr/>
-      </p:nvGrpSpPr>
-      <p:grpSpPr>
-        <a:xfrm>
-          <a:off x="0" y="0"/>
-          <a:ext cx="0" cy="0"/>
-          <a:chOff x="0" y="0"/>
-          <a:chExt cx="0" cy="0"/>
-        </a:xfrm>
-      </p:grpSpPr>
-      <p:sp>
-        <p:nvSpPr>
-          <p:cNvPr id="2" name="Title 1">
-            <a:extLst>
-              <a:ext uri="{FF2B5EF4-FFF2-40B4-BE49-F238E27FC236}">
-                <a16:creationId xmlns:a16="http://schemas.microsoft.com/office/drawing/2014/main" id="{CBA9AC2E-D45B-0541-9480-2697F62C4E3C}"/>
-              </a:ext>
-            </a:extLst>
-          </p:cNvPr>
-          <p:cNvSpPr>
-            <a:spLocks noGrp="1"/>
-          </p:cNvSpPr>
-          <p:nvPr>
-            <p:ph type="title"/>
-          </p:nvPr>
-        </p:nvSpPr>
-        <p:spPr/>
-        <p:txBody>
-          <a:bodyPr/>
-          <a:lstStyle/>
-          <a:p>
-            <a:r>
-              <a:rPr lang="en-US" dirty="0"/>
-              <a:t>Social Relevance</a:t>
-            </a:r>
-          </a:p>
-        </p:txBody>
-      </p:sp>
-      <p:sp>
-        <p:nvSpPr>
-          <p:cNvPr id="3" name="Content Placeholder 2">
-            <a:extLst>
-              <a:ext uri="{FF2B5EF4-FFF2-40B4-BE49-F238E27FC236}">
-                <a16:creationId xmlns:a16="http://schemas.microsoft.com/office/drawing/2014/main" id="{416C121F-D518-CB4F-A3D7-8EFB663643CA}"/>
-              </a:ext>
-            </a:extLst>
-          </p:cNvPr>
-          <p:cNvSpPr>
-            <a:spLocks noGrp="1"/>
-          </p:cNvSpPr>
-          <p:nvPr>
-            <p:ph idx="1"/>
-          </p:nvPr>
-        </p:nvSpPr>
-        <p:spPr/>
-        <p:txBody>
-          <a:bodyPr/>
-          <a:lstStyle/>
-          <a:p>
-            <a:r>
-              <a:rPr lang="en-US" dirty="0"/>
-              <a:t>Admin(HealthCare System) can register the doctors after verifying their certifications manually.</a:t>
-            </a:r>
-          </a:p>
-          <a:p>
-            <a:r>
-              <a:rPr lang="en-US" dirty="0"/>
-              <a:t>Doctors can register themselves with their qualification and can see the scheduled appointment</a:t>
-            </a:r>
-          </a:p>
-          <a:p>
-            <a:r>
-              <a:rPr lang="en-US" dirty="0"/>
-              <a:t>Patient</a:t>
-            </a:r>
-          </a:p>
-          <a:p>
-            <a:r>
-              <a:rPr lang="en-US" dirty="0"/>
-              <a:t>Blood Donors can register. HealthCare System can look into list of donors and connect in need.</a:t>
-            </a:r>
-          </a:p>
-          <a:p>
-            <a:endParaRPr lang="en-US" dirty="0"/>
-          </a:p>
-        </p:txBody>
-      </p:sp>
-    </p:spTree>
-    <p:extLst>
-      <p:ext uri="{BB962C8B-B14F-4D97-AF65-F5344CB8AC3E}">
-        <p14:creationId xmlns:p14="http://schemas.microsoft.com/office/powerpoint/2010/main" val="1757564096"/>
-      </p:ext>
-    </p:extLst>
-  </p:cSld>
-  <p:clrMapOvr>
-    <a:masterClrMapping/>
-  </p:clrMapOvr>
-</p:sld>
-</file>
-
-<file path=ppt/slides/slide11.xml><?xml version="1.0" encoding="utf-8"?>
-<p:sld xmlns:a="http://schemas.openxmlformats.org/drawingml/2006/main" xmlns:r="http://schemas.openxmlformats.org/officeDocument/2006/relationships" xmlns:p="http://schemas.openxmlformats.org/presentationml/2006/main">
-  <p:cSld>
-    <p:spTree>
-      <p:nvGrpSpPr>
-        <p:cNvPr id="1" name=""/>
-        <p:cNvGrpSpPr/>
-        <p:nvPr/>
-      </p:nvGrpSpPr>
-      <p:grpSpPr>
-        <a:xfrm>
-          <a:off x="0" y="0"/>
-          <a:ext cx="0" cy="0"/>
-          <a:chOff x="0" y="0"/>
-          <a:chExt cx="0" cy="0"/>
-        </a:xfrm>
-      </p:grpSpPr>
-      <p:sp>
-        <p:nvSpPr>
-          <p:cNvPr id="2" name="Title 1">
-            <a:extLst>
-              <a:ext uri="{FF2B5EF4-FFF2-40B4-BE49-F238E27FC236}">
-                <a16:creationId xmlns:a16="http://schemas.microsoft.com/office/drawing/2014/main" id="{31AF0C7C-B714-984F-B17B-20CAEDF84941}"/>
-              </a:ext>
-            </a:extLst>
-          </p:cNvPr>
-          <p:cNvSpPr>
-            <a:spLocks noGrp="1"/>
-          </p:cNvSpPr>
-          <p:nvPr>
-            <p:ph type="title"/>
-          </p:nvPr>
-        </p:nvSpPr>
-        <p:spPr>
-          <a:xfrm>
-            <a:off x="3807904" y="2369759"/>
-            <a:ext cx="4707445" cy="1059241"/>
-          </a:xfrm>
-        </p:spPr>
-        <p:txBody>
-          <a:bodyPr>
-            <a:normAutofit/>
-          </a:bodyPr>
-          <a:lstStyle/>
-          <a:p>
-            <a:r>
-              <a:rPr lang="en-US" dirty="0">
-                <a:solidFill>
-                  <a:schemeClr val="accent4"/>
-                </a:solidFill>
-              </a:rPr>
-              <a:t>Database</a:t>
-            </a:r>
-          </a:p>
-        </p:txBody>
-      </p:sp>
-      <p:pic>
-        <p:nvPicPr>
-          <p:cNvPr id="2050" name="Picture 2" descr="Key Activities and Your Business Model - Business 2 Community">
-            <a:extLst>
-              <a:ext uri="{FF2B5EF4-FFF2-40B4-BE49-F238E27FC236}">
-                <a16:creationId xmlns:a16="http://schemas.microsoft.com/office/drawing/2014/main" id="{8BF49BF8-BC9C-B941-8C37-99EEA860847C}"/>
-              </a:ext>
-            </a:extLst>
-          </p:cNvPr>
-          <p:cNvPicPr>
-            <a:picLocks noChangeAspect="1" noChangeArrowheads="1"/>
-          </p:cNvPicPr>
-          <p:nvPr/>
-        </p:nvPicPr>
-        <p:blipFill>
-          <a:blip r:embed="rId2">
-            <a:extLst>
-              <a:ext uri="{28A0092B-C50C-407E-A947-70E740481C1C}">
-                <a14:useLocalDpi xmlns:a14="http://schemas.microsoft.com/office/drawing/2010/main" val="0"/>
-              </a:ext>
-            </a:extLst>
-          </a:blip>
-          <a:srcRect/>
-          <a:stretch>
-            <a:fillRect/>
-          </a:stretch>
-        </p:blipFill>
-        <p:spPr bwMode="auto">
-          <a:xfrm>
-            <a:off x="801687" y="1721491"/>
-            <a:ext cx="2400300" cy="2400300"/>
-          </a:xfrm>
-          <a:prstGeom prst="rect">
-            <a:avLst/>
-          </a:prstGeom>
-          <a:noFill/>
-          <a:extLst>
-            <a:ext uri="{909E8E84-426E-40DD-AFC4-6F175D3DCCD1}">
-              <a14:hiddenFill xmlns:a14="http://schemas.microsoft.com/office/drawing/2010/main">
-                <a:solidFill>
-                  <a:srgbClr val="FFFFFF"/>
-                </a:solidFill>
-              </a14:hiddenFill>
-            </a:ext>
-          </a:extLst>
-        </p:spPr>
-      </p:pic>
-    </p:spTree>
-    <p:extLst>
-      <p:ext uri="{BB962C8B-B14F-4D97-AF65-F5344CB8AC3E}">
-        <p14:creationId xmlns:p14="http://schemas.microsoft.com/office/powerpoint/2010/main" val="3881169715"/>
-      </p:ext>
-    </p:extLst>
-  </p:cSld>
-  <p:clrMapOvr>
-    <a:masterClrMapping/>
-  </p:clrMapOvr>
-</p:sld>
-</file>
-
-<file path=ppt/slides/slide12.xml><?xml version="1.0" encoding="utf-8"?>
-<p:sld xmlns:a="http://schemas.openxmlformats.org/drawingml/2006/main" xmlns:r="http://schemas.openxmlformats.org/officeDocument/2006/relationships" xmlns:p="http://schemas.openxmlformats.org/presentationml/2006/main">
-  <p:cSld>
     <p:bg>
       <p:bgPr>
         <a:solidFill>
@@ -8162,12 +7941,12 @@
           <a:chExt cx="0" cy="0"/>
         </a:xfrm>
       </p:grpSpPr>
-      <p:sp useBgFill="1">
-        <p:nvSpPr>
-          <p:cNvPr id="12" name="Rectangle 11">
-            <a:extLst>
-              <a:ext uri="{FF2B5EF4-FFF2-40B4-BE49-F238E27FC236}">
-                <a16:creationId xmlns:a16="http://schemas.microsoft.com/office/drawing/2014/main" id="{2C9A9DA9-7DC8-488B-A882-123947B0F3D9}"/>
+      <p:sp>
+        <p:nvSpPr>
+          <p:cNvPr id="62" name="Rectangle 61">
+            <a:extLst>
+              <a:ext uri="{FF2B5EF4-FFF2-40B4-BE49-F238E27FC236}">
+                <a16:creationId xmlns:a16="http://schemas.microsoft.com/office/drawing/2014/main" id="{8D06CE56-3881-4ADA-8CEF-D18B02C242A3}"/>
               </a:ext>
               <a:ext uri="{C183D7F6-B498-43B3-948B-1728B52AA6E4}">
                 <adec:decorative xmlns:adec="http://schemas.microsoft.com/office/drawing/2017/decorative" val="1"/>
@@ -8186,89 +7965,19 @@
           </p:nvPr>
         </p:nvSpPr>
         <p:spPr>
-          <a:xfrm>
-            <a:off x="0" y="0"/>
-            <a:ext cx="12192000" cy="6858000"/>
+          <a:xfrm rot="5400000">
+            <a:off x="857544" y="346791"/>
+            <a:ext cx="146304" cy="704088"/>
           </a:xfrm>
           <a:prstGeom prst="rect">
             <a:avLst/>
           </a:prstGeom>
+          <a:solidFill>
+            <a:schemeClr val="accent1"/>
+          </a:solidFill>
           <a:ln>
             <a:noFill/>
           </a:ln>
-        </p:spPr>
-        <p:style>
-          <a:lnRef idx="2">
-            <a:schemeClr val="accent1">
-              <a:shade val="50000"/>
-            </a:schemeClr>
-          </a:lnRef>
-          <a:fillRef idx="1">
-            <a:schemeClr val="accent1"/>
-          </a:fillRef>
-          <a:effectRef idx="0">
-            <a:schemeClr val="accent1"/>
-          </a:effectRef>
-          <a:fontRef idx="minor">
-            <a:schemeClr val="lt1"/>
-          </a:fontRef>
-        </p:style>
-        <p:txBody>
-          <a:bodyPr rtlCol="0" anchor="ctr"/>
-          <a:lstStyle/>
-          <a:p>
-            <a:pPr algn="ctr"/>
-            <a:endParaRPr lang="en-US"/>
-          </a:p>
-        </p:txBody>
-      </p:sp>
-      <p:sp useBgFill="1">
-        <p:nvSpPr>
-          <p:cNvPr id="14" name="Rectangle 13">
-            <a:extLst>
-              <a:ext uri="{FF2B5EF4-FFF2-40B4-BE49-F238E27FC236}">
-                <a16:creationId xmlns:a16="http://schemas.microsoft.com/office/drawing/2014/main" id="{57F6BDD4-E066-4008-8011-6CC31AEB4556}"/>
-              </a:ext>
-              <a:ext uri="{C183D7F6-B498-43B3-948B-1728B52AA6E4}">
-                <adec:decorative xmlns:adec="http://schemas.microsoft.com/office/drawing/2017/decorative" val="1"/>
-              </a:ext>
-            </a:extLst>
-          </p:cNvPr>
-          <p:cNvSpPr>
-            <a:spLocks noGrp="1" noRot="1" noChangeAspect="1" noMove="1" noResize="1" noEditPoints="1" noAdjustHandles="1" noChangeArrowheads="1" noChangeShapeType="1" noTextEdit="1"/>
-          </p:cNvSpPr>
-          <p:nvPr>
-            <p:extLst>
-              <p:ext uri="{386F3935-93C4-4BCD-93E2-E3B085C9AB24}">
-                <p16:designElem xmlns:p16="http://schemas.microsoft.com/office/powerpoint/2015/main" val="1"/>
-              </p:ext>
-            </p:extLst>
-          </p:nvPr>
-        </p:nvSpPr>
-        <p:spPr>
-          <a:xfrm>
-            <a:off x="409575" y="633619"/>
-            <a:ext cx="4279383" cy="5495925"/>
-          </a:xfrm>
-          <a:prstGeom prst="rect">
-            <a:avLst/>
-          </a:prstGeom>
-          <a:ln w="9525">
-            <a:solidFill>
-              <a:schemeClr val="tx2">
-                <a:lumMod val="10000"/>
-                <a:lumOff val="90000"/>
-              </a:schemeClr>
-            </a:solidFill>
-          </a:ln>
-          <a:effectLst>
-            <a:outerShdw blurRad="50800" dist="38100" dir="2700000" algn="tl" rotWithShape="0">
-              <a:schemeClr val="bg1">
-                <a:lumMod val="85000"/>
-                <a:alpha val="30000"/>
-              </a:schemeClr>
-            </a:outerShdw>
-          </a:effectLst>
         </p:spPr>
         <p:style>
           <a:lnRef idx="2">
@@ -8326,45 +8035,10 @@
       </p:sp>
       <p:sp>
         <p:nvSpPr>
-          <p:cNvPr id="2" name="Title 1">
-            <a:extLst>
-              <a:ext uri="{FF2B5EF4-FFF2-40B4-BE49-F238E27FC236}">
-                <a16:creationId xmlns:a16="http://schemas.microsoft.com/office/drawing/2014/main" id="{25316595-D624-664C-8DCB-3B15B2835943}"/>
-              </a:ext>
-            </a:extLst>
-          </p:cNvPr>
-          <p:cNvSpPr>
-            <a:spLocks noGrp="1"/>
-          </p:cNvSpPr>
-          <p:nvPr>
-            <p:ph type="title"/>
-          </p:nvPr>
-        </p:nvSpPr>
-        <p:spPr>
-          <a:xfrm>
-            <a:off x="841247" y="978619"/>
-            <a:ext cx="3410712" cy="1106424"/>
-          </a:xfrm>
-        </p:spPr>
-        <p:txBody>
-          <a:bodyPr>
-            <a:normAutofit/>
-          </a:bodyPr>
-          <a:lstStyle/>
-          <a:p>
-            <a:r>
-              <a:rPr lang="en-US" sz="2800" dirty="0"/>
-              <a:t>Firebase Database</a:t>
-            </a:r>
-          </a:p>
-        </p:txBody>
-      </p:sp>
-      <p:sp>
-        <p:nvSpPr>
-          <p:cNvPr id="21" name="Rectangle 15">
-            <a:extLst>
-              <a:ext uri="{FF2B5EF4-FFF2-40B4-BE49-F238E27FC236}">
-                <a16:creationId xmlns:a16="http://schemas.microsoft.com/office/drawing/2014/main" id="{2711A8FB-68FC-45FC-B01E-38F809E2D439}"/>
+          <p:cNvPr id="64" name="Rectangle 63">
+            <a:extLst>
+              <a:ext uri="{FF2B5EF4-FFF2-40B4-BE49-F238E27FC236}">
+                <a16:creationId xmlns:a16="http://schemas.microsoft.com/office/drawing/2014/main" id="{79F3C543-62EC-4433-9C93-A2CD8764E9B4}"/>
               </a:ext>
               <a:ext uri="{C183D7F6-B498-43B3-948B-1728B52AA6E4}">
                 <adec:decorative xmlns:adec="http://schemas.microsoft.com/office/drawing/2017/decorative" val="1"/>
@@ -8383,19 +8057,23 @@
           </p:nvPr>
         </p:nvSpPr>
         <p:spPr>
-          <a:xfrm>
-            <a:off x="345567" y="1171300"/>
-            <a:ext cx="128016" cy="704088"/>
+          <a:xfrm flipV="1">
+            <a:off x="578652" y="4501201"/>
+            <a:ext cx="11034696" cy="18288"/>
           </a:xfrm>
           <a:prstGeom prst="rect">
             <a:avLst/>
           </a:prstGeom>
           <a:solidFill>
-            <a:schemeClr val="accent1"/>
+            <a:schemeClr val="tx2">
+              <a:lumMod val="25000"/>
+              <a:lumOff val="75000"/>
+            </a:schemeClr>
           </a:solidFill>
-          <a:ln>
+          <a:ln w="3175">
             <a:noFill/>
           </a:ln>
+          <a:effectLst/>
         </p:spPr>
         <p:style>
           <a:lnRef idx="2">
@@ -8451,12 +8129,12 @@
           </a:p>
         </p:txBody>
       </p:sp>
-      <p:sp>
-        <p:nvSpPr>
-          <p:cNvPr id="22" name="Rectangle 17">
-            <a:extLst>
-              <a:ext uri="{FF2B5EF4-FFF2-40B4-BE49-F238E27FC236}">
-                <a16:creationId xmlns:a16="http://schemas.microsoft.com/office/drawing/2014/main" id="{2A865FE3-5FC9-4049-87CF-30019C46C0F5}"/>
+      <p:sp useBgFill="1">
+        <p:nvSpPr>
+          <p:cNvPr id="66" name="Rectangle 65">
+            <a:extLst>
+              <a:ext uri="{FF2B5EF4-FFF2-40B4-BE49-F238E27FC236}">
+                <a16:creationId xmlns:a16="http://schemas.microsoft.com/office/drawing/2014/main" id="{D7D12574-25F0-4BB1-AA48-9DE7527AF5F4}"/>
               </a:ext>
               <a:ext uri="{C183D7F6-B498-43B3-948B-1728B52AA6E4}">
                 <adec:decorative xmlns:adec="http://schemas.microsoft.com/office/drawing/2017/decorative" val="1"/>
@@ -8476,22 +8154,88 @@
         </p:nvSpPr>
         <p:spPr>
           <a:xfrm>
-            <a:off x="877459" y="2093976"/>
-            <a:ext cx="3328416" cy="9144"/>
+            <a:off x="0" y="0"/>
+            <a:ext cx="12192000" cy="6858000"/>
           </a:xfrm>
           <a:prstGeom prst="rect">
             <a:avLst/>
           </a:prstGeom>
-          <a:solidFill>
-            <a:schemeClr val="tx2">
-              <a:lumMod val="25000"/>
-              <a:lumOff val="75000"/>
-            </a:schemeClr>
-          </a:solidFill>
-          <a:ln w="3175">
+          <a:ln>
             <a:noFill/>
           </a:ln>
-          <a:effectLst/>
+        </p:spPr>
+        <p:style>
+          <a:lnRef idx="2">
+            <a:schemeClr val="accent1">
+              <a:shade val="50000"/>
+            </a:schemeClr>
+          </a:lnRef>
+          <a:fillRef idx="1">
+            <a:schemeClr val="accent1"/>
+          </a:fillRef>
+          <a:effectRef idx="0">
+            <a:schemeClr val="accent1"/>
+          </a:effectRef>
+          <a:fontRef idx="minor">
+            <a:schemeClr val="lt1"/>
+          </a:fontRef>
+        </p:style>
+        <p:txBody>
+          <a:bodyPr rtlCol="0" anchor="ctr"/>
+          <a:lstStyle/>
+          <a:p>
+            <a:pPr algn="ctr"/>
+            <a:endParaRPr lang="en-US"/>
+          </a:p>
+        </p:txBody>
+      </p:sp>
+      <p:sp useBgFill="1">
+        <p:nvSpPr>
+          <p:cNvPr id="68" name="Rectangle 67">
+            <a:extLst>
+              <a:ext uri="{FF2B5EF4-FFF2-40B4-BE49-F238E27FC236}">
+                <a16:creationId xmlns:a16="http://schemas.microsoft.com/office/drawing/2014/main" id="{A3473CF9-37EB-43E7-89EF-D2D1C53D1DAC}"/>
+              </a:ext>
+              <a:ext uri="{C183D7F6-B498-43B3-948B-1728B52AA6E4}">
+                <adec:decorative xmlns:adec="http://schemas.microsoft.com/office/drawing/2017/decorative" val="1"/>
+              </a:ext>
+            </a:extLst>
+          </p:cNvPr>
+          <p:cNvSpPr>
+            <a:spLocks noGrp="1" noRot="1" noChangeAspect="1" noMove="1" noResize="1" noEditPoints="1" noAdjustHandles="1" noChangeArrowheads="1" noChangeShapeType="1" noTextEdit="1"/>
+          </p:cNvSpPr>
+          <p:nvPr>
+            <p:extLst>
+              <p:ext uri="{386F3935-93C4-4BCD-93E2-E3B085C9AB24}">
+                <p16:designElem xmlns:p16="http://schemas.microsoft.com/office/powerpoint/2015/main" val="1"/>
+              </p:ext>
+            </p:extLst>
+          </p:nvPr>
+        </p:nvSpPr>
+        <p:spPr>
+          <a:xfrm>
+            <a:off x="1903615" y="221673"/>
+            <a:ext cx="8384770" cy="1332634"/>
+          </a:xfrm>
+          <a:prstGeom prst="rect">
+            <a:avLst/>
+          </a:prstGeom>
+          <a:ln w="12700">
+            <a:solidFill>
+              <a:schemeClr val="tx2">
+                <a:lumMod val="10000"/>
+                <a:lumOff val="90000"/>
+              </a:schemeClr>
+            </a:solidFill>
+          </a:ln>
+          <a:effectLst>
+            <a:outerShdw blurRad="50800" dist="38100" dir="2700000" algn="tl" rotWithShape="0">
+              <a:schemeClr val="bg2">
+                <a:lumMod val="85000"/>
+                <a:alpha val="30000"/>
+              </a:schemeClr>
+            </a:outerShdw>
+          </a:effectLst>
         </p:spPr>
         <p:style>
           <a:lnRef idx="2">
@@ -8549,6 +8293,1566 @@
       </p:sp>
       <p:sp>
         <p:nvSpPr>
+          <p:cNvPr id="2" name="Title 1">
+            <a:extLst>
+              <a:ext uri="{FF2B5EF4-FFF2-40B4-BE49-F238E27FC236}">
+                <a16:creationId xmlns:a16="http://schemas.microsoft.com/office/drawing/2014/main" id="{66210003-3781-0C47-990A-6F6149910DBA}"/>
+              </a:ext>
+            </a:extLst>
+          </p:cNvPr>
+          <p:cNvSpPr>
+            <a:spLocks noGrp="1"/>
+          </p:cNvSpPr>
+          <p:nvPr>
+            <p:ph type="title"/>
+          </p:nvPr>
+        </p:nvSpPr>
+        <p:spPr>
+          <a:xfrm>
+            <a:off x="2103121" y="310343"/>
+            <a:ext cx="7985759" cy="868823"/>
+          </a:xfrm>
+        </p:spPr>
+        <p:txBody>
+          <a:bodyPr vert="horz" lIns="91440" tIns="45720" rIns="91440" bIns="45720" rtlCol="0" anchor="ctr">
+            <a:normAutofit/>
+          </a:bodyPr>
+          <a:lstStyle/>
+          <a:p>
+            <a:pPr algn="ctr"/>
+            <a:r>
+              <a:rPr lang="en-US" sz="2800" dirty="0"/>
+              <a:t>Activity 3.2 : Patient booking appointment (</a:t>
+            </a:r>
+            <a:r>
+              <a:rPr lang="en-US" sz="2800" dirty="0" err="1"/>
+              <a:t>Ctd</a:t>
+            </a:r>
+            <a:r>
+              <a:rPr lang="en-US" sz="2800" dirty="0"/>
+              <a:t>)</a:t>
+            </a:r>
+          </a:p>
+        </p:txBody>
+      </p:sp>
+      <p:sp>
+        <p:nvSpPr>
+          <p:cNvPr id="70" name="Rectangle: Rounded Corners 69">
+            <a:extLst>
+              <a:ext uri="{FF2B5EF4-FFF2-40B4-BE49-F238E27FC236}">
+                <a16:creationId xmlns:a16="http://schemas.microsoft.com/office/drawing/2014/main" id="{586B4EF9-43BA-4655-A6FF-1D8E21574C95}"/>
+              </a:ext>
+              <a:ext uri="{C183D7F6-B498-43B3-948B-1728B52AA6E4}">
+                <adec:decorative xmlns:adec="http://schemas.microsoft.com/office/drawing/2017/decorative" val="1"/>
+              </a:ext>
+            </a:extLst>
+          </p:cNvPr>
+          <p:cNvSpPr>
+            <a:spLocks noGrp="1" noRot="1" noChangeAspect="1" noMove="1" noResize="1" noEditPoints="1" noAdjustHandles="1" noChangeArrowheads="1" noChangeShapeType="1" noTextEdit="1"/>
+          </p:cNvSpPr>
+          <p:nvPr>
+            <p:extLst>
+              <p:ext uri="{386F3935-93C4-4BCD-93E2-E3B085C9AB24}">
+                <p16:designElem xmlns:p16="http://schemas.microsoft.com/office/powerpoint/2015/main" val="1"/>
+              </p:ext>
+            </p:extLst>
+          </p:nvPr>
+        </p:nvSpPr>
+        <p:spPr>
+          <a:xfrm>
+            <a:off x="2483110" y="1211407"/>
+            <a:ext cx="7225780" cy="685800"/>
+          </a:xfrm>
+          <a:prstGeom prst="roundRect">
+            <a:avLst>
+              <a:gd name="adj" fmla="val 0"/>
+            </a:avLst>
+          </a:prstGeom>
+          <a:solidFill>
+            <a:schemeClr val="accent1"/>
+          </a:solidFill>
+          <a:ln>
+            <a:noFill/>
+          </a:ln>
+        </p:spPr>
+        <p:style>
+          <a:lnRef idx="2">
+            <a:schemeClr val="accent1">
+              <a:shade val="50000"/>
+            </a:schemeClr>
+          </a:lnRef>
+          <a:fillRef idx="1">
+            <a:schemeClr val="accent1"/>
+          </a:fillRef>
+          <a:effectRef idx="0">
+            <a:schemeClr val="accent1"/>
+          </a:effectRef>
+          <a:fontRef idx="minor">
+            <a:schemeClr val="lt1"/>
+          </a:fontRef>
+        </p:style>
+        <p:txBody>
+          <a:bodyPr rtlCol="0" anchor="ctr"/>
+          <a:lstStyle/>
+          <a:p>
+            <a:pPr marL="0" marR="0" lvl="0" indent="0" algn="ctr" defTabSz="914400" rtl="0" eaLnBrk="1" fontAlgn="auto" latinLnBrk="0" hangingPunct="1">
+              <a:lnSpc>
+                <a:spcPct val="100000"/>
+              </a:lnSpc>
+              <a:spcBef>
+                <a:spcPts val="0"/>
+              </a:spcBef>
+              <a:spcAft>
+                <a:spcPts val="0"/>
+              </a:spcAft>
+              <a:buClrTx/>
+              <a:buSzTx/>
+              <a:buFontTx/>
+              <a:buNone/>
+              <a:tabLst/>
+              <a:defRPr/>
+            </a:pPr>
+            <a:endParaRPr kumimoji="0" lang="en-US" sz="1800" b="0" i="0" u="none" strike="noStrike" kern="1200" cap="none" spc="0" normalizeH="0" baseline="0" noProof="0">
+              <a:ln>
+                <a:noFill/>
+              </a:ln>
+              <a:solidFill>
+                <a:prstClr val="white"/>
+              </a:solidFill>
+              <a:effectLst/>
+              <a:uLnTx/>
+              <a:uFillTx/>
+              <a:latin typeface="Avenir Next LT Pro"/>
+              <a:ea typeface="+mn-ea"/>
+              <a:cs typeface="+mn-cs"/>
+            </a:endParaRPr>
+          </a:p>
+        </p:txBody>
+      </p:sp>
+      <p:sp>
+        <p:nvSpPr>
+          <p:cNvPr id="18" name="Content Placeholder 17">
+            <a:extLst>
+              <a:ext uri="{FF2B5EF4-FFF2-40B4-BE49-F238E27FC236}">
+                <a16:creationId xmlns:a16="http://schemas.microsoft.com/office/drawing/2014/main" id="{4F4B7D0C-A0C3-9543-8365-2924DD289AF5}"/>
+              </a:ext>
+            </a:extLst>
+          </p:cNvPr>
+          <p:cNvSpPr>
+            <a:spLocks noGrp="1"/>
+          </p:cNvSpPr>
+          <p:nvPr>
+            <p:ph idx="1"/>
+          </p:nvPr>
+        </p:nvSpPr>
+        <p:spPr>
+          <a:xfrm>
+            <a:off x="2615738" y="1263807"/>
+            <a:ext cx="6960524" cy="598516"/>
+          </a:xfrm>
+        </p:spPr>
+        <p:txBody>
+          <a:bodyPr vert="horz" lIns="91440" tIns="45720" rIns="91440" bIns="45720" rtlCol="0" anchor="ctr">
+            <a:normAutofit/>
+          </a:bodyPr>
+          <a:lstStyle/>
+          <a:p>
+            <a:pPr marL="0" indent="0" algn="ctr">
+              <a:lnSpc>
+                <a:spcPct val="100000"/>
+              </a:lnSpc>
+              <a:buNone/>
+            </a:pPr>
+            <a:r>
+              <a:rPr lang="en-US" sz="1700" dirty="0"/>
+              <a:t>Patient filtering the needed doctor before booking appointment</a:t>
+            </a:r>
+          </a:p>
+        </p:txBody>
+      </p:sp>
+      <p:pic>
+        <p:nvPicPr>
+          <p:cNvPr id="4" name="Picture 3" descr="Table&#10;&#10;Description automatically generated">
+            <a:extLst>
+              <a:ext uri="{FF2B5EF4-FFF2-40B4-BE49-F238E27FC236}">
+                <a16:creationId xmlns:a16="http://schemas.microsoft.com/office/drawing/2014/main" id="{0BA02770-9C8E-CF4A-B2D7-09BF3E28AA9D}"/>
+              </a:ext>
+            </a:extLst>
+          </p:cNvPr>
+          <p:cNvPicPr>
+            <a:picLocks noChangeAspect="1"/>
+          </p:cNvPicPr>
+          <p:nvPr/>
+        </p:nvPicPr>
+        <p:blipFill>
+          <a:blip r:embed="rId2"/>
+          <a:stretch>
+            <a:fillRect/>
+          </a:stretch>
+        </p:blipFill>
+        <p:spPr>
+          <a:xfrm>
+            <a:off x="1798868" y="1929448"/>
+            <a:ext cx="3248526" cy="4688591"/>
+          </a:xfrm>
+          <a:prstGeom prst="rect">
+            <a:avLst/>
+          </a:prstGeom>
+        </p:spPr>
+      </p:pic>
+      <p:pic>
+        <p:nvPicPr>
+          <p:cNvPr id="11" name="Picture 10" descr="Table&#10;&#10;Description automatically generated">
+            <a:extLst>
+              <a:ext uri="{FF2B5EF4-FFF2-40B4-BE49-F238E27FC236}">
+                <a16:creationId xmlns:a16="http://schemas.microsoft.com/office/drawing/2014/main" id="{79615C89-703D-3D40-9546-692A17A2D276}"/>
+              </a:ext>
+            </a:extLst>
+          </p:cNvPr>
+          <p:cNvPicPr>
+            <a:picLocks noChangeAspect="1"/>
+          </p:cNvPicPr>
+          <p:nvPr/>
+        </p:nvPicPr>
+        <p:blipFill>
+          <a:blip r:embed="rId3"/>
+          <a:stretch>
+            <a:fillRect/>
+          </a:stretch>
+        </p:blipFill>
+        <p:spPr>
+          <a:xfrm>
+            <a:off x="5315844" y="1949607"/>
+            <a:ext cx="3248526" cy="4668432"/>
+          </a:xfrm>
+          <a:prstGeom prst="rect">
+            <a:avLst/>
+          </a:prstGeom>
+        </p:spPr>
+      </p:pic>
+      <p:pic>
+        <p:nvPicPr>
+          <p:cNvPr id="15" name="Picture 14" descr="PowerPoint&#10;&#10;Description automatically generated">
+            <a:extLst>
+              <a:ext uri="{FF2B5EF4-FFF2-40B4-BE49-F238E27FC236}">
+                <a16:creationId xmlns:a16="http://schemas.microsoft.com/office/drawing/2014/main" id="{84353733-C99E-B142-9BDA-DFB64FA574F8}"/>
+              </a:ext>
+            </a:extLst>
+          </p:cNvPr>
+          <p:cNvPicPr>
+            <a:picLocks noChangeAspect="1"/>
+          </p:cNvPicPr>
+          <p:nvPr/>
+        </p:nvPicPr>
+        <p:blipFill>
+          <a:blip r:embed="rId4"/>
+          <a:stretch>
+            <a:fillRect/>
+          </a:stretch>
+        </p:blipFill>
+        <p:spPr>
+          <a:xfrm>
+            <a:off x="8633272" y="1949606"/>
+            <a:ext cx="3248526" cy="4668433"/>
+          </a:xfrm>
+          <a:prstGeom prst="rect">
+            <a:avLst/>
+          </a:prstGeom>
+        </p:spPr>
+      </p:pic>
+    </p:spTree>
+    <p:extLst>
+      <p:ext uri="{BB962C8B-B14F-4D97-AF65-F5344CB8AC3E}">
+        <p14:creationId xmlns:p14="http://schemas.microsoft.com/office/powerpoint/2010/main" val="3268950662"/>
+      </p:ext>
+    </p:extLst>
+  </p:cSld>
+  <p:clrMapOvr>
+    <a:masterClrMapping/>
+  </p:clrMapOvr>
+</p:sld>
+</file>
+
+<file path=ppt/slides/slide11.xml><?xml version="1.0" encoding="utf-8"?>
+<p:sld xmlns:a="http://schemas.openxmlformats.org/drawingml/2006/main" xmlns:r="http://schemas.openxmlformats.org/officeDocument/2006/relationships" xmlns:p="http://schemas.openxmlformats.org/presentationml/2006/main">
+  <p:cSld>
+    <p:bg>
+      <p:bgPr>
+        <a:solidFill>
+          <a:schemeClr val="bg1"/>
+        </a:solidFill>
+        <a:effectLst/>
+      </p:bgPr>
+    </p:bg>
+    <p:spTree>
+      <p:nvGrpSpPr>
+        <p:cNvPr id="1" name=""/>
+        <p:cNvGrpSpPr/>
+        <p:nvPr/>
+      </p:nvGrpSpPr>
+      <p:grpSpPr>
+        <a:xfrm>
+          <a:off x="0" y="0"/>
+          <a:ext cx="0" cy="0"/>
+          <a:chOff x="0" y="0"/>
+          <a:chExt cx="0" cy="0"/>
+        </a:xfrm>
+      </p:grpSpPr>
+      <p:sp>
+        <p:nvSpPr>
+          <p:cNvPr id="75" name="Rectangle 74">
+            <a:extLst>
+              <a:ext uri="{FF2B5EF4-FFF2-40B4-BE49-F238E27FC236}">
+                <a16:creationId xmlns:a16="http://schemas.microsoft.com/office/drawing/2014/main" id="{8D06CE56-3881-4ADA-8CEF-D18B02C242A3}"/>
+              </a:ext>
+              <a:ext uri="{C183D7F6-B498-43B3-948B-1728B52AA6E4}">
+                <adec:decorative xmlns:adec="http://schemas.microsoft.com/office/drawing/2017/decorative" val="1"/>
+              </a:ext>
+            </a:extLst>
+          </p:cNvPr>
+          <p:cNvSpPr>
+            <a:spLocks noGrp="1" noRot="1" noChangeAspect="1" noMove="1" noResize="1" noEditPoints="1" noAdjustHandles="1" noChangeArrowheads="1" noChangeShapeType="1" noTextEdit="1"/>
+          </p:cNvSpPr>
+          <p:nvPr>
+            <p:extLst>
+              <p:ext uri="{386F3935-93C4-4BCD-93E2-E3B085C9AB24}">
+                <p16:designElem xmlns:p16="http://schemas.microsoft.com/office/powerpoint/2015/main" val="1"/>
+              </p:ext>
+            </p:extLst>
+          </p:nvPr>
+        </p:nvSpPr>
+        <p:spPr>
+          <a:xfrm rot="5400000">
+            <a:off x="857544" y="346791"/>
+            <a:ext cx="146304" cy="704088"/>
+          </a:xfrm>
+          <a:prstGeom prst="rect">
+            <a:avLst/>
+          </a:prstGeom>
+          <a:solidFill>
+            <a:schemeClr val="accent1"/>
+          </a:solidFill>
+          <a:ln>
+            <a:noFill/>
+          </a:ln>
+        </p:spPr>
+        <p:style>
+          <a:lnRef idx="2">
+            <a:schemeClr val="accent1">
+              <a:shade val="50000"/>
+            </a:schemeClr>
+          </a:lnRef>
+          <a:fillRef idx="1">
+            <a:schemeClr val="accent1"/>
+          </a:fillRef>
+          <a:effectRef idx="0">
+            <a:schemeClr val="accent1"/>
+          </a:effectRef>
+          <a:fontRef idx="minor">
+            <a:schemeClr val="lt1"/>
+          </a:fontRef>
+        </p:style>
+        <p:txBody>
+          <a:bodyPr rtlCol="0" anchor="ctr"/>
+          <a:lstStyle/>
+          <a:p>
+            <a:pPr marL="0" marR="0" lvl="0" indent="0" algn="ctr" defTabSz="914400" rtl="0" eaLnBrk="1" fontAlgn="auto" latinLnBrk="0" hangingPunct="1">
+              <a:lnSpc>
+                <a:spcPct val="100000"/>
+              </a:lnSpc>
+              <a:spcBef>
+                <a:spcPts val="0"/>
+              </a:spcBef>
+              <a:spcAft>
+                <a:spcPts val="0"/>
+              </a:spcAft>
+              <a:buClrTx/>
+              <a:buSzTx/>
+              <a:buFontTx/>
+              <a:buNone/>
+              <a:tabLst/>
+              <a:defRPr/>
+            </a:pPr>
+            <a:endParaRPr kumimoji="0" lang="en-US" sz="1800" b="0" i="0" u="none" strike="noStrike" kern="1200" cap="none" spc="0" normalizeH="0" baseline="0" noProof="0">
+              <a:ln>
+                <a:noFill/>
+              </a:ln>
+              <a:solidFill>
+                <a:prstClr val="white"/>
+              </a:solidFill>
+              <a:effectLst/>
+              <a:uLnTx/>
+              <a:uFillTx/>
+              <a:latin typeface="Calibri" panose="020F0502020204030204"/>
+              <a:ea typeface="+mn-ea"/>
+              <a:cs typeface="+mn-cs"/>
+            </a:endParaRPr>
+          </a:p>
+        </p:txBody>
+      </p:sp>
+      <p:sp>
+        <p:nvSpPr>
+          <p:cNvPr id="77" name="Rectangle 76">
+            <a:extLst>
+              <a:ext uri="{FF2B5EF4-FFF2-40B4-BE49-F238E27FC236}">
+                <a16:creationId xmlns:a16="http://schemas.microsoft.com/office/drawing/2014/main" id="{79F3C543-62EC-4433-9C93-A2CD8764E9B4}"/>
+              </a:ext>
+              <a:ext uri="{C183D7F6-B498-43B3-948B-1728B52AA6E4}">
+                <adec:decorative xmlns:adec="http://schemas.microsoft.com/office/drawing/2017/decorative" val="1"/>
+              </a:ext>
+            </a:extLst>
+          </p:cNvPr>
+          <p:cNvSpPr>
+            <a:spLocks noGrp="1" noRot="1" noChangeAspect="1" noMove="1" noResize="1" noEditPoints="1" noAdjustHandles="1" noChangeArrowheads="1" noChangeShapeType="1" noTextEdit="1"/>
+          </p:cNvSpPr>
+          <p:nvPr>
+            <p:extLst>
+              <p:ext uri="{386F3935-93C4-4BCD-93E2-E3B085C9AB24}">
+                <p16:designElem xmlns:p16="http://schemas.microsoft.com/office/powerpoint/2015/main" val="1"/>
+              </p:ext>
+            </p:extLst>
+          </p:nvPr>
+        </p:nvSpPr>
+        <p:spPr>
+          <a:xfrm flipV="1">
+            <a:off x="578652" y="4501201"/>
+            <a:ext cx="11034696" cy="18288"/>
+          </a:xfrm>
+          <a:prstGeom prst="rect">
+            <a:avLst/>
+          </a:prstGeom>
+          <a:solidFill>
+            <a:schemeClr val="tx2">
+              <a:lumMod val="25000"/>
+              <a:lumOff val="75000"/>
+            </a:schemeClr>
+          </a:solidFill>
+          <a:ln w="3175">
+            <a:noFill/>
+          </a:ln>
+          <a:effectLst/>
+        </p:spPr>
+        <p:style>
+          <a:lnRef idx="2">
+            <a:schemeClr val="accent1">
+              <a:shade val="50000"/>
+            </a:schemeClr>
+          </a:lnRef>
+          <a:fillRef idx="1">
+            <a:schemeClr val="accent1"/>
+          </a:fillRef>
+          <a:effectRef idx="0">
+            <a:schemeClr val="accent1"/>
+          </a:effectRef>
+          <a:fontRef idx="minor">
+            <a:schemeClr val="lt1"/>
+          </a:fontRef>
+        </p:style>
+        <p:txBody>
+          <a:bodyPr rtlCol="0" anchor="ctr"/>
+          <a:lstStyle/>
+          <a:p>
+            <a:pPr marL="0" marR="0" lvl="0" indent="0" algn="ctr" defTabSz="914400" rtl="0" eaLnBrk="1" fontAlgn="auto" latinLnBrk="0" hangingPunct="1">
+              <a:lnSpc>
+                <a:spcPct val="100000"/>
+              </a:lnSpc>
+              <a:spcBef>
+                <a:spcPts val="0"/>
+              </a:spcBef>
+              <a:spcAft>
+                <a:spcPts val="0"/>
+              </a:spcAft>
+              <a:buClrTx/>
+              <a:buSzTx/>
+              <a:buFontTx/>
+              <a:buNone/>
+              <a:tabLst/>
+              <a:defRPr/>
+            </a:pPr>
+            <a:endParaRPr kumimoji="0" lang="en-US" sz="1800" b="0" i="0" u="none" strike="noStrike" kern="1200" cap="none" spc="0" normalizeH="0" baseline="0" noProof="0">
+              <a:ln>
+                <a:noFill/>
+              </a:ln>
+              <a:solidFill>
+                <a:prstClr val="white"/>
+              </a:solidFill>
+              <a:effectLst/>
+              <a:uLnTx/>
+              <a:uFillTx/>
+              <a:latin typeface="Calibri" panose="020F0502020204030204"/>
+              <a:ea typeface="+mn-ea"/>
+              <a:cs typeface="+mn-cs"/>
+            </a:endParaRPr>
+          </a:p>
+        </p:txBody>
+      </p:sp>
+      <p:sp useBgFill="1">
+        <p:nvSpPr>
+          <p:cNvPr id="79" name="Rectangle 78">
+            <a:extLst>
+              <a:ext uri="{FF2B5EF4-FFF2-40B4-BE49-F238E27FC236}">
+                <a16:creationId xmlns:a16="http://schemas.microsoft.com/office/drawing/2014/main" id="{96646FC9-C66D-4EC7-8310-0DD4ACC49C6C}"/>
+              </a:ext>
+              <a:ext uri="{C183D7F6-B498-43B3-948B-1728B52AA6E4}">
+                <adec:decorative xmlns:adec="http://schemas.microsoft.com/office/drawing/2017/decorative" val="1"/>
+              </a:ext>
+            </a:extLst>
+          </p:cNvPr>
+          <p:cNvSpPr>
+            <a:spLocks noGrp="1" noRot="1" noChangeAspect="1" noMove="1" noResize="1" noEditPoints="1" noAdjustHandles="1" noChangeArrowheads="1" noChangeShapeType="1" noTextEdit="1"/>
+          </p:cNvSpPr>
+          <p:nvPr>
+            <p:extLst>
+              <p:ext uri="{386F3935-93C4-4BCD-93E2-E3B085C9AB24}">
+                <p16:designElem xmlns:p16="http://schemas.microsoft.com/office/powerpoint/2015/main" val="1"/>
+              </p:ext>
+            </p:extLst>
+          </p:nvPr>
+        </p:nvSpPr>
+        <p:spPr>
+          <a:xfrm>
+            <a:off x="0" y="0"/>
+            <a:ext cx="12192000" cy="6858000"/>
+          </a:xfrm>
+          <a:prstGeom prst="rect">
+            <a:avLst/>
+          </a:prstGeom>
+          <a:ln>
+            <a:noFill/>
+          </a:ln>
+        </p:spPr>
+        <p:style>
+          <a:lnRef idx="2">
+            <a:schemeClr val="accent1">
+              <a:shade val="50000"/>
+            </a:schemeClr>
+          </a:lnRef>
+          <a:fillRef idx="1">
+            <a:schemeClr val="accent1"/>
+          </a:fillRef>
+          <a:effectRef idx="0">
+            <a:schemeClr val="accent1"/>
+          </a:effectRef>
+          <a:fontRef idx="minor">
+            <a:schemeClr val="lt1"/>
+          </a:fontRef>
+        </p:style>
+        <p:txBody>
+          <a:bodyPr rtlCol="0" anchor="ctr"/>
+          <a:lstStyle/>
+          <a:p>
+            <a:pPr algn="ctr"/>
+            <a:endParaRPr lang="en-US"/>
+          </a:p>
+        </p:txBody>
+      </p:sp>
+      <p:sp useBgFill="1">
+        <p:nvSpPr>
+          <p:cNvPr id="81" name="Rectangle 80">
+            <a:extLst>
+              <a:ext uri="{FF2B5EF4-FFF2-40B4-BE49-F238E27FC236}">
+                <a16:creationId xmlns:a16="http://schemas.microsoft.com/office/drawing/2014/main" id="{A3473CF9-37EB-43E7-89EF-D2D1C53D1DAC}"/>
+              </a:ext>
+              <a:ext uri="{C183D7F6-B498-43B3-948B-1728B52AA6E4}">
+                <adec:decorative xmlns:adec="http://schemas.microsoft.com/office/drawing/2017/decorative" val="1"/>
+              </a:ext>
+            </a:extLst>
+          </p:cNvPr>
+          <p:cNvSpPr>
+            <a:spLocks noGrp="1" noRot="1" noChangeAspect="1" noMove="1" noResize="1" noEditPoints="1" noAdjustHandles="1" noChangeArrowheads="1" noChangeShapeType="1" noTextEdit="1"/>
+          </p:cNvSpPr>
+          <p:nvPr>
+            <p:extLst>
+              <p:ext uri="{386F3935-93C4-4BCD-93E2-E3B085C9AB24}">
+                <p16:designElem xmlns:p16="http://schemas.microsoft.com/office/powerpoint/2015/main" val="1"/>
+              </p:ext>
+            </p:extLst>
+          </p:nvPr>
+        </p:nvSpPr>
+        <p:spPr>
+          <a:xfrm>
+            <a:off x="1903615" y="221673"/>
+            <a:ext cx="8384770" cy="1332634"/>
+          </a:xfrm>
+          <a:prstGeom prst="rect">
+            <a:avLst/>
+          </a:prstGeom>
+          <a:ln w="12700">
+            <a:solidFill>
+              <a:schemeClr val="tx2">
+                <a:lumMod val="10000"/>
+                <a:lumOff val="90000"/>
+              </a:schemeClr>
+            </a:solidFill>
+          </a:ln>
+          <a:effectLst>
+            <a:outerShdw blurRad="50800" dist="38100" dir="2700000" algn="tl" rotWithShape="0">
+              <a:schemeClr val="bg2">
+                <a:lumMod val="85000"/>
+                <a:alpha val="30000"/>
+              </a:schemeClr>
+            </a:outerShdw>
+          </a:effectLst>
+        </p:spPr>
+        <p:style>
+          <a:lnRef idx="2">
+            <a:schemeClr val="accent1">
+              <a:shade val="50000"/>
+            </a:schemeClr>
+          </a:lnRef>
+          <a:fillRef idx="1">
+            <a:schemeClr val="accent1"/>
+          </a:fillRef>
+          <a:effectRef idx="0">
+            <a:schemeClr val="accent1"/>
+          </a:effectRef>
+          <a:fontRef idx="minor">
+            <a:schemeClr val="lt1"/>
+          </a:fontRef>
+        </p:style>
+        <p:txBody>
+          <a:bodyPr rtlCol="0" anchor="ctr"/>
+          <a:lstStyle/>
+          <a:p>
+            <a:pPr marL="0" marR="0" lvl="0" indent="0" algn="ctr" defTabSz="914400" rtl="0" eaLnBrk="1" fontAlgn="auto" latinLnBrk="0" hangingPunct="1">
+              <a:lnSpc>
+                <a:spcPct val="100000"/>
+              </a:lnSpc>
+              <a:spcBef>
+                <a:spcPts val="0"/>
+              </a:spcBef>
+              <a:spcAft>
+                <a:spcPts val="0"/>
+              </a:spcAft>
+              <a:buClrTx/>
+              <a:buSzTx/>
+              <a:buFontTx/>
+              <a:buNone/>
+              <a:tabLst/>
+              <a:defRPr/>
+            </a:pPr>
+            <a:endParaRPr kumimoji="0" lang="en-US" sz="1800" b="0" i="0" u="none" strike="noStrike" kern="1200" cap="none" spc="0" normalizeH="0" baseline="0" noProof="0">
+              <a:ln>
+                <a:noFill/>
+              </a:ln>
+              <a:solidFill>
+                <a:prstClr val="white"/>
+              </a:solidFill>
+              <a:effectLst/>
+              <a:uLnTx/>
+              <a:uFillTx/>
+              <a:latin typeface="Calibri" panose="020F0502020204030204"/>
+              <a:ea typeface="+mn-ea"/>
+              <a:cs typeface="+mn-cs"/>
+            </a:endParaRPr>
+          </a:p>
+        </p:txBody>
+      </p:sp>
+      <p:sp>
+        <p:nvSpPr>
+          <p:cNvPr id="2" name="Title 1">
+            <a:extLst>
+              <a:ext uri="{FF2B5EF4-FFF2-40B4-BE49-F238E27FC236}">
+                <a16:creationId xmlns:a16="http://schemas.microsoft.com/office/drawing/2014/main" id="{66210003-3781-0C47-990A-6F6149910DBA}"/>
+              </a:ext>
+            </a:extLst>
+          </p:cNvPr>
+          <p:cNvSpPr>
+            <a:spLocks noGrp="1"/>
+          </p:cNvSpPr>
+          <p:nvPr>
+            <p:ph type="title"/>
+          </p:nvPr>
+        </p:nvSpPr>
+        <p:spPr>
+          <a:xfrm>
+            <a:off x="2103121" y="310343"/>
+            <a:ext cx="7985759" cy="868823"/>
+          </a:xfrm>
+        </p:spPr>
+        <p:txBody>
+          <a:bodyPr vert="horz" lIns="91440" tIns="45720" rIns="91440" bIns="45720" rtlCol="0" anchor="ctr">
+            <a:normAutofit/>
+          </a:bodyPr>
+          <a:lstStyle/>
+          <a:p>
+            <a:pPr algn="ctr"/>
+            <a:r>
+              <a:rPr lang="en-US" sz="2800" dirty="0"/>
+              <a:t>Activity 3.2 : Patient booking appointment (</a:t>
+            </a:r>
+            <a:r>
+              <a:rPr lang="en-US" sz="2800"/>
+              <a:t>Ctd</a:t>
+            </a:r>
+            <a:r>
+              <a:rPr lang="en-US" sz="2800" dirty="0"/>
+              <a:t>)</a:t>
+            </a:r>
+          </a:p>
+        </p:txBody>
+      </p:sp>
+      <p:sp>
+        <p:nvSpPr>
+          <p:cNvPr id="83" name="Rectangle: Rounded Corners 82">
+            <a:extLst>
+              <a:ext uri="{FF2B5EF4-FFF2-40B4-BE49-F238E27FC236}">
+                <a16:creationId xmlns:a16="http://schemas.microsoft.com/office/drawing/2014/main" id="{586B4EF9-43BA-4655-A6FF-1D8E21574C95}"/>
+              </a:ext>
+              <a:ext uri="{C183D7F6-B498-43B3-948B-1728B52AA6E4}">
+                <adec:decorative xmlns:adec="http://schemas.microsoft.com/office/drawing/2017/decorative" val="1"/>
+              </a:ext>
+            </a:extLst>
+          </p:cNvPr>
+          <p:cNvSpPr>
+            <a:spLocks noGrp="1" noRot="1" noChangeAspect="1" noMove="1" noResize="1" noEditPoints="1" noAdjustHandles="1" noChangeArrowheads="1" noChangeShapeType="1" noTextEdit="1"/>
+          </p:cNvSpPr>
+          <p:nvPr>
+            <p:extLst>
+              <p:ext uri="{386F3935-93C4-4BCD-93E2-E3B085C9AB24}">
+                <p16:designElem xmlns:p16="http://schemas.microsoft.com/office/powerpoint/2015/main" val="1"/>
+              </p:ext>
+            </p:extLst>
+          </p:nvPr>
+        </p:nvSpPr>
+        <p:spPr>
+          <a:xfrm>
+            <a:off x="2483110" y="1211407"/>
+            <a:ext cx="7225780" cy="685800"/>
+          </a:xfrm>
+          <a:prstGeom prst="roundRect">
+            <a:avLst>
+              <a:gd name="adj" fmla="val 0"/>
+            </a:avLst>
+          </a:prstGeom>
+          <a:solidFill>
+            <a:schemeClr val="accent1"/>
+          </a:solidFill>
+          <a:ln>
+            <a:noFill/>
+          </a:ln>
+        </p:spPr>
+        <p:style>
+          <a:lnRef idx="2">
+            <a:schemeClr val="accent1">
+              <a:shade val="50000"/>
+            </a:schemeClr>
+          </a:lnRef>
+          <a:fillRef idx="1">
+            <a:schemeClr val="accent1"/>
+          </a:fillRef>
+          <a:effectRef idx="0">
+            <a:schemeClr val="accent1"/>
+          </a:effectRef>
+          <a:fontRef idx="minor">
+            <a:schemeClr val="lt1"/>
+          </a:fontRef>
+        </p:style>
+        <p:txBody>
+          <a:bodyPr rtlCol="0" anchor="ctr"/>
+          <a:lstStyle/>
+          <a:p>
+            <a:pPr marL="0" marR="0" lvl="0" indent="0" algn="ctr" defTabSz="914400" rtl="0" eaLnBrk="1" fontAlgn="auto" latinLnBrk="0" hangingPunct="1">
+              <a:lnSpc>
+                <a:spcPct val="100000"/>
+              </a:lnSpc>
+              <a:spcBef>
+                <a:spcPts val="0"/>
+              </a:spcBef>
+              <a:spcAft>
+                <a:spcPts val="0"/>
+              </a:spcAft>
+              <a:buClrTx/>
+              <a:buSzTx/>
+              <a:buFontTx/>
+              <a:buNone/>
+              <a:tabLst/>
+              <a:defRPr/>
+            </a:pPr>
+            <a:endParaRPr kumimoji="0" lang="en-US" sz="1800" b="0" i="0" u="none" strike="noStrike" kern="1200" cap="none" spc="0" normalizeH="0" baseline="0" noProof="0">
+              <a:ln>
+                <a:noFill/>
+              </a:ln>
+              <a:solidFill>
+                <a:prstClr val="white"/>
+              </a:solidFill>
+              <a:effectLst/>
+              <a:uLnTx/>
+              <a:uFillTx/>
+              <a:latin typeface="Avenir Next LT Pro"/>
+              <a:ea typeface="+mn-ea"/>
+              <a:cs typeface="+mn-cs"/>
+            </a:endParaRPr>
+          </a:p>
+        </p:txBody>
+      </p:sp>
+      <p:sp>
+        <p:nvSpPr>
+          <p:cNvPr id="18" name="Content Placeholder 17">
+            <a:extLst>
+              <a:ext uri="{FF2B5EF4-FFF2-40B4-BE49-F238E27FC236}">
+                <a16:creationId xmlns:a16="http://schemas.microsoft.com/office/drawing/2014/main" id="{4F4B7D0C-A0C3-9543-8365-2924DD289AF5}"/>
+              </a:ext>
+            </a:extLst>
+          </p:cNvPr>
+          <p:cNvSpPr>
+            <a:spLocks noGrp="1"/>
+          </p:cNvSpPr>
+          <p:nvPr>
+            <p:ph idx="1"/>
+          </p:nvPr>
+        </p:nvSpPr>
+        <p:spPr>
+          <a:xfrm>
+            <a:off x="2615738" y="1263807"/>
+            <a:ext cx="6960524" cy="598516"/>
+          </a:xfrm>
+        </p:spPr>
+        <p:txBody>
+          <a:bodyPr vert="horz" lIns="91440" tIns="45720" rIns="91440" bIns="45720" rtlCol="0" anchor="ctr">
+            <a:normAutofit/>
+          </a:bodyPr>
+          <a:lstStyle/>
+          <a:p>
+            <a:pPr marL="0" indent="0" algn="ctr">
+              <a:lnSpc>
+                <a:spcPct val="100000"/>
+              </a:lnSpc>
+              <a:buNone/>
+            </a:pPr>
+            <a:r>
+              <a:rPr lang="en-US" sz="1700">
+                <a:solidFill>
+                  <a:schemeClr val="bg1"/>
+                </a:solidFill>
+              </a:rPr>
+              <a:t>Patient filtering the needed doctor before booking appointment</a:t>
+            </a:r>
+          </a:p>
+        </p:txBody>
+      </p:sp>
+      <p:pic>
+        <p:nvPicPr>
+          <p:cNvPr id="7" name="Picture 6" descr="A picture containing background pattern&#10;&#10;Description automatically generated">
+            <a:extLst>
+              <a:ext uri="{FF2B5EF4-FFF2-40B4-BE49-F238E27FC236}">
+                <a16:creationId xmlns:a16="http://schemas.microsoft.com/office/drawing/2014/main" id="{0EF7EE5E-AC1A-3648-9664-6258E16E8D1E}"/>
+              </a:ext>
+            </a:extLst>
+          </p:cNvPr>
+          <p:cNvPicPr>
+            <a:picLocks noChangeAspect="1"/>
+          </p:cNvPicPr>
+          <p:nvPr/>
+        </p:nvPicPr>
+        <p:blipFill>
+          <a:blip r:embed="rId2"/>
+          <a:stretch>
+            <a:fillRect/>
+          </a:stretch>
+        </p:blipFill>
+        <p:spPr>
+          <a:xfrm>
+            <a:off x="6446776" y="2015229"/>
+            <a:ext cx="1935601" cy="4096512"/>
+          </a:xfrm>
+          <a:prstGeom prst="rect">
+            <a:avLst/>
+          </a:prstGeom>
+        </p:spPr>
+      </p:pic>
+      <p:pic>
+        <p:nvPicPr>
+          <p:cNvPr id="5" name="Picture 4" descr="PowerPoint&#10;&#10;Description automatically generated">
+            <a:extLst>
+              <a:ext uri="{FF2B5EF4-FFF2-40B4-BE49-F238E27FC236}">
+                <a16:creationId xmlns:a16="http://schemas.microsoft.com/office/drawing/2014/main" id="{44EAEB67-27AB-234D-BCE1-8CFA9E4B5213}"/>
+              </a:ext>
+            </a:extLst>
+          </p:cNvPr>
+          <p:cNvPicPr>
+            <a:picLocks noChangeAspect="1"/>
+          </p:cNvPicPr>
+          <p:nvPr/>
+        </p:nvPicPr>
+        <p:blipFill>
+          <a:blip r:embed="rId3"/>
+          <a:stretch>
+            <a:fillRect/>
+          </a:stretch>
+        </p:blipFill>
+        <p:spPr>
+          <a:xfrm>
+            <a:off x="3743122" y="2015229"/>
+            <a:ext cx="1935601" cy="4096512"/>
+          </a:xfrm>
+          <a:prstGeom prst="rect">
+            <a:avLst/>
+          </a:prstGeom>
+        </p:spPr>
+      </p:pic>
+    </p:spTree>
+    <p:extLst>
+      <p:ext uri="{BB962C8B-B14F-4D97-AF65-F5344CB8AC3E}">
+        <p14:creationId xmlns:p14="http://schemas.microsoft.com/office/powerpoint/2010/main" val="1350722108"/>
+      </p:ext>
+    </p:extLst>
+  </p:cSld>
+  <p:clrMapOvr>
+    <a:masterClrMapping/>
+  </p:clrMapOvr>
+</p:sld>
+</file>
+
+<file path=ppt/slides/slide12.xml><?xml version="1.0" encoding="utf-8"?>
+<p:sld xmlns:a="http://schemas.openxmlformats.org/drawingml/2006/main" xmlns:r="http://schemas.openxmlformats.org/officeDocument/2006/relationships" xmlns:p="http://schemas.openxmlformats.org/presentationml/2006/main">
+  <p:cSld>
+    <p:spTree>
+      <p:nvGrpSpPr>
+        <p:cNvPr id="1" name=""/>
+        <p:cNvGrpSpPr/>
+        <p:nvPr/>
+      </p:nvGrpSpPr>
+      <p:grpSpPr>
+        <a:xfrm>
+          <a:off x="0" y="0"/>
+          <a:ext cx="0" cy="0"/>
+          <a:chOff x="0" y="0"/>
+          <a:chExt cx="0" cy="0"/>
+        </a:xfrm>
+      </p:grpSpPr>
+      <p:sp>
+        <p:nvSpPr>
+          <p:cNvPr id="2" name="Title 1">
+            <a:extLst>
+              <a:ext uri="{FF2B5EF4-FFF2-40B4-BE49-F238E27FC236}">
+                <a16:creationId xmlns:a16="http://schemas.microsoft.com/office/drawing/2014/main" id="{CBA9AC2E-D45B-0541-9480-2697F62C4E3C}"/>
+              </a:ext>
+            </a:extLst>
+          </p:cNvPr>
+          <p:cNvSpPr>
+            <a:spLocks noGrp="1"/>
+          </p:cNvSpPr>
+          <p:nvPr>
+            <p:ph type="title"/>
+          </p:nvPr>
+        </p:nvSpPr>
+        <p:spPr/>
+        <p:txBody>
+          <a:bodyPr/>
+          <a:lstStyle/>
+          <a:p>
+            <a:r>
+              <a:rPr lang="en-US" dirty="0"/>
+              <a:t>Social Relevance</a:t>
+            </a:r>
+          </a:p>
+        </p:txBody>
+      </p:sp>
+      <p:sp>
+        <p:nvSpPr>
+          <p:cNvPr id="3" name="Content Placeholder 2">
+            <a:extLst>
+              <a:ext uri="{FF2B5EF4-FFF2-40B4-BE49-F238E27FC236}">
+                <a16:creationId xmlns:a16="http://schemas.microsoft.com/office/drawing/2014/main" id="{416C121F-D518-CB4F-A3D7-8EFB663643CA}"/>
+              </a:ext>
+            </a:extLst>
+          </p:cNvPr>
+          <p:cNvSpPr>
+            <a:spLocks noGrp="1"/>
+          </p:cNvSpPr>
+          <p:nvPr>
+            <p:ph idx="1"/>
+          </p:nvPr>
+        </p:nvSpPr>
+        <p:spPr>
+          <a:xfrm>
+            <a:off x="1115568" y="1615440"/>
+            <a:ext cx="10168128" cy="4556760"/>
+          </a:xfrm>
+        </p:spPr>
+        <p:txBody>
+          <a:bodyPr/>
+          <a:lstStyle/>
+          <a:p>
+            <a:r>
+              <a:rPr lang="en-US" dirty="0"/>
+              <a:t>This mini helper software is to help small clinics to avoid social gathering during COVID.</a:t>
+            </a:r>
+            <a:endParaRPr lang="en-US" b="1" dirty="0"/>
+          </a:p>
+          <a:p>
+            <a:r>
+              <a:rPr lang="en-US" b="1" dirty="0"/>
+              <a:t>Patient</a:t>
+            </a:r>
+            <a:r>
+              <a:rPr lang="en-US" dirty="0"/>
+              <a:t> can book appointments by selecting from the available doctors from Home and visit only at appointed time. Thus, resolving issue of social gathering.</a:t>
+            </a:r>
+          </a:p>
+          <a:p>
+            <a:r>
+              <a:rPr lang="en-US" b="1" dirty="0"/>
+              <a:t>Blood Donors</a:t>
+            </a:r>
+            <a:r>
+              <a:rPr lang="en-US" dirty="0"/>
+              <a:t> can register. HealthCare System can look into list of donors and connect in need.</a:t>
+            </a:r>
+          </a:p>
+          <a:p>
+            <a:r>
+              <a:rPr lang="en-US" dirty="0"/>
+              <a:t>Thus, the patient and healthcare system can function with social distance rules followed.</a:t>
+            </a:r>
+          </a:p>
+          <a:p>
+            <a:endParaRPr lang="en-US" dirty="0"/>
+          </a:p>
+        </p:txBody>
+      </p:sp>
+    </p:spTree>
+    <p:extLst>
+      <p:ext uri="{BB962C8B-B14F-4D97-AF65-F5344CB8AC3E}">
+        <p14:creationId xmlns:p14="http://schemas.microsoft.com/office/powerpoint/2010/main" val="1757564096"/>
+      </p:ext>
+    </p:extLst>
+  </p:cSld>
+  <p:clrMapOvr>
+    <a:masterClrMapping/>
+  </p:clrMapOvr>
+</p:sld>
+</file>
+
+<file path=ppt/slides/slide13.xml><?xml version="1.0" encoding="utf-8"?>
+<p:sld xmlns:a="http://schemas.openxmlformats.org/drawingml/2006/main" xmlns:r="http://schemas.openxmlformats.org/officeDocument/2006/relationships" xmlns:p="http://schemas.openxmlformats.org/presentationml/2006/main">
+  <p:cSld>
+    <p:spTree>
+      <p:nvGrpSpPr>
+        <p:cNvPr id="1" name=""/>
+        <p:cNvGrpSpPr/>
+        <p:nvPr/>
+      </p:nvGrpSpPr>
+      <p:grpSpPr>
+        <a:xfrm>
+          <a:off x="0" y="0"/>
+          <a:ext cx="0" cy="0"/>
+          <a:chOff x="0" y="0"/>
+          <a:chExt cx="0" cy="0"/>
+        </a:xfrm>
+      </p:grpSpPr>
+      <p:sp>
+        <p:nvSpPr>
+          <p:cNvPr id="2" name="Title 1">
+            <a:extLst>
+              <a:ext uri="{FF2B5EF4-FFF2-40B4-BE49-F238E27FC236}">
+                <a16:creationId xmlns:a16="http://schemas.microsoft.com/office/drawing/2014/main" id="{31AF0C7C-B714-984F-B17B-20CAEDF84941}"/>
+              </a:ext>
+            </a:extLst>
+          </p:cNvPr>
+          <p:cNvSpPr>
+            <a:spLocks noGrp="1"/>
+          </p:cNvSpPr>
+          <p:nvPr>
+            <p:ph type="title"/>
+          </p:nvPr>
+        </p:nvSpPr>
+        <p:spPr>
+          <a:xfrm>
+            <a:off x="3807904" y="2369759"/>
+            <a:ext cx="4707445" cy="1059241"/>
+          </a:xfrm>
+        </p:spPr>
+        <p:txBody>
+          <a:bodyPr>
+            <a:normAutofit/>
+          </a:bodyPr>
+          <a:lstStyle/>
+          <a:p>
+            <a:r>
+              <a:rPr lang="en-US" dirty="0">
+                <a:solidFill>
+                  <a:schemeClr val="accent4"/>
+                </a:solidFill>
+              </a:rPr>
+              <a:t>Database</a:t>
+            </a:r>
+          </a:p>
+        </p:txBody>
+      </p:sp>
+      <p:pic>
+        <p:nvPicPr>
+          <p:cNvPr id="2050" name="Picture 2" descr="Key Activities and Your Business Model - Business 2 Community">
+            <a:extLst>
+              <a:ext uri="{FF2B5EF4-FFF2-40B4-BE49-F238E27FC236}">
+                <a16:creationId xmlns:a16="http://schemas.microsoft.com/office/drawing/2014/main" id="{8BF49BF8-BC9C-B941-8C37-99EEA860847C}"/>
+              </a:ext>
+            </a:extLst>
+          </p:cNvPr>
+          <p:cNvPicPr>
+            <a:picLocks noChangeAspect="1" noChangeArrowheads="1"/>
+          </p:cNvPicPr>
+          <p:nvPr/>
+        </p:nvPicPr>
+        <p:blipFill>
+          <a:blip r:embed="rId2">
+            <a:extLst>
+              <a:ext uri="{28A0092B-C50C-407E-A947-70E740481C1C}">
+                <a14:useLocalDpi xmlns:a14="http://schemas.microsoft.com/office/drawing/2010/main" val="0"/>
+              </a:ext>
+            </a:extLst>
+          </a:blip>
+          <a:srcRect/>
+          <a:stretch>
+            <a:fillRect/>
+          </a:stretch>
+        </p:blipFill>
+        <p:spPr bwMode="auto">
+          <a:xfrm>
+            <a:off x="801687" y="1721491"/>
+            <a:ext cx="2400300" cy="2400300"/>
+          </a:xfrm>
+          <a:prstGeom prst="rect">
+            <a:avLst/>
+          </a:prstGeom>
+          <a:noFill/>
+          <a:extLst>
+            <a:ext uri="{909E8E84-426E-40DD-AFC4-6F175D3DCCD1}">
+              <a14:hiddenFill xmlns:a14="http://schemas.microsoft.com/office/drawing/2010/main">
+                <a:solidFill>
+                  <a:srgbClr val="FFFFFF"/>
+                </a:solidFill>
+              </a14:hiddenFill>
+            </a:ext>
+          </a:extLst>
+        </p:spPr>
+      </p:pic>
+    </p:spTree>
+    <p:extLst>
+      <p:ext uri="{BB962C8B-B14F-4D97-AF65-F5344CB8AC3E}">
+        <p14:creationId xmlns:p14="http://schemas.microsoft.com/office/powerpoint/2010/main" val="3881169715"/>
+      </p:ext>
+    </p:extLst>
+  </p:cSld>
+  <p:clrMapOvr>
+    <a:masterClrMapping/>
+  </p:clrMapOvr>
+</p:sld>
+</file>
+
+<file path=ppt/slides/slide14.xml><?xml version="1.0" encoding="utf-8"?>
+<p:sld xmlns:a="http://schemas.openxmlformats.org/drawingml/2006/main" xmlns:r="http://schemas.openxmlformats.org/officeDocument/2006/relationships" xmlns:p="http://schemas.openxmlformats.org/presentationml/2006/main">
+  <p:cSld>
+    <p:bg>
+      <p:bgPr>
+        <a:solidFill>
+          <a:schemeClr val="bg1"/>
+        </a:solidFill>
+        <a:effectLst/>
+      </p:bgPr>
+    </p:bg>
+    <p:spTree>
+      <p:nvGrpSpPr>
+        <p:cNvPr id="1" name=""/>
+        <p:cNvGrpSpPr/>
+        <p:nvPr/>
+      </p:nvGrpSpPr>
+      <p:grpSpPr>
+        <a:xfrm>
+          <a:off x="0" y="0"/>
+          <a:ext cx="0" cy="0"/>
+          <a:chOff x="0" y="0"/>
+          <a:chExt cx="0" cy="0"/>
+        </a:xfrm>
+      </p:grpSpPr>
+      <p:sp useBgFill="1">
+        <p:nvSpPr>
+          <p:cNvPr id="12" name="Rectangle 11">
+            <a:extLst>
+              <a:ext uri="{FF2B5EF4-FFF2-40B4-BE49-F238E27FC236}">
+                <a16:creationId xmlns:a16="http://schemas.microsoft.com/office/drawing/2014/main" id="{2C9A9DA9-7DC8-488B-A882-123947B0F3D9}"/>
+              </a:ext>
+              <a:ext uri="{C183D7F6-B498-43B3-948B-1728B52AA6E4}">
+                <adec:decorative xmlns:adec="http://schemas.microsoft.com/office/drawing/2017/decorative" val="1"/>
+              </a:ext>
+            </a:extLst>
+          </p:cNvPr>
+          <p:cNvSpPr>
+            <a:spLocks noGrp="1" noRot="1" noChangeAspect="1" noMove="1" noResize="1" noEditPoints="1" noAdjustHandles="1" noChangeArrowheads="1" noChangeShapeType="1" noTextEdit="1"/>
+          </p:cNvSpPr>
+          <p:nvPr>
+            <p:extLst>
+              <p:ext uri="{386F3935-93C4-4BCD-93E2-E3B085C9AB24}">
+                <p16:designElem xmlns:p16="http://schemas.microsoft.com/office/powerpoint/2015/main" val="1"/>
+              </p:ext>
+            </p:extLst>
+          </p:nvPr>
+        </p:nvSpPr>
+        <p:spPr>
+          <a:xfrm>
+            <a:off x="0" y="0"/>
+            <a:ext cx="12192000" cy="6858000"/>
+          </a:xfrm>
+          <a:prstGeom prst="rect">
+            <a:avLst/>
+          </a:prstGeom>
+          <a:ln>
+            <a:noFill/>
+          </a:ln>
+        </p:spPr>
+        <p:style>
+          <a:lnRef idx="2">
+            <a:schemeClr val="accent1">
+              <a:shade val="50000"/>
+            </a:schemeClr>
+          </a:lnRef>
+          <a:fillRef idx="1">
+            <a:schemeClr val="accent1"/>
+          </a:fillRef>
+          <a:effectRef idx="0">
+            <a:schemeClr val="accent1"/>
+          </a:effectRef>
+          <a:fontRef idx="minor">
+            <a:schemeClr val="lt1"/>
+          </a:fontRef>
+        </p:style>
+        <p:txBody>
+          <a:bodyPr rtlCol="0" anchor="ctr"/>
+          <a:lstStyle/>
+          <a:p>
+            <a:pPr algn="ctr"/>
+            <a:endParaRPr lang="en-US"/>
+          </a:p>
+        </p:txBody>
+      </p:sp>
+      <p:sp useBgFill="1">
+        <p:nvSpPr>
+          <p:cNvPr id="14" name="Rectangle 13">
+            <a:extLst>
+              <a:ext uri="{FF2B5EF4-FFF2-40B4-BE49-F238E27FC236}">
+                <a16:creationId xmlns:a16="http://schemas.microsoft.com/office/drawing/2014/main" id="{57F6BDD4-E066-4008-8011-6CC31AEB4556}"/>
+              </a:ext>
+              <a:ext uri="{C183D7F6-B498-43B3-948B-1728B52AA6E4}">
+                <adec:decorative xmlns:adec="http://schemas.microsoft.com/office/drawing/2017/decorative" val="1"/>
+              </a:ext>
+            </a:extLst>
+          </p:cNvPr>
+          <p:cNvSpPr>
+            <a:spLocks noGrp="1" noRot="1" noChangeAspect="1" noMove="1" noResize="1" noEditPoints="1" noAdjustHandles="1" noChangeArrowheads="1" noChangeShapeType="1" noTextEdit="1"/>
+          </p:cNvSpPr>
+          <p:nvPr>
+            <p:extLst>
+              <p:ext uri="{386F3935-93C4-4BCD-93E2-E3B085C9AB24}">
+                <p16:designElem xmlns:p16="http://schemas.microsoft.com/office/powerpoint/2015/main" val="1"/>
+              </p:ext>
+            </p:extLst>
+          </p:nvPr>
+        </p:nvSpPr>
+        <p:spPr>
+          <a:xfrm>
+            <a:off x="409575" y="633619"/>
+            <a:ext cx="4279383" cy="5495925"/>
+          </a:xfrm>
+          <a:prstGeom prst="rect">
+            <a:avLst/>
+          </a:prstGeom>
+          <a:ln w="9525">
+            <a:solidFill>
+              <a:schemeClr val="tx2">
+                <a:lumMod val="10000"/>
+                <a:lumOff val="90000"/>
+              </a:schemeClr>
+            </a:solidFill>
+          </a:ln>
+          <a:effectLst>
+            <a:outerShdw blurRad="50800" dist="38100" dir="2700000" algn="tl" rotWithShape="0">
+              <a:schemeClr val="bg1">
+                <a:lumMod val="85000"/>
+                <a:alpha val="30000"/>
+              </a:schemeClr>
+            </a:outerShdw>
+          </a:effectLst>
+        </p:spPr>
+        <p:style>
+          <a:lnRef idx="2">
+            <a:schemeClr val="accent1">
+              <a:shade val="50000"/>
+            </a:schemeClr>
+          </a:lnRef>
+          <a:fillRef idx="1">
+            <a:schemeClr val="accent1"/>
+          </a:fillRef>
+          <a:effectRef idx="0">
+            <a:schemeClr val="accent1"/>
+          </a:effectRef>
+          <a:fontRef idx="minor">
+            <a:schemeClr val="lt1"/>
+          </a:fontRef>
+        </p:style>
+        <p:txBody>
+          <a:bodyPr rtlCol="0" anchor="ctr"/>
+          <a:lstStyle/>
+          <a:p>
+            <a:pPr marL="0" marR="0" lvl="0" indent="0" algn="ctr" defTabSz="914400" rtl="0" eaLnBrk="1" fontAlgn="auto" latinLnBrk="0" hangingPunct="1">
+              <a:lnSpc>
+                <a:spcPct val="100000"/>
+              </a:lnSpc>
+              <a:spcBef>
+                <a:spcPts val="0"/>
+              </a:spcBef>
+              <a:spcAft>
+                <a:spcPts val="0"/>
+              </a:spcAft>
+              <a:buClrTx/>
+              <a:buSzTx/>
+              <a:buFontTx/>
+              <a:buNone/>
+              <a:tabLst/>
+              <a:defRPr/>
+            </a:pPr>
+            <a:endParaRPr kumimoji="0" lang="en-US" sz="1800" b="0" i="0" u="none" strike="noStrike" kern="1200" cap="none" spc="0" normalizeH="0" baseline="0" noProof="0">
+              <a:ln>
+                <a:noFill/>
+              </a:ln>
+              <a:solidFill>
+                <a:prstClr val="white"/>
+              </a:solidFill>
+              <a:effectLst/>
+              <a:uLnTx/>
+              <a:uFillTx/>
+              <a:latin typeface="Calibri" panose="020F0502020204030204"/>
+              <a:ea typeface="+mn-ea"/>
+              <a:cs typeface="+mn-cs"/>
+            </a:endParaRPr>
+          </a:p>
+        </p:txBody>
+      </p:sp>
+      <p:sp>
+        <p:nvSpPr>
+          <p:cNvPr id="2" name="Title 1">
+            <a:extLst>
+              <a:ext uri="{FF2B5EF4-FFF2-40B4-BE49-F238E27FC236}">
+                <a16:creationId xmlns:a16="http://schemas.microsoft.com/office/drawing/2014/main" id="{25316595-D624-664C-8DCB-3B15B2835943}"/>
+              </a:ext>
+            </a:extLst>
+          </p:cNvPr>
+          <p:cNvSpPr>
+            <a:spLocks noGrp="1"/>
+          </p:cNvSpPr>
+          <p:nvPr>
+            <p:ph type="title"/>
+          </p:nvPr>
+        </p:nvSpPr>
+        <p:spPr>
+          <a:xfrm>
+            <a:off x="841247" y="978619"/>
+            <a:ext cx="3410712" cy="1106424"/>
+          </a:xfrm>
+        </p:spPr>
+        <p:txBody>
+          <a:bodyPr>
+            <a:normAutofit/>
+          </a:bodyPr>
+          <a:lstStyle/>
+          <a:p>
+            <a:r>
+              <a:rPr lang="en-US" sz="2800" dirty="0"/>
+              <a:t>Firebase Database</a:t>
+            </a:r>
+          </a:p>
+        </p:txBody>
+      </p:sp>
+      <p:sp>
+        <p:nvSpPr>
+          <p:cNvPr id="21" name="Rectangle 15">
+            <a:extLst>
+              <a:ext uri="{FF2B5EF4-FFF2-40B4-BE49-F238E27FC236}">
+                <a16:creationId xmlns:a16="http://schemas.microsoft.com/office/drawing/2014/main" id="{2711A8FB-68FC-45FC-B01E-38F809E2D439}"/>
+              </a:ext>
+              <a:ext uri="{C183D7F6-B498-43B3-948B-1728B52AA6E4}">
+                <adec:decorative xmlns:adec="http://schemas.microsoft.com/office/drawing/2017/decorative" val="1"/>
+              </a:ext>
+            </a:extLst>
+          </p:cNvPr>
+          <p:cNvSpPr>
+            <a:spLocks noGrp="1" noRot="1" noChangeAspect="1" noMove="1" noResize="1" noEditPoints="1" noAdjustHandles="1" noChangeArrowheads="1" noChangeShapeType="1" noTextEdit="1"/>
+          </p:cNvSpPr>
+          <p:nvPr>
+            <p:extLst>
+              <p:ext uri="{386F3935-93C4-4BCD-93E2-E3B085C9AB24}">
+                <p16:designElem xmlns:p16="http://schemas.microsoft.com/office/powerpoint/2015/main" val="1"/>
+              </p:ext>
+            </p:extLst>
+          </p:nvPr>
+        </p:nvSpPr>
+        <p:spPr>
+          <a:xfrm>
+            <a:off x="345567" y="1171300"/>
+            <a:ext cx="128016" cy="704088"/>
+          </a:xfrm>
+          <a:prstGeom prst="rect">
+            <a:avLst/>
+          </a:prstGeom>
+          <a:solidFill>
+            <a:schemeClr val="accent1"/>
+          </a:solidFill>
+          <a:ln>
+            <a:noFill/>
+          </a:ln>
+        </p:spPr>
+        <p:style>
+          <a:lnRef idx="2">
+            <a:schemeClr val="accent1">
+              <a:shade val="50000"/>
+            </a:schemeClr>
+          </a:lnRef>
+          <a:fillRef idx="1">
+            <a:schemeClr val="accent1"/>
+          </a:fillRef>
+          <a:effectRef idx="0">
+            <a:schemeClr val="accent1"/>
+          </a:effectRef>
+          <a:fontRef idx="minor">
+            <a:schemeClr val="lt1"/>
+          </a:fontRef>
+        </p:style>
+        <p:txBody>
+          <a:bodyPr rtlCol="0" anchor="ctr"/>
+          <a:lstStyle/>
+          <a:p>
+            <a:pPr marL="0" marR="0" lvl="0" indent="0" algn="ctr" defTabSz="914400" rtl="0" eaLnBrk="1" fontAlgn="auto" latinLnBrk="0" hangingPunct="1">
+              <a:lnSpc>
+                <a:spcPct val="100000"/>
+              </a:lnSpc>
+              <a:spcBef>
+                <a:spcPts val="0"/>
+              </a:spcBef>
+              <a:spcAft>
+                <a:spcPts val="0"/>
+              </a:spcAft>
+              <a:buClrTx/>
+              <a:buSzTx/>
+              <a:buFontTx/>
+              <a:buNone/>
+              <a:tabLst/>
+              <a:defRPr/>
+            </a:pPr>
+            <a:endParaRPr kumimoji="0" lang="en-US" sz="1800" b="0" i="0" u="none" strike="noStrike" kern="1200" cap="none" spc="0" normalizeH="0" baseline="0" noProof="0">
+              <a:ln>
+                <a:noFill/>
+              </a:ln>
+              <a:solidFill>
+                <a:prstClr val="white"/>
+              </a:solidFill>
+              <a:effectLst/>
+              <a:uLnTx/>
+              <a:uFillTx/>
+              <a:latin typeface="Calibri" panose="020F0502020204030204"/>
+              <a:ea typeface="+mn-ea"/>
+              <a:cs typeface="+mn-cs"/>
+            </a:endParaRPr>
+          </a:p>
+        </p:txBody>
+      </p:sp>
+      <p:sp>
+        <p:nvSpPr>
+          <p:cNvPr id="22" name="Rectangle 17">
+            <a:extLst>
+              <a:ext uri="{FF2B5EF4-FFF2-40B4-BE49-F238E27FC236}">
+                <a16:creationId xmlns:a16="http://schemas.microsoft.com/office/drawing/2014/main" id="{2A865FE3-5FC9-4049-87CF-30019C46C0F5}"/>
+              </a:ext>
+              <a:ext uri="{C183D7F6-B498-43B3-948B-1728B52AA6E4}">
+                <adec:decorative xmlns:adec="http://schemas.microsoft.com/office/drawing/2017/decorative" val="1"/>
+              </a:ext>
+            </a:extLst>
+          </p:cNvPr>
+          <p:cNvSpPr>
+            <a:spLocks noGrp="1" noRot="1" noChangeAspect="1" noMove="1" noResize="1" noEditPoints="1" noAdjustHandles="1" noChangeArrowheads="1" noChangeShapeType="1" noTextEdit="1"/>
+          </p:cNvSpPr>
+          <p:nvPr>
+            <p:extLst>
+              <p:ext uri="{386F3935-93C4-4BCD-93E2-E3B085C9AB24}">
+                <p16:designElem xmlns:p16="http://schemas.microsoft.com/office/powerpoint/2015/main" val="1"/>
+              </p:ext>
+            </p:extLst>
+          </p:nvPr>
+        </p:nvSpPr>
+        <p:spPr>
+          <a:xfrm>
+            <a:off x="877459" y="2093976"/>
+            <a:ext cx="3328416" cy="9144"/>
+          </a:xfrm>
+          <a:prstGeom prst="rect">
+            <a:avLst/>
+          </a:prstGeom>
+          <a:solidFill>
+            <a:schemeClr val="tx2">
+              <a:lumMod val="25000"/>
+              <a:lumOff val="75000"/>
+            </a:schemeClr>
+          </a:solidFill>
+          <a:ln w="3175">
+            <a:noFill/>
+          </a:ln>
+          <a:effectLst/>
+        </p:spPr>
+        <p:style>
+          <a:lnRef idx="2">
+            <a:schemeClr val="accent1">
+              <a:shade val="50000"/>
+            </a:schemeClr>
+          </a:lnRef>
+          <a:fillRef idx="1">
+            <a:schemeClr val="accent1"/>
+          </a:fillRef>
+          <a:effectRef idx="0">
+            <a:schemeClr val="accent1"/>
+          </a:effectRef>
+          <a:fontRef idx="minor">
+            <a:schemeClr val="lt1"/>
+          </a:fontRef>
+        </p:style>
+        <p:txBody>
+          <a:bodyPr rtlCol="0" anchor="ctr"/>
+          <a:lstStyle/>
+          <a:p>
+            <a:pPr marL="0" marR="0" lvl="0" indent="0" algn="ctr" defTabSz="914400" rtl="0" eaLnBrk="1" fontAlgn="auto" latinLnBrk="0" hangingPunct="1">
+              <a:lnSpc>
+                <a:spcPct val="100000"/>
+              </a:lnSpc>
+              <a:spcBef>
+                <a:spcPts val="0"/>
+              </a:spcBef>
+              <a:spcAft>
+                <a:spcPts val="0"/>
+              </a:spcAft>
+              <a:buClrTx/>
+              <a:buSzTx/>
+              <a:buFontTx/>
+              <a:buNone/>
+              <a:tabLst/>
+              <a:defRPr/>
+            </a:pPr>
+            <a:endParaRPr kumimoji="0" lang="en-US" sz="1800" b="0" i="0" u="none" strike="noStrike" kern="1200" cap="none" spc="0" normalizeH="0" baseline="0" noProof="0">
+              <a:ln>
+                <a:noFill/>
+              </a:ln>
+              <a:solidFill>
+                <a:prstClr val="white"/>
+              </a:solidFill>
+              <a:effectLst/>
+              <a:uLnTx/>
+              <a:uFillTx/>
+              <a:latin typeface="Calibri" panose="020F0502020204030204"/>
+              <a:ea typeface="+mn-ea"/>
+              <a:cs typeface="+mn-cs"/>
+            </a:endParaRPr>
+          </a:p>
+        </p:txBody>
+      </p:sp>
+      <p:sp>
+        <p:nvSpPr>
           <p:cNvPr id="23" name="Content Placeholder 8">
             <a:extLst>
               <a:ext uri="{FF2B5EF4-FFF2-40B4-BE49-F238E27FC236}">
@@ -8643,7 +9947,7 @@
 </p:sld>
 </file>
 
-<file path=ppt/slides/slide13.xml><?xml version="1.0" encoding="utf-8"?>
+<file path=ppt/slides/slide15.xml><?xml version="1.0" encoding="utf-8"?>
 <p:sld xmlns:a="http://schemas.openxmlformats.org/drawingml/2006/main" xmlns:r="http://schemas.openxmlformats.org/officeDocument/2006/relationships" xmlns:p="http://schemas.openxmlformats.org/presentationml/2006/main">
   <p:cSld>
     <p:spTree>
@@ -9035,7 +10339,7 @@
             <p:ph idx="1"/>
             <p:extLst>
               <p:ext uri="{D42A27DB-BD31-4B8C-83A1-F6EECF244321}">
-                <p14:modId xmlns:p14="http://schemas.microsoft.com/office/powerpoint/2010/main" val="1282609415"/>
+                <p14:modId xmlns:p14="http://schemas.microsoft.com/office/powerpoint/2010/main" val="782467737"/>
               </p:ext>
             </p:extLst>
           </p:nvPr>
@@ -9246,35 +10550,46 @@
           <a:lstStyle/>
           <a:p>
             <a:r>
-              <a:rPr lang="en-US" dirty="0"/>
-              <a:t>Admin(HealthCare System) can register the doctors after verifying their certifications </a:t>
-            </a:r>
-            <a:r>
-              <a:rPr lang="en-US" dirty="0" err="1"/>
-              <a:t>mannually</a:t>
+              <a:rPr lang="en-US" b="1" dirty="0"/>
+              <a:t>Admin</a:t>
             </a:r>
             <a:r>
               <a:rPr lang="en-US" dirty="0"/>
-              <a:t>.</a:t>
+              <a:t>(HealthCare System) can register the doctors after verifying their certifications manually.</a:t>
             </a:r>
           </a:p>
           <a:p>
+            <a:r>
+              <a:rPr lang="en-US" b="1" dirty="0"/>
+              <a:t>Doctors</a:t>
+            </a:r>
             <a:r>
               <a:rPr lang="en-US" dirty="0"/>
-              <a:t>Doctors can register themselves with their qualification and can see the scheduled appointment</a:t>
+              <a:t> can register themselves with their qualification and can see the scheduled appointment</a:t>
             </a:r>
           </a:p>
           <a:p>
+            <a:r>
+              <a:rPr lang="en-US" b="1" dirty="0"/>
+              <a:t>Patient</a:t>
+            </a:r>
             <a:r>
               <a:rPr lang="en-US" dirty="0"/>
-              <a:t>Patient</a:t>
+              <a:t> can book appointments by selecting from the available doctors</a:t>
             </a:r>
           </a:p>
           <a:p>
+            <a:r>
+              <a:rPr lang="en-US" b="1" dirty="0"/>
+              <a:t>Blood Donors</a:t>
+            </a:r>
             <a:r>
               <a:rPr lang="en-US" dirty="0"/>
-              <a:t>Blood Donors can register. HealthCare System can look into list of donors and connect in need.</a:t>
+              <a:t> can register. HealthCare System can look into list of donors and connect in need.</a:t>
             </a:r>
+          </a:p>
+          <a:p>
+            <a:endParaRPr lang="en-US" dirty="0"/>
           </a:p>
           <a:p>
             <a:endParaRPr lang="en-US" dirty="0"/>
@@ -9297,6 +10612,14 @@
 <file path=ppt/slides/slide5.xml><?xml version="1.0" encoding="utf-8"?>
 <p:sld xmlns:a="http://schemas.openxmlformats.org/drawingml/2006/main" xmlns:r="http://schemas.openxmlformats.org/officeDocument/2006/relationships" xmlns:p="http://schemas.openxmlformats.org/presentationml/2006/main">
   <p:cSld>
+    <p:bg>
+      <p:bgPr>
+        <a:solidFill>
+          <a:schemeClr val="bg1"/>
+        </a:solidFill>
+        <a:effectLst/>
+      </p:bgPr>
+    </p:bg>
     <p:spTree>
       <p:nvGrpSpPr>
         <p:cNvPr id="1" name=""/>
@@ -9313,6 +10636,356 @@
       </p:grpSpPr>
       <p:sp>
         <p:nvSpPr>
+          <p:cNvPr id="20" name="Rectangle 19">
+            <a:extLst>
+              <a:ext uri="{FF2B5EF4-FFF2-40B4-BE49-F238E27FC236}">
+                <a16:creationId xmlns:a16="http://schemas.microsoft.com/office/drawing/2014/main" id="{8D06CE56-3881-4ADA-8CEF-D18B02C242A3}"/>
+              </a:ext>
+              <a:ext uri="{C183D7F6-B498-43B3-948B-1728B52AA6E4}">
+                <adec:decorative xmlns:adec="http://schemas.microsoft.com/office/drawing/2017/decorative" val="1"/>
+              </a:ext>
+            </a:extLst>
+          </p:cNvPr>
+          <p:cNvSpPr>
+            <a:spLocks noGrp="1" noRot="1" noChangeAspect="1" noMove="1" noResize="1" noEditPoints="1" noAdjustHandles="1" noChangeArrowheads="1" noChangeShapeType="1" noTextEdit="1"/>
+          </p:cNvSpPr>
+          <p:nvPr>
+            <p:extLst>
+              <p:ext uri="{386F3935-93C4-4BCD-93E2-E3B085C9AB24}">
+                <p16:designElem xmlns:p16="http://schemas.microsoft.com/office/powerpoint/2015/main" val="1"/>
+              </p:ext>
+            </p:extLst>
+          </p:nvPr>
+        </p:nvSpPr>
+        <p:spPr>
+          <a:xfrm rot="5400000">
+            <a:off x="857544" y="346791"/>
+            <a:ext cx="146304" cy="704088"/>
+          </a:xfrm>
+          <a:prstGeom prst="rect">
+            <a:avLst/>
+          </a:prstGeom>
+          <a:solidFill>
+            <a:schemeClr val="accent1"/>
+          </a:solidFill>
+          <a:ln>
+            <a:noFill/>
+          </a:ln>
+        </p:spPr>
+        <p:style>
+          <a:lnRef idx="2">
+            <a:schemeClr val="accent1">
+              <a:shade val="50000"/>
+            </a:schemeClr>
+          </a:lnRef>
+          <a:fillRef idx="1">
+            <a:schemeClr val="accent1"/>
+          </a:fillRef>
+          <a:effectRef idx="0">
+            <a:schemeClr val="accent1"/>
+          </a:effectRef>
+          <a:fontRef idx="minor">
+            <a:schemeClr val="lt1"/>
+          </a:fontRef>
+        </p:style>
+        <p:txBody>
+          <a:bodyPr rtlCol="0" anchor="ctr"/>
+          <a:lstStyle/>
+          <a:p>
+            <a:pPr marL="0" marR="0" lvl="0" indent="0" algn="ctr" defTabSz="914400" rtl="0" eaLnBrk="1" fontAlgn="auto" latinLnBrk="0" hangingPunct="1">
+              <a:lnSpc>
+                <a:spcPct val="100000"/>
+              </a:lnSpc>
+              <a:spcBef>
+                <a:spcPts val="0"/>
+              </a:spcBef>
+              <a:spcAft>
+                <a:spcPts val="0"/>
+              </a:spcAft>
+              <a:buClrTx/>
+              <a:buSzTx/>
+              <a:buFontTx/>
+              <a:buNone/>
+              <a:tabLst/>
+              <a:defRPr/>
+            </a:pPr>
+            <a:endParaRPr kumimoji="0" lang="en-US" sz="1800" b="0" i="0" u="none" strike="noStrike" kern="1200" cap="none" spc="0" normalizeH="0" baseline="0" noProof="0">
+              <a:ln>
+                <a:noFill/>
+              </a:ln>
+              <a:solidFill>
+                <a:prstClr val="white"/>
+              </a:solidFill>
+              <a:effectLst/>
+              <a:uLnTx/>
+              <a:uFillTx/>
+              <a:latin typeface="Calibri" panose="020F0502020204030204"/>
+              <a:ea typeface="+mn-ea"/>
+              <a:cs typeface="+mn-cs"/>
+            </a:endParaRPr>
+          </a:p>
+        </p:txBody>
+      </p:sp>
+      <p:sp>
+        <p:nvSpPr>
+          <p:cNvPr id="22" name="Rectangle 21">
+            <a:extLst>
+              <a:ext uri="{FF2B5EF4-FFF2-40B4-BE49-F238E27FC236}">
+                <a16:creationId xmlns:a16="http://schemas.microsoft.com/office/drawing/2014/main" id="{79F3C543-62EC-4433-9C93-A2CD8764E9B4}"/>
+              </a:ext>
+              <a:ext uri="{C183D7F6-B498-43B3-948B-1728B52AA6E4}">
+                <adec:decorative xmlns:adec="http://schemas.microsoft.com/office/drawing/2017/decorative" val="1"/>
+              </a:ext>
+            </a:extLst>
+          </p:cNvPr>
+          <p:cNvSpPr>
+            <a:spLocks noGrp="1" noRot="1" noChangeAspect="1" noMove="1" noResize="1" noEditPoints="1" noAdjustHandles="1" noChangeArrowheads="1" noChangeShapeType="1" noTextEdit="1"/>
+          </p:cNvSpPr>
+          <p:nvPr>
+            <p:extLst>
+              <p:ext uri="{386F3935-93C4-4BCD-93E2-E3B085C9AB24}">
+                <p16:designElem xmlns:p16="http://schemas.microsoft.com/office/powerpoint/2015/main" val="1"/>
+              </p:ext>
+            </p:extLst>
+          </p:nvPr>
+        </p:nvSpPr>
+        <p:spPr>
+          <a:xfrm flipV="1">
+            <a:off x="578652" y="4501201"/>
+            <a:ext cx="11034696" cy="18288"/>
+          </a:xfrm>
+          <a:prstGeom prst="rect">
+            <a:avLst/>
+          </a:prstGeom>
+          <a:solidFill>
+            <a:schemeClr val="tx2">
+              <a:lumMod val="25000"/>
+              <a:lumOff val="75000"/>
+            </a:schemeClr>
+          </a:solidFill>
+          <a:ln w="3175">
+            <a:noFill/>
+          </a:ln>
+          <a:effectLst/>
+        </p:spPr>
+        <p:style>
+          <a:lnRef idx="2">
+            <a:schemeClr val="accent1">
+              <a:shade val="50000"/>
+            </a:schemeClr>
+          </a:lnRef>
+          <a:fillRef idx="1">
+            <a:schemeClr val="accent1"/>
+          </a:fillRef>
+          <a:effectRef idx="0">
+            <a:schemeClr val="accent1"/>
+          </a:effectRef>
+          <a:fontRef idx="minor">
+            <a:schemeClr val="lt1"/>
+          </a:fontRef>
+        </p:style>
+        <p:txBody>
+          <a:bodyPr rtlCol="0" anchor="ctr"/>
+          <a:lstStyle/>
+          <a:p>
+            <a:pPr marL="0" marR="0" lvl="0" indent="0" algn="ctr" defTabSz="914400" rtl="0" eaLnBrk="1" fontAlgn="auto" latinLnBrk="0" hangingPunct="1">
+              <a:lnSpc>
+                <a:spcPct val="100000"/>
+              </a:lnSpc>
+              <a:spcBef>
+                <a:spcPts val="0"/>
+              </a:spcBef>
+              <a:spcAft>
+                <a:spcPts val="0"/>
+              </a:spcAft>
+              <a:buClrTx/>
+              <a:buSzTx/>
+              <a:buFontTx/>
+              <a:buNone/>
+              <a:tabLst/>
+              <a:defRPr/>
+            </a:pPr>
+            <a:endParaRPr kumimoji="0" lang="en-US" sz="1800" b="0" i="0" u="none" strike="noStrike" kern="1200" cap="none" spc="0" normalizeH="0" baseline="0" noProof="0">
+              <a:ln>
+                <a:noFill/>
+              </a:ln>
+              <a:solidFill>
+                <a:prstClr val="white"/>
+              </a:solidFill>
+              <a:effectLst/>
+              <a:uLnTx/>
+              <a:uFillTx/>
+              <a:latin typeface="Calibri" panose="020F0502020204030204"/>
+              <a:ea typeface="+mn-ea"/>
+              <a:cs typeface="+mn-cs"/>
+            </a:endParaRPr>
+          </a:p>
+        </p:txBody>
+      </p:sp>
+      <p:sp useBgFill="1">
+        <p:nvSpPr>
+          <p:cNvPr id="24" name="Rectangle 23">
+            <a:extLst>
+              <a:ext uri="{FF2B5EF4-FFF2-40B4-BE49-F238E27FC236}">
+                <a16:creationId xmlns:a16="http://schemas.microsoft.com/office/drawing/2014/main" id="{96646FC9-C66D-4EC7-8310-0DD4ACC49C6C}"/>
+              </a:ext>
+              <a:ext uri="{C183D7F6-B498-43B3-948B-1728B52AA6E4}">
+                <adec:decorative xmlns:adec="http://schemas.microsoft.com/office/drawing/2017/decorative" val="1"/>
+              </a:ext>
+            </a:extLst>
+          </p:cNvPr>
+          <p:cNvSpPr>
+            <a:spLocks noGrp="1" noRot="1" noChangeAspect="1" noMove="1" noResize="1" noEditPoints="1" noAdjustHandles="1" noChangeArrowheads="1" noChangeShapeType="1" noTextEdit="1"/>
+          </p:cNvSpPr>
+          <p:nvPr>
+            <p:extLst>
+              <p:ext uri="{386F3935-93C4-4BCD-93E2-E3B085C9AB24}">
+                <p16:designElem xmlns:p16="http://schemas.microsoft.com/office/powerpoint/2015/main" val="1"/>
+              </p:ext>
+            </p:extLst>
+          </p:nvPr>
+        </p:nvSpPr>
+        <p:spPr>
+          <a:xfrm>
+            <a:off x="0" y="0"/>
+            <a:ext cx="12192000" cy="6858000"/>
+          </a:xfrm>
+          <a:prstGeom prst="rect">
+            <a:avLst/>
+          </a:prstGeom>
+          <a:ln>
+            <a:noFill/>
+          </a:ln>
+        </p:spPr>
+        <p:style>
+          <a:lnRef idx="2">
+            <a:schemeClr val="accent1">
+              <a:shade val="50000"/>
+            </a:schemeClr>
+          </a:lnRef>
+          <a:fillRef idx="1">
+            <a:schemeClr val="accent1"/>
+          </a:fillRef>
+          <a:effectRef idx="0">
+            <a:schemeClr val="accent1"/>
+          </a:effectRef>
+          <a:fontRef idx="minor">
+            <a:schemeClr val="lt1"/>
+          </a:fontRef>
+        </p:style>
+        <p:txBody>
+          <a:bodyPr rtlCol="0" anchor="ctr"/>
+          <a:lstStyle/>
+          <a:p>
+            <a:pPr algn="ctr"/>
+            <a:endParaRPr lang="en-US"/>
+          </a:p>
+        </p:txBody>
+      </p:sp>
+      <p:sp useBgFill="1">
+        <p:nvSpPr>
+          <p:cNvPr id="26" name="Rectangle 25">
+            <a:extLst>
+              <a:ext uri="{FF2B5EF4-FFF2-40B4-BE49-F238E27FC236}">
+                <a16:creationId xmlns:a16="http://schemas.microsoft.com/office/drawing/2014/main" id="{A3473CF9-37EB-43E7-89EF-D2D1C53D1DAC}"/>
+              </a:ext>
+              <a:ext uri="{C183D7F6-B498-43B3-948B-1728B52AA6E4}">
+                <adec:decorative xmlns:adec="http://schemas.microsoft.com/office/drawing/2017/decorative" val="1"/>
+              </a:ext>
+            </a:extLst>
+          </p:cNvPr>
+          <p:cNvSpPr>
+            <a:spLocks noGrp="1" noRot="1" noChangeAspect="1" noMove="1" noResize="1" noEditPoints="1" noAdjustHandles="1" noChangeArrowheads="1" noChangeShapeType="1" noTextEdit="1"/>
+          </p:cNvSpPr>
+          <p:nvPr>
+            <p:extLst>
+              <p:ext uri="{386F3935-93C4-4BCD-93E2-E3B085C9AB24}">
+                <p16:designElem xmlns:p16="http://schemas.microsoft.com/office/powerpoint/2015/main" val="1"/>
+              </p:ext>
+            </p:extLst>
+          </p:nvPr>
+        </p:nvSpPr>
+        <p:spPr>
+          <a:xfrm>
+            <a:off x="1903615" y="221673"/>
+            <a:ext cx="8384770" cy="1332634"/>
+          </a:xfrm>
+          <a:prstGeom prst="rect">
+            <a:avLst/>
+          </a:prstGeom>
+          <a:ln w="12700">
+            <a:solidFill>
+              <a:schemeClr val="tx2">
+                <a:lumMod val="10000"/>
+                <a:lumOff val="90000"/>
+              </a:schemeClr>
+            </a:solidFill>
+          </a:ln>
+          <a:effectLst>
+            <a:outerShdw blurRad="50800" dist="38100" dir="2700000" algn="tl" rotWithShape="0">
+              <a:schemeClr val="bg2">
+                <a:lumMod val="85000"/>
+                <a:alpha val="30000"/>
+              </a:schemeClr>
+            </a:outerShdw>
+          </a:effectLst>
+        </p:spPr>
+        <p:style>
+          <a:lnRef idx="2">
+            <a:schemeClr val="accent1">
+              <a:shade val="50000"/>
+            </a:schemeClr>
+          </a:lnRef>
+          <a:fillRef idx="1">
+            <a:schemeClr val="accent1"/>
+          </a:fillRef>
+          <a:effectRef idx="0">
+            <a:schemeClr val="accent1"/>
+          </a:effectRef>
+          <a:fontRef idx="minor">
+            <a:schemeClr val="lt1"/>
+          </a:fontRef>
+        </p:style>
+        <p:txBody>
+          <a:bodyPr rtlCol="0" anchor="ctr"/>
+          <a:lstStyle/>
+          <a:p>
+            <a:pPr marL="0" marR="0" lvl="0" indent="0" algn="ctr" defTabSz="914400" rtl="0" eaLnBrk="1" fontAlgn="auto" latinLnBrk="0" hangingPunct="1">
+              <a:lnSpc>
+                <a:spcPct val="100000"/>
+              </a:lnSpc>
+              <a:spcBef>
+                <a:spcPts val="0"/>
+              </a:spcBef>
+              <a:spcAft>
+                <a:spcPts val="0"/>
+              </a:spcAft>
+              <a:buClrTx/>
+              <a:buSzTx/>
+              <a:buFontTx/>
+              <a:buNone/>
+              <a:tabLst/>
+              <a:defRPr/>
+            </a:pPr>
+            <a:endParaRPr kumimoji="0" lang="en-US" sz="1800" b="0" i="0" u="none" strike="noStrike" kern="1200" cap="none" spc="0" normalizeH="0" baseline="0" noProof="0">
+              <a:ln>
+                <a:noFill/>
+              </a:ln>
+              <a:solidFill>
+                <a:prstClr val="white"/>
+              </a:solidFill>
+              <a:effectLst/>
+              <a:uLnTx/>
+              <a:uFillTx/>
+              <a:latin typeface="Calibri" panose="020F0502020204030204"/>
+              <a:ea typeface="+mn-ea"/>
+              <a:cs typeface="+mn-cs"/>
+            </a:endParaRPr>
+          </a:p>
+        </p:txBody>
+      </p:sp>
+      <p:sp>
+        <p:nvSpPr>
           <p:cNvPr id="2" name="Title 1">
             <a:extLst>
               <a:ext uri="{FF2B5EF4-FFF2-40B4-BE49-F238E27FC236}">
@@ -9327,15 +11000,21 @@
             <p:ph type="title"/>
           </p:nvPr>
         </p:nvSpPr>
-        <p:spPr/>
-        <p:txBody>
-          <a:bodyPr>
+        <p:spPr>
+          <a:xfrm>
+            <a:off x="2103121" y="310343"/>
+            <a:ext cx="7985759" cy="868823"/>
+          </a:xfrm>
+        </p:spPr>
+        <p:txBody>
+          <a:bodyPr vert="horz" lIns="91440" tIns="45720" rIns="91440" bIns="45720" rtlCol="0" anchor="ctr">
             <a:normAutofit/>
           </a:bodyPr>
           <a:lstStyle/>
           <a:p>
+            <a:pPr algn="ctr"/>
             <a:r>
-              <a:rPr lang="en-US" dirty="0"/>
+              <a:rPr lang="en-US"/>
               <a:t>Activity 1.1: Admin Login</a:t>
             </a:r>
           </a:p>
@@ -9343,29 +11022,160 @@
       </p:sp>
       <p:sp>
         <p:nvSpPr>
-          <p:cNvPr id="3" name="Content Placeholder 2">
-            <a:extLst>
-              <a:ext uri="{FF2B5EF4-FFF2-40B4-BE49-F238E27FC236}">
-                <a16:creationId xmlns:a16="http://schemas.microsoft.com/office/drawing/2014/main" id="{C1DEF5DD-6E28-A442-8FD1-4F7A3CC20431}"/>
+          <p:cNvPr id="28" name="Rectangle: Rounded Corners 27">
+            <a:extLst>
+              <a:ext uri="{FF2B5EF4-FFF2-40B4-BE49-F238E27FC236}">
+                <a16:creationId xmlns:a16="http://schemas.microsoft.com/office/drawing/2014/main" id="{586B4EF9-43BA-4655-A6FF-1D8E21574C95}"/>
+              </a:ext>
+              <a:ext uri="{C183D7F6-B498-43B3-948B-1728B52AA6E4}">
+                <adec:decorative xmlns:adec="http://schemas.microsoft.com/office/drawing/2017/decorative" val="1"/>
               </a:ext>
             </a:extLst>
           </p:cNvPr>
           <p:cNvSpPr>
-            <a:spLocks noGrp="1"/>
+            <a:spLocks noGrp="1" noRot="1" noChangeAspect="1" noMove="1" noResize="1" noEditPoints="1" noAdjustHandles="1" noChangeArrowheads="1" noChangeShapeType="1" noTextEdit="1"/>
           </p:cNvSpPr>
+          <p:nvPr>
+            <p:extLst>
+              <p:ext uri="{386F3935-93C4-4BCD-93E2-E3B085C9AB24}">
+                <p16:designElem xmlns:p16="http://schemas.microsoft.com/office/powerpoint/2015/main" val="1"/>
+              </p:ext>
+            </p:extLst>
+          </p:nvPr>
+        </p:nvSpPr>
+        <p:spPr>
+          <a:xfrm>
+            <a:off x="2483110" y="1211407"/>
+            <a:ext cx="7225780" cy="685800"/>
+          </a:xfrm>
+          <a:prstGeom prst="roundRect">
+            <a:avLst>
+              <a:gd name="adj" fmla="val 0"/>
+            </a:avLst>
+          </a:prstGeom>
+          <a:solidFill>
+            <a:schemeClr val="accent1"/>
+          </a:solidFill>
+          <a:ln>
+            <a:noFill/>
+          </a:ln>
+        </p:spPr>
+        <p:style>
+          <a:lnRef idx="2">
+            <a:schemeClr val="accent1">
+              <a:shade val="50000"/>
+            </a:schemeClr>
+          </a:lnRef>
+          <a:fillRef idx="1">
+            <a:schemeClr val="accent1"/>
+          </a:fillRef>
+          <a:effectRef idx="0">
+            <a:schemeClr val="accent1"/>
+          </a:effectRef>
+          <a:fontRef idx="minor">
+            <a:schemeClr val="lt1"/>
+          </a:fontRef>
+        </p:style>
+        <p:txBody>
+          <a:bodyPr rtlCol="0" anchor="ctr"/>
+          <a:lstStyle/>
+          <a:p>
+            <a:pPr marL="0" marR="0" lvl="0" indent="0" algn="ctr" defTabSz="914400" rtl="0" eaLnBrk="1" fontAlgn="auto" latinLnBrk="0" hangingPunct="1">
+              <a:lnSpc>
+                <a:spcPct val="100000"/>
+              </a:lnSpc>
+              <a:spcBef>
+                <a:spcPts val="0"/>
+              </a:spcBef>
+              <a:spcAft>
+                <a:spcPts val="0"/>
+              </a:spcAft>
+              <a:buClrTx/>
+              <a:buSzTx/>
+              <a:buFontTx/>
+              <a:buNone/>
+              <a:tabLst/>
+              <a:defRPr/>
+            </a:pPr>
+            <a:endParaRPr kumimoji="0" lang="en-US" sz="1800" b="0" i="0" u="none" strike="noStrike" kern="1200" cap="none" spc="0" normalizeH="0" baseline="0" noProof="0">
+              <a:ln>
+                <a:noFill/>
+              </a:ln>
+              <a:solidFill>
+                <a:prstClr val="white"/>
+              </a:solidFill>
+              <a:effectLst/>
+              <a:uLnTx/>
+              <a:uFillTx/>
+              <a:latin typeface="Avenir Next LT Pro"/>
+              <a:ea typeface="+mn-ea"/>
+              <a:cs typeface="+mn-cs"/>
+            </a:endParaRPr>
+          </a:p>
+        </p:txBody>
+      </p:sp>
+      <p:pic>
+        <p:nvPicPr>
+          <p:cNvPr id="13" name="Content Placeholder 12" descr="Graphical user interface&#10;&#10;Description automatically generated">
+            <a:extLst>
+              <a:ext uri="{FF2B5EF4-FFF2-40B4-BE49-F238E27FC236}">
+                <a16:creationId xmlns:a16="http://schemas.microsoft.com/office/drawing/2014/main" id="{170C63CB-6F57-AD4D-9711-C2356C716A23}"/>
+              </a:ext>
+            </a:extLst>
+          </p:cNvPr>
+          <p:cNvPicPr>
+            <a:picLocks noGrp="1" noChangeAspect="1"/>
+          </p:cNvPicPr>
           <p:nvPr>
             <p:ph idx="1"/>
           </p:nvPr>
-        </p:nvSpPr>
-        <p:spPr/>
-        <p:txBody>
-          <a:bodyPr/>
-          <a:lstStyle/>
-          <a:p>
-            <a:endParaRPr lang="en-US" dirty="0"/>
-          </a:p>
-        </p:txBody>
-      </p:sp>
+        </p:nvPicPr>
+        <p:blipFill>
+          <a:blip r:embed="rId2"/>
+          <a:stretch>
+            <a:fillRect/>
+          </a:stretch>
+        </p:blipFill>
+        <p:spPr>
+          <a:xfrm>
+            <a:off x="4160399" y="1990408"/>
+            <a:ext cx="1935601" cy="4096512"/>
+          </a:xfrm>
+          <a:prstGeom prst="rect">
+            <a:avLst/>
+          </a:prstGeom>
+        </p:spPr>
+      </p:pic>
+      <p:pic>
+        <p:nvPicPr>
+          <p:cNvPr id="15" name="Picture 14" descr="Graphical user interface&#10;&#10;Description automatically generated">
+            <a:extLst>
+              <a:ext uri="{FF2B5EF4-FFF2-40B4-BE49-F238E27FC236}">
+                <a16:creationId xmlns:a16="http://schemas.microsoft.com/office/drawing/2014/main" id="{5AF7F853-D305-CE41-8A25-F54D1A7AA233}"/>
+              </a:ext>
+            </a:extLst>
+          </p:cNvPr>
+          <p:cNvPicPr>
+            <a:picLocks noChangeAspect="1"/>
+          </p:cNvPicPr>
+          <p:nvPr/>
+        </p:nvPicPr>
+        <p:blipFill>
+          <a:blip r:embed="rId3"/>
+          <a:stretch>
+            <a:fillRect/>
+          </a:stretch>
+        </p:blipFill>
+        <p:spPr>
+          <a:xfrm>
+            <a:off x="6654440" y="1959928"/>
+            <a:ext cx="1935601" cy="4096512"/>
+          </a:xfrm>
+          <a:prstGeom prst="rect">
+            <a:avLst/>
+          </a:prstGeom>
+        </p:spPr>
+      </p:pic>
     </p:spTree>
     <p:extLst>
       <p:ext uri="{BB962C8B-B14F-4D97-AF65-F5344CB8AC3E}">
@@ -9382,6 +11192,14 @@
 <file path=ppt/slides/slide6.xml><?xml version="1.0" encoding="utf-8"?>
 <p:sld xmlns:a="http://schemas.openxmlformats.org/drawingml/2006/main" xmlns:r="http://schemas.openxmlformats.org/officeDocument/2006/relationships" xmlns:p="http://schemas.openxmlformats.org/presentationml/2006/main">
   <p:cSld>
+    <p:bg>
+      <p:bgPr>
+        <a:solidFill>
+          <a:schemeClr val="bg1"/>
+        </a:solidFill>
+        <a:effectLst/>
+      </p:bgPr>
+    </p:bg>
     <p:spTree>
       <p:nvGrpSpPr>
         <p:cNvPr id="1" name=""/>
@@ -9398,6 +11216,356 @@
       </p:grpSpPr>
       <p:sp>
         <p:nvSpPr>
+          <p:cNvPr id="12" name="Rectangle 14">
+            <a:extLst>
+              <a:ext uri="{FF2B5EF4-FFF2-40B4-BE49-F238E27FC236}">
+                <a16:creationId xmlns:a16="http://schemas.microsoft.com/office/drawing/2014/main" id="{8D06CE56-3881-4ADA-8CEF-D18B02C242A3}"/>
+              </a:ext>
+              <a:ext uri="{C183D7F6-B498-43B3-948B-1728B52AA6E4}">
+                <adec:decorative xmlns:adec="http://schemas.microsoft.com/office/drawing/2017/decorative" val="1"/>
+              </a:ext>
+            </a:extLst>
+          </p:cNvPr>
+          <p:cNvSpPr>
+            <a:spLocks noGrp="1" noRot="1" noChangeAspect="1" noMove="1" noResize="1" noEditPoints="1" noAdjustHandles="1" noChangeArrowheads="1" noChangeShapeType="1" noTextEdit="1"/>
+          </p:cNvSpPr>
+          <p:nvPr>
+            <p:extLst>
+              <p:ext uri="{386F3935-93C4-4BCD-93E2-E3B085C9AB24}">
+                <p16:designElem xmlns:p16="http://schemas.microsoft.com/office/powerpoint/2015/main" val="1"/>
+              </p:ext>
+            </p:extLst>
+          </p:nvPr>
+        </p:nvSpPr>
+        <p:spPr>
+          <a:xfrm rot="5400000">
+            <a:off x="857544" y="346791"/>
+            <a:ext cx="146304" cy="704088"/>
+          </a:xfrm>
+          <a:prstGeom prst="rect">
+            <a:avLst/>
+          </a:prstGeom>
+          <a:solidFill>
+            <a:schemeClr val="accent1"/>
+          </a:solidFill>
+          <a:ln>
+            <a:noFill/>
+          </a:ln>
+        </p:spPr>
+        <p:style>
+          <a:lnRef idx="2">
+            <a:schemeClr val="accent1">
+              <a:shade val="50000"/>
+            </a:schemeClr>
+          </a:lnRef>
+          <a:fillRef idx="1">
+            <a:schemeClr val="accent1"/>
+          </a:fillRef>
+          <a:effectRef idx="0">
+            <a:schemeClr val="accent1"/>
+          </a:effectRef>
+          <a:fontRef idx="minor">
+            <a:schemeClr val="lt1"/>
+          </a:fontRef>
+        </p:style>
+        <p:txBody>
+          <a:bodyPr rtlCol="0" anchor="ctr"/>
+          <a:lstStyle/>
+          <a:p>
+            <a:pPr marL="0" marR="0" lvl="0" indent="0" algn="ctr" defTabSz="914400" rtl="0" eaLnBrk="1" fontAlgn="auto" latinLnBrk="0" hangingPunct="1">
+              <a:lnSpc>
+                <a:spcPct val="100000"/>
+              </a:lnSpc>
+              <a:spcBef>
+                <a:spcPts val="0"/>
+              </a:spcBef>
+              <a:spcAft>
+                <a:spcPts val="0"/>
+              </a:spcAft>
+              <a:buClrTx/>
+              <a:buSzTx/>
+              <a:buFontTx/>
+              <a:buNone/>
+              <a:tabLst/>
+              <a:defRPr/>
+            </a:pPr>
+            <a:endParaRPr kumimoji="0" lang="en-US" sz="1800" b="0" i="0" u="none" strike="noStrike" kern="1200" cap="none" spc="0" normalizeH="0" baseline="0" noProof="0">
+              <a:ln>
+                <a:noFill/>
+              </a:ln>
+              <a:solidFill>
+                <a:prstClr val="white"/>
+              </a:solidFill>
+              <a:effectLst/>
+              <a:uLnTx/>
+              <a:uFillTx/>
+              <a:latin typeface="Calibri" panose="020F0502020204030204"/>
+              <a:ea typeface="+mn-ea"/>
+              <a:cs typeface="+mn-cs"/>
+            </a:endParaRPr>
+          </a:p>
+        </p:txBody>
+      </p:sp>
+      <p:sp>
+        <p:nvSpPr>
+          <p:cNvPr id="14" name="Rectangle 16">
+            <a:extLst>
+              <a:ext uri="{FF2B5EF4-FFF2-40B4-BE49-F238E27FC236}">
+                <a16:creationId xmlns:a16="http://schemas.microsoft.com/office/drawing/2014/main" id="{79F3C543-62EC-4433-9C93-A2CD8764E9B4}"/>
+              </a:ext>
+              <a:ext uri="{C183D7F6-B498-43B3-948B-1728B52AA6E4}">
+                <adec:decorative xmlns:adec="http://schemas.microsoft.com/office/drawing/2017/decorative" val="1"/>
+              </a:ext>
+            </a:extLst>
+          </p:cNvPr>
+          <p:cNvSpPr>
+            <a:spLocks noGrp="1" noRot="1" noChangeAspect="1" noMove="1" noResize="1" noEditPoints="1" noAdjustHandles="1" noChangeArrowheads="1" noChangeShapeType="1" noTextEdit="1"/>
+          </p:cNvSpPr>
+          <p:nvPr>
+            <p:extLst>
+              <p:ext uri="{386F3935-93C4-4BCD-93E2-E3B085C9AB24}">
+                <p16:designElem xmlns:p16="http://schemas.microsoft.com/office/powerpoint/2015/main" val="1"/>
+              </p:ext>
+            </p:extLst>
+          </p:nvPr>
+        </p:nvSpPr>
+        <p:spPr>
+          <a:xfrm flipV="1">
+            <a:off x="578652" y="4501201"/>
+            <a:ext cx="11034696" cy="18288"/>
+          </a:xfrm>
+          <a:prstGeom prst="rect">
+            <a:avLst/>
+          </a:prstGeom>
+          <a:solidFill>
+            <a:schemeClr val="tx2">
+              <a:lumMod val="25000"/>
+              <a:lumOff val="75000"/>
+            </a:schemeClr>
+          </a:solidFill>
+          <a:ln w="3175">
+            <a:noFill/>
+          </a:ln>
+          <a:effectLst/>
+        </p:spPr>
+        <p:style>
+          <a:lnRef idx="2">
+            <a:schemeClr val="accent1">
+              <a:shade val="50000"/>
+            </a:schemeClr>
+          </a:lnRef>
+          <a:fillRef idx="1">
+            <a:schemeClr val="accent1"/>
+          </a:fillRef>
+          <a:effectRef idx="0">
+            <a:schemeClr val="accent1"/>
+          </a:effectRef>
+          <a:fontRef idx="minor">
+            <a:schemeClr val="lt1"/>
+          </a:fontRef>
+        </p:style>
+        <p:txBody>
+          <a:bodyPr rtlCol="0" anchor="ctr"/>
+          <a:lstStyle/>
+          <a:p>
+            <a:pPr marL="0" marR="0" lvl="0" indent="0" algn="ctr" defTabSz="914400" rtl="0" eaLnBrk="1" fontAlgn="auto" latinLnBrk="0" hangingPunct="1">
+              <a:lnSpc>
+                <a:spcPct val="100000"/>
+              </a:lnSpc>
+              <a:spcBef>
+                <a:spcPts val="0"/>
+              </a:spcBef>
+              <a:spcAft>
+                <a:spcPts val="0"/>
+              </a:spcAft>
+              <a:buClrTx/>
+              <a:buSzTx/>
+              <a:buFontTx/>
+              <a:buNone/>
+              <a:tabLst/>
+              <a:defRPr/>
+            </a:pPr>
+            <a:endParaRPr kumimoji="0" lang="en-US" sz="1800" b="0" i="0" u="none" strike="noStrike" kern="1200" cap="none" spc="0" normalizeH="0" baseline="0" noProof="0">
+              <a:ln>
+                <a:noFill/>
+              </a:ln>
+              <a:solidFill>
+                <a:prstClr val="white"/>
+              </a:solidFill>
+              <a:effectLst/>
+              <a:uLnTx/>
+              <a:uFillTx/>
+              <a:latin typeface="Calibri" panose="020F0502020204030204"/>
+              <a:ea typeface="+mn-ea"/>
+              <a:cs typeface="+mn-cs"/>
+            </a:endParaRPr>
+          </a:p>
+        </p:txBody>
+      </p:sp>
+      <p:sp useBgFill="1">
+        <p:nvSpPr>
+          <p:cNvPr id="19" name="Rectangle 18">
+            <a:extLst>
+              <a:ext uri="{FF2B5EF4-FFF2-40B4-BE49-F238E27FC236}">
+                <a16:creationId xmlns:a16="http://schemas.microsoft.com/office/drawing/2014/main" id="{96646FC9-C66D-4EC7-8310-0DD4ACC49C6C}"/>
+              </a:ext>
+              <a:ext uri="{C183D7F6-B498-43B3-948B-1728B52AA6E4}">
+                <adec:decorative xmlns:adec="http://schemas.microsoft.com/office/drawing/2017/decorative" val="1"/>
+              </a:ext>
+            </a:extLst>
+          </p:cNvPr>
+          <p:cNvSpPr>
+            <a:spLocks noGrp="1" noRot="1" noChangeAspect="1" noMove="1" noResize="1" noEditPoints="1" noAdjustHandles="1" noChangeArrowheads="1" noChangeShapeType="1" noTextEdit="1"/>
+          </p:cNvSpPr>
+          <p:nvPr>
+            <p:extLst>
+              <p:ext uri="{386F3935-93C4-4BCD-93E2-E3B085C9AB24}">
+                <p16:designElem xmlns:p16="http://schemas.microsoft.com/office/powerpoint/2015/main" val="1"/>
+              </p:ext>
+            </p:extLst>
+          </p:nvPr>
+        </p:nvSpPr>
+        <p:spPr>
+          <a:xfrm>
+            <a:off x="0" y="0"/>
+            <a:ext cx="12192000" cy="6858000"/>
+          </a:xfrm>
+          <a:prstGeom prst="rect">
+            <a:avLst/>
+          </a:prstGeom>
+          <a:ln>
+            <a:noFill/>
+          </a:ln>
+        </p:spPr>
+        <p:style>
+          <a:lnRef idx="2">
+            <a:schemeClr val="accent1">
+              <a:shade val="50000"/>
+            </a:schemeClr>
+          </a:lnRef>
+          <a:fillRef idx="1">
+            <a:schemeClr val="accent1"/>
+          </a:fillRef>
+          <a:effectRef idx="0">
+            <a:schemeClr val="accent1"/>
+          </a:effectRef>
+          <a:fontRef idx="minor">
+            <a:schemeClr val="lt1"/>
+          </a:fontRef>
+        </p:style>
+        <p:txBody>
+          <a:bodyPr rtlCol="0" anchor="ctr"/>
+          <a:lstStyle/>
+          <a:p>
+            <a:pPr algn="ctr"/>
+            <a:endParaRPr lang="en-US"/>
+          </a:p>
+        </p:txBody>
+      </p:sp>
+      <p:sp useBgFill="1">
+        <p:nvSpPr>
+          <p:cNvPr id="21" name="Rectangle 20">
+            <a:extLst>
+              <a:ext uri="{FF2B5EF4-FFF2-40B4-BE49-F238E27FC236}">
+                <a16:creationId xmlns:a16="http://schemas.microsoft.com/office/drawing/2014/main" id="{A3473CF9-37EB-43E7-89EF-D2D1C53D1DAC}"/>
+              </a:ext>
+              <a:ext uri="{C183D7F6-B498-43B3-948B-1728B52AA6E4}">
+                <adec:decorative xmlns:adec="http://schemas.microsoft.com/office/drawing/2017/decorative" val="1"/>
+              </a:ext>
+            </a:extLst>
+          </p:cNvPr>
+          <p:cNvSpPr>
+            <a:spLocks noGrp="1" noRot="1" noChangeAspect="1" noMove="1" noResize="1" noEditPoints="1" noAdjustHandles="1" noChangeArrowheads="1" noChangeShapeType="1" noTextEdit="1"/>
+          </p:cNvSpPr>
+          <p:nvPr>
+            <p:extLst>
+              <p:ext uri="{386F3935-93C4-4BCD-93E2-E3B085C9AB24}">
+                <p16:designElem xmlns:p16="http://schemas.microsoft.com/office/powerpoint/2015/main" val="1"/>
+              </p:ext>
+            </p:extLst>
+          </p:nvPr>
+        </p:nvSpPr>
+        <p:spPr>
+          <a:xfrm>
+            <a:off x="1903615" y="221673"/>
+            <a:ext cx="8384770" cy="1332634"/>
+          </a:xfrm>
+          <a:prstGeom prst="rect">
+            <a:avLst/>
+          </a:prstGeom>
+          <a:ln w="12700">
+            <a:solidFill>
+              <a:schemeClr val="tx2">
+                <a:lumMod val="10000"/>
+                <a:lumOff val="90000"/>
+              </a:schemeClr>
+            </a:solidFill>
+          </a:ln>
+          <a:effectLst>
+            <a:outerShdw blurRad="50800" dist="38100" dir="2700000" algn="tl" rotWithShape="0">
+              <a:schemeClr val="bg2">
+                <a:lumMod val="85000"/>
+                <a:alpha val="30000"/>
+              </a:schemeClr>
+            </a:outerShdw>
+          </a:effectLst>
+        </p:spPr>
+        <p:style>
+          <a:lnRef idx="2">
+            <a:schemeClr val="accent1">
+              <a:shade val="50000"/>
+            </a:schemeClr>
+          </a:lnRef>
+          <a:fillRef idx="1">
+            <a:schemeClr val="accent1"/>
+          </a:fillRef>
+          <a:effectRef idx="0">
+            <a:schemeClr val="accent1"/>
+          </a:effectRef>
+          <a:fontRef idx="minor">
+            <a:schemeClr val="lt1"/>
+          </a:fontRef>
+        </p:style>
+        <p:txBody>
+          <a:bodyPr rtlCol="0" anchor="ctr"/>
+          <a:lstStyle/>
+          <a:p>
+            <a:pPr marL="0" marR="0" lvl="0" indent="0" algn="ctr" defTabSz="914400" rtl="0" eaLnBrk="1" fontAlgn="auto" latinLnBrk="0" hangingPunct="1">
+              <a:lnSpc>
+                <a:spcPct val="100000"/>
+              </a:lnSpc>
+              <a:spcBef>
+                <a:spcPts val="0"/>
+              </a:spcBef>
+              <a:spcAft>
+                <a:spcPts val="0"/>
+              </a:spcAft>
+              <a:buClrTx/>
+              <a:buSzTx/>
+              <a:buFontTx/>
+              <a:buNone/>
+              <a:tabLst/>
+              <a:defRPr/>
+            </a:pPr>
+            <a:endParaRPr kumimoji="0" lang="en-US" sz="1800" b="0" i="0" u="none" strike="noStrike" kern="1200" cap="none" spc="0" normalizeH="0" baseline="0" noProof="0">
+              <a:ln>
+                <a:noFill/>
+              </a:ln>
+              <a:solidFill>
+                <a:prstClr val="white"/>
+              </a:solidFill>
+              <a:effectLst/>
+              <a:uLnTx/>
+              <a:uFillTx/>
+              <a:latin typeface="Calibri" panose="020F0502020204030204"/>
+              <a:ea typeface="+mn-ea"/>
+              <a:cs typeface="+mn-cs"/>
+            </a:endParaRPr>
+          </a:p>
+        </p:txBody>
+      </p:sp>
+      <p:sp>
+        <p:nvSpPr>
           <p:cNvPr id="2" name="Title 1">
             <a:extLst>
               <a:ext uri="{FF2B5EF4-FFF2-40B4-BE49-F238E27FC236}">
@@ -9412,49 +11580,222 @@
             <p:ph type="title"/>
           </p:nvPr>
         </p:nvSpPr>
-        <p:spPr/>
-        <p:txBody>
-          <a:bodyPr>
+        <p:spPr>
+          <a:xfrm>
+            <a:off x="2103121" y="310343"/>
+            <a:ext cx="7985759" cy="868823"/>
+          </a:xfrm>
+        </p:spPr>
+        <p:txBody>
+          <a:bodyPr vert="horz" lIns="91440" tIns="45720" rIns="91440" bIns="45720" rtlCol="0" anchor="ctr">
             <a:normAutofit/>
           </a:bodyPr>
           <a:lstStyle/>
           <a:p>
+            <a:pPr algn="ctr"/>
             <a:r>
               <a:rPr lang="en-US" dirty="0"/>
-              <a:t>Activity 1.1: Doctor Login</a:t>
+              <a:t>Activity 1.1: Admin Login</a:t>
             </a:r>
+            <a:endParaRPr lang="en-US"/>
           </a:p>
         </p:txBody>
       </p:sp>
       <p:sp>
         <p:nvSpPr>
-          <p:cNvPr id="3" name="Content Placeholder 2">
-            <a:extLst>
-              <a:ext uri="{FF2B5EF4-FFF2-40B4-BE49-F238E27FC236}">
-                <a16:creationId xmlns:a16="http://schemas.microsoft.com/office/drawing/2014/main" id="{C1DEF5DD-6E28-A442-8FD1-4F7A3CC20431}"/>
+          <p:cNvPr id="23" name="Rectangle: Rounded Corners 22">
+            <a:extLst>
+              <a:ext uri="{FF2B5EF4-FFF2-40B4-BE49-F238E27FC236}">
+                <a16:creationId xmlns:a16="http://schemas.microsoft.com/office/drawing/2014/main" id="{586B4EF9-43BA-4655-A6FF-1D8E21574C95}"/>
+              </a:ext>
+              <a:ext uri="{C183D7F6-B498-43B3-948B-1728B52AA6E4}">
+                <adec:decorative xmlns:adec="http://schemas.microsoft.com/office/drawing/2017/decorative" val="1"/>
               </a:ext>
             </a:extLst>
           </p:cNvPr>
           <p:cNvSpPr>
-            <a:spLocks noGrp="1"/>
+            <a:spLocks noGrp="1" noRot="1" noChangeAspect="1" noMove="1" noResize="1" noEditPoints="1" noAdjustHandles="1" noChangeArrowheads="1" noChangeShapeType="1" noTextEdit="1"/>
           </p:cNvSpPr>
+          <p:nvPr>
+            <p:extLst>
+              <p:ext uri="{386F3935-93C4-4BCD-93E2-E3B085C9AB24}">
+                <p16:designElem xmlns:p16="http://schemas.microsoft.com/office/powerpoint/2015/main" val="1"/>
+              </p:ext>
+            </p:extLst>
+          </p:nvPr>
+        </p:nvSpPr>
+        <p:spPr>
+          <a:xfrm>
+            <a:off x="2483110" y="1211407"/>
+            <a:ext cx="7225780" cy="685800"/>
+          </a:xfrm>
+          <a:prstGeom prst="roundRect">
+            <a:avLst>
+              <a:gd name="adj" fmla="val 0"/>
+            </a:avLst>
+          </a:prstGeom>
+          <a:solidFill>
+            <a:schemeClr val="accent1"/>
+          </a:solidFill>
+          <a:ln>
+            <a:noFill/>
+          </a:ln>
+        </p:spPr>
+        <p:style>
+          <a:lnRef idx="2">
+            <a:schemeClr val="accent1">
+              <a:shade val="50000"/>
+            </a:schemeClr>
+          </a:lnRef>
+          <a:fillRef idx="1">
+            <a:schemeClr val="accent1"/>
+          </a:fillRef>
+          <a:effectRef idx="0">
+            <a:schemeClr val="accent1"/>
+          </a:effectRef>
+          <a:fontRef idx="minor">
+            <a:schemeClr val="lt1"/>
+          </a:fontRef>
+        </p:style>
+        <p:txBody>
+          <a:bodyPr rtlCol="0" anchor="ctr"/>
+          <a:lstStyle/>
+          <a:p>
+            <a:pPr marL="0" marR="0" lvl="0" indent="0" algn="ctr" defTabSz="914400" rtl="0" eaLnBrk="1" fontAlgn="auto" latinLnBrk="0" hangingPunct="1">
+              <a:lnSpc>
+                <a:spcPct val="100000"/>
+              </a:lnSpc>
+              <a:spcBef>
+                <a:spcPts val="0"/>
+              </a:spcBef>
+              <a:spcAft>
+                <a:spcPts val="0"/>
+              </a:spcAft>
+              <a:buClrTx/>
+              <a:buSzTx/>
+              <a:buFontTx/>
+              <a:buNone/>
+              <a:tabLst/>
+              <a:defRPr/>
+            </a:pPr>
+            <a:endParaRPr kumimoji="0" lang="en-US" sz="1800" b="0" i="0" u="none" strike="noStrike" kern="1200" cap="none" spc="0" normalizeH="0" baseline="0" noProof="0">
+              <a:ln>
+                <a:noFill/>
+              </a:ln>
+              <a:solidFill>
+                <a:prstClr val="white"/>
+              </a:solidFill>
+              <a:effectLst/>
+              <a:uLnTx/>
+              <a:uFillTx/>
+              <a:latin typeface="Avenir Next LT Pro"/>
+              <a:ea typeface="+mn-ea"/>
+              <a:cs typeface="+mn-cs"/>
+            </a:endParaRPr>
+          </a:p>
+        </p:txBody>
+      </p:sp>
+      <p:pic>
+        <p:nvPicPr>
+          <p:cNvPr id="10" name="Picture 9" descr="Graphical user interface, application, website&#10;&#10;Description automatically generated">
+            <a:extLst>
+              <a:ext uri="{FF2B5EF4-FFF2-40B4-BE49-F238E27FC236}">
+                <a16:creationId xmlns:a16="http://schemas.microsoft.com/office/drawing/2014/main" id="{2E2A5839-ED99-D846-9049-BFA9A464BF70}"/>
+              </a:ext>
+            </a:extLst>
+          </p:cNvPr>
+          <p:cNvPicPr>
+            <a:picLocks noChangeAspect="1"/>
+          </p:cNvPicPr>
+          <p:nvPr/>
+        </p:nvPicPr>
+        <p:blipFill>
+          <a:blip r:embed="rId2"/>
+          <a:stretch>
+            <a:fillRect/>
+          </a:stretch>
+        </p:blipFill>
+        <p:spPr>
+          <a:xfrm>
+            <a:off x="3889130" y="2121196"/>
+            <a:ext cx="1935601" cy="4096512"/>
+          </a:xfrm>
+          <a:prstGeom prst="rect">
+            <a:avLst/>
+          </a:prstGeom>
+        </p:spPr>
+      </p:pic>
+      <p:pic>
+        <p:nvPicPr>
+          <p:cNvPr id="6" name="Content Placeholder 5" descr="Graphical user interface, application&#10;&#10;Description automatically generated">
+            <a:extLst>
+              <a:ext uri="{FF2B5EF4-FFF2-40B4-BE49-F238E27FC236}">
+                <a16:creationId xmlns:a16="http://schemas.microsoft.com/office/drawing/2014/main" id="{F4F78F7A-022F-E743-96D3-40C542DF1955}"/>
+              </a:ext>
+            </a:extLst>
+          </p:cNvPr>
+          <p:cNvPicPr>
+            <a:picLocks noGrp="1" noChangeAspect="1"/>
+          </p:cNvPicPr>
           <p:nvPr>
             <p:ph idx="1"/>
           </p:nvPr>
-        </p:nvSpPr>
-        <p:spPr/>
-        <p:txBody>
-          <a:bodyPr/>
+        </p:nvPicPr>
+        <p:blipFill>
+          <a:blip r:embed="rId3"/>
+          <a:stretch>
+            <a:fillRect/>
+          </a:stretch>
+        </p:blipFill>
+        <p:spPr>
+          <a:xfrm>
+            <a:off x="6783438" y="2186679"/>
+            <a:ext cx="1935601" cy="4096512"/>
+          </a:xfrm>
+          <a:prstGeom prst="rect">
+            <a:avLst/>
+          </a:prstGeom>
+        </p:spPr>
+      </p:pic>
+      <p:sp>
+        <p:nvSpPr>
+          <p:cNvPr id="9" name="TextBox 8">
+            <a:extLst>
+              <a:ext uri="{FF2B5EF4-FFF2-40B4-BE49-F238E27FC236}">
+                <a16:creationId xmlns:a16="http://schemas.microsoft.com/office/drawing/2014/main" id="{D1F280B0-A337-0143-9632-274CB04B2066}"/>
+              </a:ext>
+            </a:extLst>
+          </p:cNvPr>
+          <p:cNvSpPr txBox="1"/>
+          <p:nvPr/>
+        </p:nvSpPr>
+        <p:spPr>
+          <a:xfrm>
+            <a:off x="3108960" y="1447800"/>
+            <a:ext cx="5668731" cy="369332"/>
+          </a:xfrm>
+          <a:prstGeom prst="rect">
+            <a:avLst/>
+          </a:prstGeom>
+          <a:noFill/>
+        </p:spPr>
+        <p:txBody>
+          <a:bodyPr wrap="none" rtlCol="0">
+            <a:spAutoFit/>
+          </a:bodyPr>
           <a:lstStyle/>
           <a:p>
-            <a:endParaRPr lang="en-US" dirty="0"/>
+            <a:r>
+              <a:rPr lang="en-US" dirty="0"/>
+              <a:t>HealthCare will register doctor through Admin login</a:t>
+            </a:r>
           </a:p>
         </p:txBody>
       </p:sp>
     </p:spTree>
     <p:extLst>
       <p:ext uri="{BB962C8B-B14F-4D97-AF65-F5344CB8AC3E}">
-        <p14:creationId xmlns:p14="http://schemas.microsoft.com/office/powerpoint/2010/main" val="4016936900"/>
+        <p14:creationId xmlns:p14="http://schemas.microsoft.com/office/powerpoint/2010/main" val="1472038932"/>
       </p:ext>
     </p:extLst>
   </p:cSld>
@@ -9489,12 +11830,12 @@
           <a:chExt cx="0" cy="0"/>
         </a:xfrm>
       </p:grpSpPr>
-      <p:sp useBgFill="1">
-        <p:nvSpPr>
-          <p:cNvPr id="27" name="Rectangle 26">
-            <a:extLst>
-              <a:ext uri="{FF2B5EF4-FFF2-40B4-BE49-F238E27FC236}">
-                <a16:creationId xmlns:a16="http://schemas.microsoft.com/office/drawing/2014/main" id="{223D82F2-8828-4C80-AF95-242810EB9ABB}"/>
+      <p:sp>
+        <p:nvSpPr>
+          <p:cNvPr id="12" name="Rectangle 11">
+            <a:extLst>
+              <a:ext uri="{FF2B5EF4-FFF2-40B4-BE49-F238E27FC236}">
+                <a16:creationId xmlns:a16="http://schemas.microsoft.com/office/drawing/2014/main" id="{8D06CE56-3881-4ADA-8CEF-D18B02C242A3}"/>
               </a:ext>
               <a:ext uri="{C183D7F6-B498-43B3-948B-1728B52AA6E4}">
                 <adec:decorative xmlns:adec="http://schemas.microsoft.com/office/drawing/2017/decorative" val="1"/>
@@ -9513,89 +11854,19 @@
           </p:nvPr>
         </p:nvSpPr>
         <p:spPr>
-          <a:xfrm>
-            <a:off x="0" y="0"/>
-            <a:ext cx="12192000" cy="6858000"/>
+          <a:xfrm rot="5400000">
+            <a:off x="857544" y="346791"/>
+            <a:ext cx="146304" cy="704088"/>
           </a:xfrm>
           <a:prstGeom prst="rect">
             <a:avLst/>
           </a:prstGeom>
+          <a:solidFill>
+            <a:schemeClr val="accent1"/>
+          </a:solidFill>
           <a:ln>
             <a:noFill/>
           </a:ln>
-        </p:spPr>
-        <p:style>
-          <a:lnRef idx="2">
-            <a:schemeClr val="accent1">
-              <a:shade val="50000"/>
-            </a:schemeClr>
-          </a:lnRef>
-          <a:fillRef idx="1">
-            <a:schemeClr val="accent1"/>
-          </a:fillRef>
-          <a:effectRef idx="0">
-            <a:schemeClr val="accent1"/>
-          </a:effectRef>
-          <a:fontRef idx="minor">
-            <a:schemeClr val="lt1"/>
-          </a:fontRef>
-        </p:style>
-        <p:txBody>
-          <a:bodyPr rtlCol="0" anchor="ctr"/>
-          <a:lstStyle/>
-          <a:p>
-            <a:pPr algn="ctr"/>
-            <a:endParaRPr lang="en-US"/>
-          </a:p>
-        </p:txBody>
-      </p:sp>
-      <p:sp useBgFill="1">
-        <p:nvSpPr>
-          <p:cNvPr id="29" name="Rectangle 28">
-            <a:extLst>
-              <a:ext uri="{FF2B5EF4-FFF2-40B4-BE49-F238E27FC236}">
-                <a16:creationId xmlns:a16="http://schemas.microsoft.com/office/drawing/2014/main" id="{7FD0D34F-65E4-4896-8016-F401017B67FD}"/>
-              </a:ext>
-              <a:ext uri="{C183D7F6-B498-43B3-948B-1728B52AA6E4}">
-                <adec:decorative xmlns:adec="http://schemas.microsoft.com/office/drawing/2017/decorative" val="1"/>
-              </a:ext>
-            </a:extLst>
-          </p:cNvPr>
-          <p:cNvSpPr>
-            <a:spLocks noGrp="1" noRot="1" noChangeAspect="1" noMove="1" noResize="1" noEditPoints="1" noAdjustHandles="1" noChangeArrowheads="1" noChangeShapeType="1" noTextEdit="1"/>
-          </p:cNvSpPr>
-          <p:nvPr>
-            <p:extLst>
-              <p:ext uri="{386F3935-93C4-4BCD-93E2-E3B085C9AB24}">
-                <p16:designElem xmlns:p16="http://schemas.microsoft.com/office/powerpoint/2015/main" val="1"/>
-              </p:ext>
-            </p:extLst>
-          </p:nvPr>
-        </p:nvSpPr>
-        <p:spPr>
-          <a:xfrm>
-            <a:off x="558209" y="0"/>
-            <a:ext cx="11167447" cy="2018806"/>
-          </a:xfrm>
-          <a:prstGeom prst="rect">
-            <a:avLst/>
-          </a:prstGeom>
-          <a:ln w="12700">
-            <a:solidFill>
-              <a:schemeClr val="tx2">
-                <a:lumMod val="10000"/>
-                <a:lumOff val="90000"/>
-              </a:schemeClr>
-            </a:solidFill>
-          </a:ln>
-          <a:effectLst>
-            <a:outerShdw blurRad="50800" dist="38100" dir="2700000" algn="tl" rotWithShape="0">
-              <a:schemeClr val="bg1">
-                <a:lumMod val="85000"/>
-                <a:alpha val="30000"/>
-              </a:schemeClr>
-            </a:outerShdw>
-          </a:effectLst>
         </p:spPr>
         <p:style>
           <a:lnRef idx="2">
@@ -9651,12 +11922,12 @@
           </a:p>
         </p:txBody>
       </p:sp>
-      <p:sp useBgFill="1">
-        <p:nvSpPr>
-          <p:cNvPr id="31" name="Rectangle 30">
-            <a:extLst>
-              <a:ext uri="{FF2B5EF4-FFF2-40B4-BE49-F238E27FC236}">
-                <a16:creationId xmlns:a16="http://schemas.microsoft.com/office/drawing/2014/main" id="{27A25769-8A6A-4983-92E9-E41BEB530971}"/>
+      <p:sp>
+        <p:nvSpPr>
+          <p:cNvPr id="14" name="Rectangle 13">
+            <a:extLst>
+              <a:ext uri="{FF2B5EF4-FFF2-40B4-BE49-F238E27FC236}">
+                <a16:creationId xmlns:a16="http://schemas.microsoft.com/office/drawing/2014/main" id="{79F3C543-62EC-4433-9C93-A2CD8764E9B4}"/>
               </a:ext>
               <a:ext uri="{C183D7F6-B498-43B3-948B-1728B52AA6E4}">
                 <adec:decorative xmlns:adec="http://schemas.microsoft.com/office/drawing/2017/decorative" val="1"/>
@@ -9675,14 +11946,20 @@
           </p:nvPr>
         </p:nvSpPr>
         <p:spPr>
-          <a:xfrm>
-            <a:off x="566928" y="0"/>
-            <a:ext cx="11155680" cy="2011680"/>
+          <a:xfrm flipV="1">
+            <a:off x="578652" y="4501201"/>
+            <a:ext cx="11034696" cy="18288"/>
           </a:xfrm>
           <a:prstGeom prst="rect">
             <a:avLst/>
           </a:prstGeom>
-          <a:ln w="12700">
+          <a:solidFill>
+            <a:schemeClr val="tx2">
+              <a:lumMod val="25000"/>
+              <a:lumOff val="75000"/>
+            </a:schemeClr>
+          </a:solidFill>
+          <a:ln w="3175">
             <a:noFill/>
           </a:ln>
           <a:effectLst/>
@@ -9741,47 +12018,12 @@
           </a:p>
         </p:txBody>
       </p:sp>
-      <p:sp>
-        <p:nvSpPr>
-          <p:cNvPr id="2" name="Title 1">
-            <a:extLst>
-              <a:ext uri="{FF2B5EF4-FFF2-40B4-BE49-F238E27FC236}">
-                <a16:creationId xmlns:a16="http://schemas.microsoft.com/office/drawing/2014/main" id="{66210003-3781-0C47-990A-6F6149910DBA}"/>
-              </a:ext>
-            </a:extLst>
-          </p:cNvPr>
-          <p:cNvSpPr>
-            <a:spLocks noGrp="1"/>
-          </p:cNvSpPr>
-          <p:nvPr>
-            <p:ph type="title"/>
-          </p:nvPr>
-        </p:nvSpPr>
-        <p:spPr>
-          <a:xfrm>
-            <a:off x="1115568" y="548640"/>
-            <a:ext cx="10168128" cy="1179576"/>
-          </a:xfrm>
-        </p:spPr>
-        <p:txBody>
-          <a:bodyPr>
-            <a:normAutofit/>
-          </a:bodyPr>
-          <a:lstStyle/>
-          <a:p>
-            <a:r>
-              <a:rPr lang="en-US" dirty="0"/>
-              <a:t>Activity 3.1 : Patient Login</a:t>
-            </a:r>
-          </a:p>
-        </p:txBody>
-      </p:sp>
-      <p:sp>
-        <p:nvSpPr>
-          <p:cNvPr id="33" name="Rectangle 32">
-            <a:extLst>
-              <a:ext uri="{FF2B5EF4-FFF2-40B4-BE49-F238E27FC236}">
-                <a16:creationId xmlns:a16="http://schemas.microsoft.com/office/drawing/2014/main" id="{D6669D83-0E36-4F8C-B68A-D549AC194A99}"/>
+      <p:sp useBgFill="1">
+        <p:nvSpPr>
+          <p:cNvPr id="16" name="Rectangle 15">
+            <a:extLst>
+              <a:ext uri="{FF2B5EF4-FFF2-40B4-BE49-F238E27FC236}">
+                <a16:creationId xmlns:a16="http://schemas.microsoft.com/office/drawing/2014/main" id="{96646FC9-C66D-4EC7-8310-0DD4ACC49C6C}"/>
               </a:ext>
               <a:ext uri="{C183D7F6-B498-43B3-948B-1728B52AA6E4}">
                 <adec:decorative xmlns:adec="http://schemas.microsoft.com/office/drawing/2017/decorative" val="1"/>
@@ -9801,18 +12043,88 @@
         </p:nvSpPr>
         <p:spPr>
           <a:xfrm>
-            <a:off x="498834" y="767116"/>
-            <a:ext cx="128016" cy="704088"/>
+            <a:off x="0" y="0"/>
+            <a:ext cx="12192000" cy="6858000"/>
           </a:xfrm>
           <a:prstGeom prst="rect">
             <a:avLst/>
           </a:prstGeom>
-          <a:solidFill>
-            <a:schemeClr val="accent1"/>
-          </a:solidFill>
           <a:ln>
             <a:noFill/>
           </a:ln>
+        </p:spPr>
+        <p:style>
+          <a:lnRef idx="2">
+            <a:schemeClr val="accent1">
+              <a:shade val="50000"/>
+            </a:schemeClr>
+          </a:lnRef>
+          <a:fillRef idx="1">
+            <a:schemeClr val="accent1"/>
+          </a:fillRef>
+          <a:effectRef idx="0">
+            <a:schemeClr val="accent1"/>
+          </a:effectRef>
+          <a:fontRef idx="minor">
+            <a:schemeClr val="lt1"/>
+          </a:fontRef>
+        </p:style>
+        <p:txBody>
+          <a:bodyPr rtlCol="0" anchor="ctr"/>
+          <a:lstStyle/>
+          <a:p>
+            <a:pPr algn="ctr"/>
+            <a:endParaRPr lang="en-US"/>
+          </a:p>
+        </p:txBody>
+      </p:sp>
+      <p:sp useBgFill="1">
+        <p:nvSpPr>
+          <p:cNvPr id="18" name="Rectangle 17">
+            <a:extLst>
+              <a:ext uri="{FF2B5EF4-FFF2-40B4-BE49-F238E27FC236}">
+                <a16:creationId xmlns:a16="http://schemas.microsoft.com/office/drawing/2014/main" id="{A3473CF9-37EB-43E7-89EF-D2D1C53D1DAC}"/>
+              </a:ext>
+              <a:ext uri="{C183D7F6-B498-43B3-948B-1728B52AA6E4}">
+                <adec:decorative xmlns:adec="http://schemas.microsoft.com/office/drawing/2017/decorative" val="1"/>
+              </a:ext>
+            </a:extLst>
+          </p:cNvPr>
+          <p:cNvSpPr>
+            <a:spLocks noGrp="1" noRot="1" noChangeAspect="1" noMove="1" noResize="1" noEditPoints="1" noAdjustHandles="1" noChangeArrowheads="1" noChangeShapeType="1" noTextEdit="1"/>
+          </p:cNvSpPr>
+          <p:nvPr>
+            <p:extLst>
+              <p:ext uri="{386F3935-93C4-4BCD-93E2-E3B085C9AB24}">
+                <p16:designElem xmlns:p16="http://schemas.microsoft.com/office/powerpoint/2015/main" val="1"/>
+              </p:ext>
+            </p:extLst>
+          </p:nvPr>
+        </p:nvSpPr>
+        <p:spPr>
+          <a:xfrm>
+            <a:off x="1903615" y="221673"/>
+            <a:ext cx="8384770" cy="1332634"/>
+          </a:xfrm>
+          <a:prstGeom prst="rect">
+            <a:avLst/>
+          </a:prstGeom>
+          <a:ln w="12700">
+            <a:solidFill>
+              <a:schemeClr val="tx2">
+                <a:lumMod val="10000"/>
+                <a:lumOff val="90000"/>
+              </a:schemeClr>
+            </a:solidFill>
+          </a:ln>
+          <a:effectLst>
+            <a:outerShdw blurRad="50800" dist="38100" dir="2700000" algn="tl" rotWithShape="0">
+              <a:schemeClr val="bg2">
+                <a:lumMod val="85000"/>
+                <a:alpha val="30000"/>
+              </a:schemeClr>
+            </a:outerShdw>
+          </a:effectLst>
         </p:spPr>
         <p:style>
           <a:lnRef idx="2">
@@ -9870,10 +12182,10 @@
       </p:sp>
       <p:sp>
         <p:nvSpPr>
-          <p:cNvPr id="24" name="Content Placeholder 23">
-            <a:extLst>
-              <a:ext uri="{FF2B5EF4-FFF2-40B4-BE49-F238E27FC236}">
-                <a16:creationId xmlns:a16="http://schemas.microsoft.com/office/drawing/2014/main" id="{57E16772-0CE1-4B7B-91DF-F65EE836A23C}"/>
+          <p:cNvPr id="2" name="Title 1">
+            <a:extLst>
+              <a:ext uri="{FF2B5EF4-FFF2-40B4-BE49-F238E27FC236}">
+                <a16:creationId xmlns:a16="http://schemas.microsoft.com/office/drawing/2014/main" id="{EE80D238-50FD-2843-91FB-D5A5CECFDE2E}"/>
               </a:ext>
             </a:extLst>
           </p:cNvPr>
@@ -9881,54 +12193,162 @@
             <a:spLocks noGrp="1"/>
           </p:cNvSpPr>
           <p:nvPr>
-            <p:ph idx="1"/>
+            <p:ph type="title"/>
           </p:nvPr>
         </p:nvSpPr>
         <p:spPr>
           <a:xfrm>
-            <a:off x="7903597" y="2478024"/>
-            <a:ext cx="3389242" cy="3694176"/>
-          </a:xfrm>
-        </p:spPr>
-        <p:txBody>
-          <a:bodyPr anchor="ctr">
+            <a:off x="2103121" y="310343"/>
+            <a:ext cx="7985759" cy="868823"/>
+          </a:xfrm>
+        </p:spPr>
+        <p:txBody>
+          <a:bodyPr vert="horz" lIns="91440" tIns="45720" rIns="91440" bIns="45720" rtlCol="0" anchor="ctr">
             <a:normAutofit/>
           </a:bodyPr>
           <a:lstStyle/>
           <a:p>
-            <a:endParaRPr lang="en-US" sz="1800" dirty="0"/>
-          </a:p>
-          <a:p>
-            <a:endParaRPr lang="en-US" sz="1800" dirty="0"/>
-          </a:p>
-          <a:p>
+            <a:pPr algn="ctr"/>
             <a:r>
-              <a:rPr lang="en-US" sz="1800" i="1" dirty="0"/>
-              <a:t>Image 1</a:t>
+              <a:rPr lang="en-US" dirty="0"/>
+              <a:t>Activity 2.1: Doctor Login</a:t>
             </a:r>
-            <a:r>
-              <a:rPr lang="en-US" sz="1800" dirty="0"/>
-              <a:t> shows the patient does not exist </a:t>
-            </a:r>
-          </a:p>
-          <a:p>
-            <a:r>
-              <a:rPr lang="en-US" sz="1800" i="1" dirty="0"/>
-              <a:t>Image 2 </a:t>
-            </a:r>
-            <a:r>
-              <a:rPr lang="en-US" sz="1800" dirty="0"/>
-              <a:t>Registration of the patient</a:t>
-            </a:r>
+            <a:endParaRPr lang="en-US"/>
+          </a:p>
+        </p:txBody>
+      </p:sp>
+      <p:sp>
+        <p:nvSpPr>
+          <p:cNvPr id="20" name="Rectangle: Rounded Corners 19">
+            <a:extLst>
+              <a:ext uri="{FF2B5EF4-FFF2-40B4-BE49-F238E27FC236}">
+                <a16:creationId xmlns:a16="http://schemas.microsoft.com/office/drawing/2014/main" id="{586B4EF9-43BA-4655-A6FF-1D8E21574C95}"/>
+              </a:ext>
+              <a:ext uri="{C183D7F6-B498-43B3-948B-1728B52AA6E4}">
+                <adec:decorative xmlns:adec="http://schemas.microsoft.com/office/drawing/2017/decorative" val="1"/>
+              </a:ext>
+            </a:extLst>
+          </p:cNvPr>
+          <p:cNvSpPr>
+            <a:spLocks noGrp="1" noRot="1" noChangeAspect="1" noMove="1" noResize="1" noEditPoints="1" noAdjustHandles="1" noChangeArrowheads="1" noChangeShapeType="1" noTextEdit="1"/>
+          </p:cNvSpPr>
+          <p:nvPr>
+            <p:extLst>
+              <p:ext uri="{386F3935-93C4-4BCD-93E2-E3B085C9AB24}">
+                <p16:designElem xmlns:p16="http://schemas.microsoft.com/office/powerpoint/2015/main" val="1"/>
+              </p:ext>
+            </p:extLst>
+          </p:nvPr>
+        </p:nvSpPr>
+        <p:spPr>
+          <a:xfrm>
+            <a:off x="2483110" y="1211407"/>
+            <a:ext cx="7225780" cy="685800"/>
+          </a:xfrm>
+          <a:prstGeom prst="roundRect">
+            <a:avLst>
+              <a:gd name="adj" fmla="val 0"/>
+            </a:avLst>
+          </a:prstGeom>
+          <a:solidFill>
+            <a:schemeClr val="accent1"/>
+          </a:solidFill>
+          <a:ln>
+            <a:noFill/>
+          </a:ln>
+        </p:spPr>
+        <p:style>
+          <a:lnRef idx="2">
+            <a:schemeClr val="accent1">
+              <a:shade val="50000"/>
+            </a:schemeClr>
+          </a:lnRef>
+          <a:fillRef idx="1">
+            <a:schemeClr val="accent1"/>
+          </a:fillRef>
+          <a:effectRef idx="0">
+            <a:schemeClr val="accent1"/>
+          </a:effectRef>
+          <a:fontRef idx="minor">
+            <a:schemeClr val="lt1"/>
+          </a:fontRef>
+        </p:style>
+        <p:txBody>
+          <a:bodyPr rtlCol="0" anchor="ctr"/>
+          <a:lstStyle/>
+          <a:p>
+            <a:pPr marL="0" marR="0" lvl="0" indent="0" algn="ctr" defTabSz="914400" rtl="0" eaLnBrk="1" fontAlgn="auto" latinLnBrk="0" hangingPunct="1">
+              <a:lnSpc>
+                <a:spcPct val="100000"/>
+              </a:lnSpc>
+              <a:spcBef>
+                <a:spcPts val="0"/>
+              </a:spcBef>
+              <a:spcAft>
+                <a:spcPts val="0"/>
+              </a:spcAft>
+              <a:buClrTx/>
+              <a:buSzTx/>
+              <a:buFontTx/>
+              <a:buNone/>
+              <a:tabLst/>
+              <a:defRPr/>
+            </a:pPr>
+            <a:endParaRPr kumimoji="0" lang="en-US" sz="1800" b="0" i="0" u="none" strike="noStrike" kern="1200" cap="none" spc="0" normalizeH="0" baseline="0" noProof="0">
+              <a:ln>
+                <a:noFill/>
+              </a:ln>
+              <a:solidFill>
+                <a:prstClr val="white"/>
+              </a:solidFill>
+              <a:effectLst/>
+              <a:uLnTx/>
+              <a:uFillTx/>
+              <a:latin typeface="Avenir Next LT Pro"/>
+              <a:ea typeface="+mn-ea"/>
+              <a:cs typeface="+mn-cs"/>
+            </a:endParaRPr>
           </a:p>
         </p:txBody>
       </p:sp>
       <p:pic>
         <p:nvPicPr>
-          <p:cNvPr id="17" name="Picture 16" descr="Graphical user interface, application&#10;&#10;Description automatically generated">
-            <a:extLst>
-              <a:ext uri="{FF2B5EF4-FFF2-40B4-BE49-F238E27FC236}">
-                <a16:creationId xmlns:a16="http://schemas.microsoft.com/office/drawing/2014/main" id="{1EF12C8A-6B3F-124E-A356-191F76DDA909}"/>
+          <p:cNvPr id="5" name="Content Placeholder 4" descr="Graphical user interface, application&#10;&#10;Description automatically generated">
+            <a:extLst>
+              <a:ext uri="{FF2B5EF4-FFF2-40B4-BE49-F238E27FC236}">
+                <a16:creationId xmlns:a16="http://schemas.microsoft.com/office/drawing/2014/main" id="{AC583192-C404-8D43-8FA4-A0B8904C948E}"/>
+              </a:ext>
+            </a:extLst>
+          </p:cNvPr>
+          <p:cNvPicPr>
+            <a:picLocks noGrp="1" noChangeAspect="1"/>
+          </p:cNvPicPr>
+          <p:nvPr>
+            <p:ph idx="1"/>
+          </p:nvPr>
+        </p:nvPicPr>
+        <p:blipFill>
+          <a:blip r:embed="rId2"/>
+          <a:stretch>
+            <a:fillRect/>
+          </a:stretch>
+        </p:blipFill>
+        <p:spPr>
+          <a:xfrm>
+            <a:off x="1531509" y="2139484"/>
+            <a:ext cx="2552934" cy="4096512"/>
+          </a:xfrm>
+          <a:prstGeom prst="rect">
+            <a:avLst/>
+          </a:prstGeom>
+        </p:spPr>
+      </p:pic>
+      <p:pic>
+        <p:nvPicPr>
+          <p:cNvPr id="7" name="Picture 6" descr="Diagram, timeline&#10;&#10;Description automatically generated with medium confidence">
+            <a:extLst>
+              <a:ext uri="{FF2B5EF4-FFF2-40B4-BE49-F238E27FC236}">
+                <a16:creationId xmlns:a16="http://schemas.microsoft.com/office/drawing/2014/main" id="{31EEA2BC-72BF-1948-95D5-496A61A57E91}"/>
               </a:ext>
             </a:extLst>
           </p:cNvPr>
@@ -9937,27 +12357,63 @@
           </p:cNvPicPr>
           <p:nvPr/>
         </p:nvPicPr>
-        <p:blipFill rotWithShape="1">
-          <a:blip r:embed="rId2"/>
-          <a:srcRect b="6234"/>
-          <a:stretch/>
+        <p:blipFill>
+          <a:blip r:embed="rId3"/>
+          <a:stretch>
+            <a:fillRect/>
+          </a:stretch>
         </p:blipFill>
         <p:spPr>
           <a:xfrm>
-            <a:off x="899161" y="1471204"/>
-            <a:ext cx="3248526" cy="5158196"/>
+            <a:off x="4328160" y="2039176"/>
+            <a:ext cx="2834639" cy="4196820"/>
           </a:xfrm>
           <a:prstGeom prst="rect">
             <a:avLst/>
           </a:prstGeom>
         </p:spPr>
       </p:pic>
+      <p:sp>
+        <p:nvSpPr>
+          <p:cNvPr id="9" name="TextBox 8">
+            <a:extLst>
+              <a:ext uri="{FF2B5EF4-FFF2-40B4-BE49-F238E27FC236}">
+                <a16:creationId xmlns:a16="http://schemas.microsoft.com/office/drawing/2014/main" id="{E3FB317F-13EA-2946-8D5A-DE726B775719}"/>
+              </a:ext>
+            </a:extLst>
+          </p:cNvPr>
+          <p:cNvSpPr txBox="1"/>
+          <p:nvPr/>
+        </p:nvSpPr>
+        <p:spPr>
+          <a:xfrm>
+            <a:off x="2743200" y="1539240"/>
+            <a:ext cx="5422575" cy="369332"/>
+          </a:xfrm>
+          <a:prstGeom prst="rect">
+            <a:avLst/>
+          </a:prstGeom>
+          <a:noFill/>
+        </p:spPr>
+        <p:txBody>
+          <a:bodyPr wrap="none" rtlCol="0">
+            <a:spAutoFit/>
+          </a:bodyPr>
+          <a:lstStyle/>
+          <a:p>
+            <a:r>
+              <a:rPr lang="en-US" dirty="0"/>
+              <a:t>Doctor can add his availability slots in the system</a:t>
+            </a:r>
+          </a:p>
+        </p:txBody>
+      </p:sp>
       <p:pic>
         <p:nvPicPr>
-          <p:cNvPr id="21" name="Picture 20" descr="Graphical user interface, application&#10;&#10;Description automatically generated">
-            <a:extLst>
-              <a:ext uri="{FF2B5EF4-FFF2-40B4-BE49-F238E27FC236}">
-                <a16:creationId xmlns:a16="http://schemas.microsoft.com/office/drawing/2014/main" id="{10C893C7-6D79-0244-8545-EF78E69B9E0D}"/>
+          <p:cNvPr id="11" name="Picture 10" descr="Graphical user interface, application&#10;&#10;Description automatically generated">
+            <a:extLst>
+              <a:ext uri="{FF2B5EF4-FFF2-40B4-BE49-F238E27FC236}">
+                <a16:creationId xmlns:a16="http://schemas.microsoft.com/office/drawing/2014/main" id="{3A0AE4C0-1B93-2B4E-889B-06EA4DFA52A1}"/>
               </a:ext>
             </a:extLst>
           </p:cNvPr>
@@ -9966,15 +12422,16 @@
           </p:cNvPicPr>
           <p:nvPr/>
         </p:nvPicPr>
-        <p:blipFill rotWithShape="1">
-          <a:blip r:embed="rId3"/>
-          <a:srcRect b="6224"/>
-          <a:stretch/>
+        <p:blipFill>
+          <a:blip r:embed="rId4"/>
+          <a:stretch>
+            <a:fillRect/>
+          </a:stretch>
         </p:blipFill>
         <p:spPr>
           <a:xfrm>
-            <a:off x="4471737" y="1471204"/>
-            <a:ext cx="3248526" cy="5051516"/>
+            <a:off x="7512117" y="2002600"/>
+            <a:ext cx="3248526" cy="4196820"/>
           </a:xfrm>
           <a:prstGeom prst="rect">
             <a:avLst/>
@@ -9984,7 +12441,7 @@
     </p:spTree>
     <p:extLst>
       <p:ext uri="{BB962C8B-B14F-4D97-AF65-F5344CB8AC3E}">
-        <p14:creationId xmlns:p14="http://schemas.microsoft.com/office/powerpoint/2010/main" val="2134888756"/>
+        <p14:creationId xmlns:p14="http://schemas.microsoft.com/office/powerpoint/2010/main" val="4016936900"/>
       </p:ext>
     </p:extLst>
   </p:cSld>
@@ -10019,12 +12476,12 @@
           <a:chExt cx="0" cy="0"/>
         </a:xfrm>
       </p:grpSpPr>
-      <p:sp>
-        <p:nvSpPr>
-          <p:cNvPr id="62" name="Rectangle 61">
-            <a:extLst>
-              <a:ext uri="{FF2B5EF4-FFF2-40B4-BE49-F238E27FC236}">
-                <a16:creationId xmlns:a16="http://schemas.microsoft.com/office/drawing/2014/main" id="{8D06CE56-3881-4ADA-8CEF-D18B02C242A3}"/>
+      <p:sp useBgFill="1">
+        <p:nvSpPr>
+          <p:cNvPr id="27" name="Rectangle 26">
+            <a:extLst>
+              <a:ext uri="{FF2B5EF4-FFF2-40B4-BE49-F238E27FC236}">
+                <a16:creationId xmlns:a16="http://schemas.microsoft.com/office/drawing/2014/main" id="{223D82F2-8828-4C80-AF95-242810EB9ABB}"/>
               </a:ext>
               <a:ext uri="{C183D7F6-B498-43B3-948B-1728B52AA6E4}">
                 <adec:decorative xmlns:adec="http://schemas.microsoft.com/office/drawing/2017/decorative" val="1"/>
@@ -10043,19 +12500,89 @@
           </p:nvPr>
         </p:nvSpPr>
         <p:spPr>
-          <a:xfrm rot="5400000">
-            <a:off x="857544" y="346791"/>
-            <a:ext cx="146304" cy="704088"/>
+          <a:xfrm>
+            <a:off x="0" y="0"/>
+            <a:ext cx="12192000" cy="6858000"/>
           </a:xfrm>
           <a:prstGeom prst="rect">
             <a:avLst/>
           </a:prstGeom>
-          <a:solidFill>
-            <a:schemeClr val="accent1"/>
-          </a:solidFill>
           <a:ln>
             <a:noFill/>
           </a:ln>
+        </p:spPr>
+        <p:style>
+          <a:lnRef idx="2">
+            <a:schemeClr val="accent1">
+              <a:shade val="50000"/>
+            </a:schemeClr>
+          </a:lnRef>
+          <a:fillRef idx="1">
+            <a:schemeClr val="accent1"/>
+          </a:fillRef>
+          <a:effectRef idx="0">
+            <a:schemeClr val="accent1"/>
+          </a:effectRef>
+          <a:fontRef idx="minor">
+            <a:schemeClr val="lt1"/>
+          </a:fontRef>
+        </p:style>
+        <p:txBody>
+          <a:bodyPr rtlCol="0" anchor="ctr"/>
+          <a:lstStyle/>
+          <a:p>
+            <a:pPr algn="ctr"/>
+            <a:endParaRPr lang="en-US"/>
+          </a:p>
+        </p:txBody>
+      </p:sp>
+      <p:sp useBgFill="1">
+        <p:nvSpPr>
+          <p:cNvPr id="29" name="Rectangle 28">
+            <a:extLst>
+              <a:ext uri="{FF2B5EF4-FFF2-40B4-BE49-F238E27FC236}">
+                <a16:creationId xmlns:a16="http://schemas.microsoft.com/office/drawing/2014/main" id="{7FD0D34F-65E4-4896-8016-F401017B67FD}"/>
+              </a:ext>
+              <a:ext uri="{C183D7F6-B498-43B3-948B-1728B52AA6E4}">
+                <adec:decorative xmlns:adec="http://schemas.microsoft.com/office/drawing/2017/decorative" val="1"/>
+              </a:ext>
+            </a:extLst>
+          </p:cNvPr>
+          <p:cNvSpPr>
+            <a:spLocks noGrp="1" noRot="1" noChangeAspect="1" noMove="1" noResize="1" noEditPoints="1" noAdjustHandles="1" noChangeArrowheads="1" noChangeShapeType="1" noTextEdit="1"/>
+          </p:cNvSpPr>
+          <p:nvPr>
+            <p:extLst>
+              <p:ext uri="{386F3935-93C4-4BCD-93E2-E3B085C9AB24}">
+                <p16:designElem xmlns:p16="http://schemas.microsoft.com/office/powerpoint/2015/main" val="1"/>
+              </p:ext>
+            </p:extLst>
+          </p:nvPr>
+        </p:nvSpPr>
+        <p:spPr>
+          <a:xfrm>
+            <a:off x="558209" y="0"/>
+            <a:ext cx="11167447" cy="2018806"/>
+          </a:xfrm>
+          <a:prstGeom prst="rect">
+            <a:avLst/>
+          </a:prstGeom>
+          <a:ln w="12700">
+            <a:solidFill>
+              <a:schemeClr val="tx2">
+                <a:lumMod val="10000"/>
+                <a:lumOff val="90000"/>
+              </a:schemeClr>
+            </a:solidFill>
+          </a:ln>
+          <a:effectLst>
+            <a:outerShdw blurRad="50800" dist="38100" dir="2700000" algn="tl" rotWithShape="0">
+              <a:schemeClr val="bg1">
+                <a:lumMod val="85000"/>
+                <a:alpha val="30000"/>
+              </a:schemeClr>
+            </a:outerShdw>
+          </a:effectLst>
         </p:spPr>
         <p:style>
           <a:lnRef idx="2">
@@ -10111,12 +12638,12 @@
           </a:p>
         </p:txBody>
       </p:sp>
-      <p:sp>
-        <p:nvSpPr>
-          <p:cNvPr id="64" name="Rectangle 63">
-            <a:extLst>
-              <a:ext uri="{FF2B5EF4-FFF2-40B4-BE49-F238E27FC236}">
-                <a16:creationId xmlns:a16="http://schemas.microsoft.com/office/drawing/2014/main" id="{79F3C543-62EC-4433-9C93-A2CD8764E9B4}"/>
+      <p:sp useBgFill="1">
+        <p:nvSpPr>
+          <p:cNvPr id="31" name="Rectangle 30">
+            <a:extLst>
+              <a:ext uri="{FF2B5EF4-FFF2-40B4-BE49-F238E27FC236}">
+                <a16:creationId xmlns:a16="http://schemas.microsoft.com/office/drawing/2014/main" id="{27A25769-8A6A-4983-92E9-E41BEB530971}"/>
               </a:ext>
               <a:ext uri="{C183D7F6-B498-43B3-948B-1728B52AA6E4}">
                 <adec:decorative xmlns:adec="http://schemas.microsoft.com/office/drawing/2017/decorative" val="1"/>
@@ -10135,20 +12662,14 @@
           </p:nvPr>
         </p:nvSpPr>
         <p:spPr>
-          <a:xfrm flipV="1">
-            <a:off x="578652" y="4501201"/>
-            <a:ext cx="11034696" cy="18288"/>
+          <a:xfrm>
+            <a:off x="566928" y="0"/>
+            <a:ext cx="11155680" cy="2011680"/>
           </a:xfrm>
           <a:prstGeom prst="rect">
             <a:avLst/>
           </a:prstGeom>
-          <a:solidFill>
-            <a:schemeClr val="tx2">
-              <a:lumMod val="25000"/>
-              <a:lumOff val="75000"/>
-            </a:schemeClr>
-          </a:solidFill>
-          <a:ln w="3175">
+          <a:ln w="12700">
             <a:noFill/>
           </a:ln>
           <a:effectLst/>
@@ -10207,12 +12728,47 @@
           </a:p>
         </p:txBody>
       </p:sp>
-      <p:sp useBgFill="1">
-        <p:nvSpPr>
-          <p:cNvPr id="66" name="Rectangle 65">
-            <a:extLst>
-              <a:ext uri="{FF2B5EF4-FFF2-40B4-BE49-F238E27FC236}">
-                <a16:creationId xmlns:a16="http://schemas.microsoft.com/office/drawing/2014/main" id="{D7D12574-25F0-4BB1-AA48-9DE7527AF5F4}"/>
+      <p:sp>
+        <p:nvSpPr>
+          <p:cNvPr id="2" name="Title 1">
+            <a:extLst>
+              <a:ext uri="{FF2B5EF4-FFF2-40B4-BE49-F238E27FC236}">
+                <a16:creationId xmlns:a16="http://schemas.microsoft.com/office/drawing/2014/main" id="{66210003-3781-0C47-990A-6F6149910DBA}"/>
+              </a:ext>
+            </a:extLst>
+          </p:cNvPr>
+          <p:cNvSpPr>
+            <a:spLocks noGrp="1"/>
+          </p:cNvSpPr>
+          <p:nvPr>
+            <p:ph type="title"/>
+          </p:nvPr>
+        </p:nvSpPr>
+        <p:spPr>
+          <a:xfrm>
+            <a:off x="1115568" y="548640"/>
+            <a:ext cx="10168128" cy="1179576"/>
+          </a:xfrm>
+        </p:spPr>
+        <p:txBody>
+          <a:bodyPr>
+            <a:normAutofit/>
+          </a:bodyPr>
+          <a:lstStyle/>
+          <a:p>
+            <a:r>
+              <a:rPr lang="en-US" dirty="0"/>
+              <a:t>Activity 3.1 : Patient Login</a:t>
+            </a:r>
+          </a:p>
+        </p:txBody>
+      </p:sp>
+      <p:sp>
+        <p:nvSpPr>
+          <p:cNvPr id="33" name="Rectangle 32">
+            <a:extLst>
+              <a:ext uri="{FF2B5EF4-FFF2-40B4-BE49-F238E27FC236}">
+                <a16:creationId xmlns:a16="http://schemas.microsoft.com/office/drawing/2014/main" id="{D6669D83-0E36-4F8C-B68A-D549AC194A99}"/>
               </a:ext>
               <a:ext uri="{C183D7F6-B498-43B3-948B-1728B52AA6E4}">
                 <adec:decorative xmlns:adec="http://schemas.microsoft.com/office/drawing/2017/decorative" val="1"/>
@@ -10232,88 +12788,18 @@
         </p:nvSpPr>
         <p:spPr>
           <a:xfrm>
-            <a:off x="0" y="0"/>
-            <a:ext cx="12192000" cy="6858000"/>
+            <a:off x="498834" y="767116"/>
+            <a:ext cx="128016" cy="704088"/>
           </a:xfrm>
           <a:prstGeom prst="rect">
             <a:avLst/>
           </a:prstGeom>
+          <a:solidFill>
+            <a:schemeClr val="accent1"/>
+          </a:solidFill>
           <a:ln>
             <a:noFill/>
           </a:ln>
-        </p:spPr>
-        <p:style>
-          <a:lnRef idx="2">
-            <a:schemeClr val="accent1">
-              <a:shade val="50000"/>
-            </a:schemeClr>
-          </a:lnRef>
-          <a:fillRef idx="1">
-            <a:schemeClr val="accent1"/>
-          </a:fillRef>
-          <a:effectRef idx="0">
-            <a:schemeClr val="accent1"/>
-          </a:effectRef>
-          <a:fontRef idx="minor">
-            <a:schemeClr val="lt1"/>
-          </a:fontRef>
-        </p:style>
-        <p:txBody>
-          <a:bodyPr rtlCol="0" anchor="ctr"/>
-          <a:lstStyle/>
-          <a:p>
-            <a:pPr algn="ctr"/>
-            <a:endParaRPr lang="en-US"/>
-          </a:p>
-        </p:txBody>
-      </p:sp>
-      <p:sp useBgFill="1">
-        <p:nvSpPr>
-          <p:cNvPr id="68" name="Rectangle 67">
-            <a:extLst>
-              <a:ext uri="{FF2B5EF4-FFF2-40B4-BE49-F238E27FC236}">
-                <a16:creationId xmlns:a16="http://schemas.microsoft.com/office/drawing/2014/main" id="{A3473CF9-37EB-43E7-89EF-D2D1C53D1DAC}"/>
-              </a:ext>
-              <a:ext uri="{C183D7F6-B498-43B3-948B-1728B52AA6E4}">
-                <adec:decorative xmlns:adec="http://schemas.microsoft.com/office/drawing/2017/decorative" val="1"/>
-              </a:ext>
-            </a:extLst>
-          </p:cNvPr>
-          <p:cNvSpPr>
-            <a:spLocks noGrp="1" noRot="1" noChangeAspect="1" noMove="1" noResize="1" noEditPoints="1" noAdjustHandles="1" noChangeArrowheads="1" noChangeShapeType="1" noTextEdit="1"/>
-          </p:cNvSpPr>
-          <p:nvPr>
-            <p:extLst>
-              <p:ext uri="{386F3935-93C4-4BCD-93E2-E3B085C9AB24}">
-                <p16:designElem xmlns:p16="http://schemas.microsoft.com/office/powerpoint/2015/main" val="1"/>
-              </p:ext>
-            </p:extLst>
-          </p:nvPr>
-        </p:nvSpPr>
-        <p:spPr>
-          <a:xfrm>
-            <a:off x="1903615" y="221673"/>
-            <a:ext cx="8384770" cy="1332634"/>
-          </a:xfrm>
-          <a:prstGeom prst="rect">
-            <a:avLst/>
-          </a:prstGeom>
-          <a:ln w="12700">
-            <a:solidFill>
-              <a:schemeClr val="tx2">
-                <a:lumMod val="10000"/>
-                <a:lumOff val="90000"/>
-              </a:schemeClr>
-            </a:solidFill>
-          </a:ln>
-          <a:effectLst>
-            <a:outerShdw blurRad="50800" dist="38100" dir="2700000" algn="tl" rotWithShape="0">
-              <a:schemeClr val="bg2">
-                <a:lumMod val="85000"/>
-                <a:alpha val="30000"/>
-              </a:schemeClr>
-            </a:outerShdw>
-          </a:effectLst>
         </p:spPr>
         <p:style>
           <a:lnRef idx="2">
@@ -10371,140 +12857,10 @@
       </p:sp>
       <p:sp>
         <p:nvSpPr>
-          <p:cNvPr id="2" name="Title 1">
-            <a:extLst>
-              <a:ext uri="{FF2B5EF4-FFF2-40B4-BE49-F238E27FC236}">
-                <a16:creationId xmlns:a16="http://schemas.microsoft.com/office/drawing/2014/main" id="{66210003-3781-0C47-990A-6F6149910DBA}"/>
-              </a:ext>
-            </a:extLst>
-          </p:cNvPr>
-          <p:cNvSpPr>
-            <a:spLocks noGrp="1"/>
-          </p:cNvSpPr>
-          <p:nvPr>
-            <p:ph type="title"/>
-          </p:nvPr>
-        </p:nvSpPr>
-        <p:spPr>
-          <a:xfrm>
-            <a:off x="2103121" y="310343"/>
-            <a:ext cx="7985759" cy="868823"/>
-          </a:xfrm>
-        </p:spPr>
-        <p:txBody>
-          <a:bodyPr vert="horz" lIns="91440" tIns="45720" rIns="91440" bIns="45720" rtlCol="0" anchor="ctr">
-            <a:normAutofit/>
-          </a:bodyPr>
-          <a:lstStyle/>
-          <a:p>
-            <a:pPr algn="ctr"/>
-            <a:r>
-              <a:rPr lang="en-US" sz="2800" dirty="0"/>
-              <a:t>Activity 3.2 : Patient booking appointment</a:t>
-            </a:r>
-          </a:p>
-        </p:txBody>
-      </p:sp>
-      <p:sp>
-        <p:nvSpPr>
-          <p:cNvPr id="70" name="Rectangle: Rounded Corners 69">
-            <a:extLst>
-              <a:ext uri="{FF2B5EF4-FFF2-40B4-BE49-F238E27FC236}">
-                <a16:creationId xmlns:a16="http://schemas.microsoft.com/office/drawing/2014/main" id="{586B4EF9-43BA-4655-A6FF-1D8E21574C95}"/>
-              </a:ext>
-              <a:ext uri="{C183D7F6-B498-43B3-948B-1728B52AA6E4}">
-                <adec:decorative xmlns:adec="http://schemas.microsoft.com/office/drawing/2017/decorative" val="1"/>
-              </a:ext>
-            </a:extLst>
-          </p:cNvPr>
-          <p:cNvSpPr>
-            <a:spLocks noGrp="1" noRot="1" noChangeAspect="1" noMove="1" noResize="1" noEditPoints="1" noAdjustHandles="1" noChangeArrowheads="1" noChangeShapeType="1" noTextEdit="1"/>
-          </p:cNvSpPr>
-          <p:nvPr>
-            <p:extLst>
-              <p:ext uri="{386F3935-93C4-4BCD-93E2-E3B085C9AB24}">
-                <p16:designElem xmlns:p16="http://schemas.microsoft.com/office/powerpoint/2015/main" val="1"/>
-              </p:ext>
-            </p:extLst>
-          </p:nvPr>
-        </p:nvSpPr>
-        <p:spPr>
-          <a:xfrm>
-            <a:off x="2483110" y="1211407"/>
-            <a:ext cx="7225780" cy="685800"/>
-          </a:xfrm>
-          <a:prstGeom prst="roundRect">
-            <a:avLst>
-              <a:gd name="adj" fmla="val 0"/>
-            </a:avLst>
-          </a:prstGeom>
-          <a:solidFill>
-            <a:schemeClr val="accent1"/>
-          </a:solidFill>
-          <a:ln>
-            <a:noFill/>
-          </a:ln>
-        </p:spPr>
-        <p:style>
-          <a:lnRef idx="2">
-            <a:schemeClr val="accent1">
-              <a:shade val="50000"/>
-            </a:schemeClr>
-          </a:lnRef>
-          <a:fillRef idx="1">
-            <a:schemeClr val="accent1"/>
-          </a:fillRef>
-          <a:effectRef idx="0">
-            <a:schemeClr val="accent1"/>
-          </a:effectRef>
-          <a:fontRef idx="minor">
-            <a:schemeClr val="lt1"/>
-          </a:fontRef>
-        </p:style>
-        <p:txBody>
-          <a:bodyPr rtlCol="0" anchor="ctr"/>
-          <a:lstStyle/>
-          <a:p>
-            <a:pPr marL="0" marR="0" lvl="0" indent="0" algn="ctr" defTabSz="914400" rtl="0" eaLnBrk="1" fontAlgn="auto" latinLnBrk="0" hangingPunct="1">
-              <a:lnSpc>
-                <a:spcPct val="100000"/>
-              </a:lnSpc>
-              <a:spcBef>
-                <a:spcPts val="0"/>
-              </a:spcBef>
-              <a:spcAft>
-                <a:spcPts val="0"/>
-              </a:spcAft>
-              <a:buClrTx/>
-              <a:buSzTx/>
-              <a:buFontTx/>
-              <a:buNone/>
-              <a:tabLst/>
-              <a:defRPr/>
-            </a:pPr>
-            <a:endParaRPr kumimoji="0" lang="en-US" sz="1800" b="0" i="0" u="none" strike="noStrike" kern="1200" cap="none" spc="0" normalizeH="0" baseline="0" noProof="0">
-              <a:ln>
-                <a:noFill/>
-              </a:ln>
-              <a:solidFill>
-                <a:prstClr val="white"/>
-              </a:solidFill>
-              <a:effectLst/>
-              <a:uLnTx/>
-              <a:uFillTx/>
-              <a:latin typeface="Avenir Next LT Pro"/>
-              <a:ea typeface="+mn-ea"/>
-              <a:cs typeface="+mn-cs"/>
-            </a:endParaRPr>
-          </a:p>
-        </p:txBody>
-      </p:sp>
-      <p:sp>
-        <p:nvSpPr>
-          <p:cNvPr id="18" name="Content Placeholder 17">
-            <a:extLst>
-              <a:ext uri="{FF2B5EF4-FFF2-40B4-BE49-F238E27FC236}">
-                <a16:creationId xmlns:a16="http://schemas.microsoft.com/office/drawing/2014/main" id="{4F4B7D0C-A0C3-9543-8365-2924DD289AF5}"/>
+          <p:cNvPr id="24" name="Content Placeholder 23">
+            <a:extLst>
+              <a:ext uri="{FF2B5EF4-FFF2-40B4-BE49-F238E27FC236}">
+                <a16:creationId xmlns:a16="http://schemas.microsoft.com/office/drawing/2014/main" id="{57E16772-0CE1-4B7B-91DF-F65EE836A23C}"/>
               </a:ext>
             </a:extLst>
           </p:cNvPr>
@@ -10517,39 +12873,49 @@
         </p:nvSpPr>
         <p:spPr>
           <a:xfrm>
-            <a:off x="2615738" y="1263807"/>
-            <a:ext cx="6960524" cy="598516"/>
-          </a:xfrm>
-        </p:spPr>
-        <p:txBody>
-          <a:bodyPr vert="horz" lIns="91440" tIns="45720" rIns="91440" bIns="45720" rtlCol="0" anchor="ctr">
+            <a:off x="7903597" y="2478024"/>
+            <a:ext cx="3389242" cy="3694176"/>
+          </a:xfrm>
+        </p:spPr>
+        <p:txBody>
+          <a:bodyPr anchor="ctr">
             <a:normAutofit/>
           </a:bodyPr>
           <a:lstStyle/>
           <a:p>
-            <a:pPr marL="0" indent="0" algn="ctr">
-              <a:lnSpc>
-                <a:spcPct val="100000"/>
-              </a:lnSpc>
-              <a:buNone/>
-            </a:pPr>
+            <a:endParaRPr lang="en-US" sz="1800" dirty="0"/>
+          </a:p>
+          <a:p>
+            <a:endParaRPr lang="en-US" sz="1800" dirty="0"/>
+          </a:p>
+          <a:p>
             <a:r>
-              <a:rPr lang="en-US" sz="1700">
-                <a:solidFill>
-                  <a:schemeClr val="bg1"/>
-                </a:solidFill>
-              </a:rPr>
-              <a:t>Patitent filtering the needed doctor before booking appointment</a:t>
+              <a:rPr lang="en-US" sz="1800" i="1" dirty="0"/>
+              <a:t>Image 1</a:t>
+            </a:r>
+            <a:r>
+              <a:rPr lang="en-US" sz="1800" dirty="0"/>
+              <a:t> shows the patient does not exist </a:t>
+            </a:r>
+          </a:p>
+          <a:p>
+            <a:r>
+              <a:rPr lang="en-US" sz="1800" i="1" dirty="0"/>
+              <a:t>Image 2 </a:t>
+            </a:r>
+            <a:r>
+              <a:rPr lang="en-US" sz="1800" dirty="0"/>
+              <a:t>Registration of the patient</a:t>
             </a:r>
           </a:p>
         </p:txBody>
       </p:sp>
       <p:pic>
         <p:nvPicPr>
-          <p:cNvPr id="16" name="Picture 15" descr="A picture containing background pattern&#10;&#10;Description automatically generated">
-            <a:extLst>
-              <a:ext uri="{FF2B5EF4-FFF2-40B4-BE49-F238E27FC236}">
-                <a16:creationId xmlns:a16="http://schemas.microsoft.com/office/drawing/2014/main" id="{2388C7D3-DC86-3E49-8B50-8245D28BBBAD}"/>
+          <p:cNvPr id="17" name="Picture 16" descr="Graphical user interface, application&#10;&#10;Description automatically generated">
+            <a:extLst>
+              <a:ext uri="{FF2B5EF4-FFF2-40B4-BE49-F238E27FC236}">
+                <a16:creationId xmlns:a16="http://schemas.microsoft.com/office/drawing/2014/main" id="{1EF12C8A-6B3F-124E-A356-191F76DDA909}"/>
               </a:ext>
             </a:extLst>
           </p:cNvPr>
@@ -10558,16 +12924,15 @@
           </p:cNvPicPr>
           <p:nvPr/>
         </p:nvPicPr>
-        <p:blipFill>
+        <p:blipFill rotWithShape="1">
           <a:blip r:embed="rId2"/>
-          <a:stretch>
-            <a:fillRect/>
-          </a:stretch>
+          <a:srcRect b="6234"/>
+          <a:stretch/>
         </p:blipFill>
         <p:spPr>
           <a:xfrm>
-            <a:off x="8741089" y="2139484"/>
-            <a:ext cx="1935601" cy="4096512"/>
+            <a:off x="899161" y="1471204"/>
+            <a:ext cx="3248526" cy="5158196"/>
           </a:xfrm>
           <a:prstGeom prst="rect">
             <a:avLst/>
@@ -10576,10 +12941,10 @@
       </p:pic>
       <p:pic>
         <p:nvPicPr>
-          <p:cNvPr id="14" name="Picture 13" descr="A picture containing table&#10;&#10;Description automatically generated">
-            <a:extLst>
-              <a:ext uri="{FF2B5EF4-FFF2-40B4-BE49-F238E27FC236}">
-                <a16:creationId xmlns:a16="http://schemas.microsoft.com/office/drawing/2014/main" id="{3B0C6843-B57E-0A47-8658-B0CD8039145C}"/>
+          <p:cNvPr id="21" name="Picture 20" descr="Graphical user interface, application&#10;&#10;Description automatically generated">
+            <a:extLst>
+              <a:ext uri="{FF2B5EF4-FFF2-40B4-BE49-F238E27FC236}">
+                <a16:creationId xmlns:a16="http://schemas.microsoft.com/office/drawing/2014/main" id="{10C893C7-6D79-0244-8545-EF78E69B9E0D}"/>
               </a:ext>
             </a:extLst>
           </p:cNvPr>
@@ -10588,46 +12953,15 @@
           </p:cNvPicPr>
           <p:nvPr/>
         </p:nvPicPr>
-        <p:blipFill>
+        <p:blipFill rotWithShape="1">
           <a:blip r:embed="rId3"/>
-          <a:stretch>
-            <a:fillRect/>
-          </a:stretch>
+          <a:srcRect b="6224"/>
+          <a:stretch/>
         </p:blipFill>
         <p:spPr>
           <a:xfrm>
-            <a:off x="5128199" y="2139484"/>
-            <a:ext cx="1935601" cy="4096512"/>
-          </a:xfrm>
-          <a:prstGeom prst="rect">
-            <a:avLst/>
-          </a:prstGeom>
-        </p:spPr>
-      </p:pic>
-      <p:pic>
-        <p:nvPicPr>
-          <p:cNvPr id="4" name="Picture 3" descr="A picture containing graphical user interface&#10;&#10;Description automatically generated">
-            <a:extLst>
-              <a:ext uri="{FF2B5EF4-FFF2-40B4-BE49-F238E27FC236}">
-                <a16:creationId xmlns:a16="http://schemas.microsoft.com/office/drawing/2014/main" id="{3FDB583F-EE81-2D41-B256-180092443CCE}"/>
-              </a:ext>
-            </a:extLst>
-          </p:cNvPr>
-          <p:cNvPicPr>
-            <a:picLocks noChangeAspect="1"/>
-          </p:cNvPicPr>
-          <p:nvPr/>
-        </p:nvPicPr>
-        <p:blipFill>
-          <a:blip r:embed="rId4"/>
-          <a:stretch>
-            <a:fillRect/>
-          </a:stretch>
-        </p:blipFill>
-        <p:spPr>
-          <a:xfrm>
-            <a:off x="2137769" y="2139484"/>
-            <a:ext cx="1935601" cy="4096512"/>
+            <a:off x="4471737" y="1471204"/>
+            <a:ext cx="3248526" cy="5051516"/>
           </a:xfrm>
           <a:prstGeom prst="rect">
             <a:avLst/>
@@ -10637,7 +12971,7 @@
     </p:spTree>
     <p:extLst>
       <p:ext uri="{BB962C8B-B14F-4D97-AF65-F5344CB8AC3E}">
-        <p14:creationId xmlns:p14="http://schemas.microsoft.com/office/powerpoint/2010/main" val="764050447"/>
+        <p14:creationId xmlns:p14="http://schemas.microsoft.com/office/powerpoint/2010/main" val="2134888756"/>
       </p:ext>
     </p:extLst>
   </p:cSld>
@@ -10674,7 +13008,7 @@
       </p:grpSpPr>
       <p:sp>
         <p:nvSpPr>
-          <p:cNvPr id="82" name="Rectangle 74">
+          <p:cNvPr id="62" name="Rectangle 61">
             <a:extLst>
               <a:ext uri="{FF2B5EF4-FFF2-40B4-BE49-F238E27FC236}">
                 <a16:creationId xmlns:a16="http://schemas.microsoft.com/office/drawing/2014/main" id="{8D06CE56-3881-4ADA-8CEF-D18B02C242A3}"/>
@@ -10766,7 +13100,7 @@
       </p:sp>
       <p:sp>
         <p:nvSpPr>
-          <p:cNvPr id="84" name="Rectangle 76">
+          <p:cNvPr id="64" name="Rectangle 63">
             <a:extLst>
               <a:ext uri="{FF2B5EF4-FFF2-40B4-BE49-F238E27FC236}">
                 <a16:creationId xmlns:a16="http://schemas.microsoft.com/office/drawing/2014/main" id="{79F3C543-62EC-4433-9C93-A2CD8764E9B4}"/>
@@ -10862,10 +13196,10 @@
       </p:sp>
       <p:sp useBgFill="1">
         <p:nvSpPr>
-          <p:cNvPr id="86" name="Rectangle 78">
-            <a:extLst>
-              <a:ext uri="{FF2B5EF4-FFF2-40B4-BE49-F238E27FC236}">
-                <a16:creationId xmlns:a16="http://schemas.microsoft.com/office/drawing/2014/main" id="{5DCB5928-DC7D-4612-9922-441966E15627}"/>
+          <p:cNvPr id="66" name="Rectangle 65">
+            <a:extLst>
+              <a:ext uri="{FF2B5EF4-FFF2-40B4-BE49-F238E27FC236}">
+                <a16:creationId xmlns:a16="http://schemas.microsoft.com/office/drawing/2014/main" id="{D7D12574-25F0-4BB1-AA48-9DE7527AF5F4}"/>
               </a:ext>
               <a:ext uri="{C183D7F6-B498-43B3-948B-1728B52AA6E4}">
                 <adec:decorative xmlns:adec="http://schemas.microsoft.com/office/drawing/2017/decorative" val="1"/>
@@ -10922,10 +13256,10 @@
       </p:sp>
       <p:sp useBgFill="1">
         <p:nvSpPr>
-          <p:cNvPr id="81" name="Freeform: Shape 80">
-            <a:extLst>
-              <a:ext uri="{FF2B5EF4-FFF2-40B4-BE49-F238E27FC236}">
-                <a16:creationId xmlns:a16="http://schemas.microsoft.com/office/drawing/2014/main" id="{682C1161-1736-45EC-99B7-33F3CAE9D517}"/>
+          <p:cNvPr id="68" name="Rectangle 67">
+            <a:extLst>
+              <a:ext uri="{FF2B5EF4-FFF2-40B4-BE49-F238E27FC236}">
+                <a16:creationId xmlns:a16="http://schemas.microsoft.com/office/drawing/2014/main" id="{A3473CF9-37EB-43E7-89EF-D2D1C53D1DAC}"/>
               </a:ext>
               <a:ext uri="{C183D7F6-B498-43B3-948B-1728B52AA6E4}">
                 <adec:decorative xmlns:adec="http://schemas.microsoft.com/office/drawing/2017/decorative" val="1"/>
@@ -10945,84 +13279,13 @@
         </p:nvSpPr>
         <p:spPr>
           <a:xfrm>
-            <a:off x="0" y="0"/>
-            <a:ext cx="4959047" cy="6858000"/>
-          </a:xfrm>
-          <a:custGeom>
+            <a:off x="1903615" y="221673"/>
+            <a:ext cx="8384770" cy="1332634"/>
+          </a:xfrm>
+          <a:prstGeom prst="rect">
             <a:avLst/>
-            <a:gdLst>
-              <a:gd name="connsiteX0" fmla="*/ 0 w 4959047"/>
-              <a:gd name="connsiteY0" fmla="*/ 0 h 6858000"/>
-              <a:gd name="connsiteX1" fmla="*/ 4110127 w 4959047"/>
-              <a:gd name="connsiteY1" fmla="*/ 0 h 6858000"/>
-              <a:gd name="connsiteX2" fmla="*/ 4179024 w 4959047"/>
-              <a:gd name="connsiteY2" fmla="*/ 123368 h 6858000"/>
-              <a:gd name="connsiteX3" fmla="*/ 4959047 w 4959047"/>
-              <a:gd name="connsiteY3" fmla="*/ 3429000 h 6858000"/>
-              <a:gd name="connsiteX4" fmla="*/ 4179024 w 4959047"/>
-              <a:gd name="connsiteY4" fmla="*/ 6734633 h 6858000"/>
-              <a:gd name="connsiteX5" fmla="*/ 4110127 w 4959047"/>
-              <a:gd name="connsiteY5" fmla="*/ 6858000 h 6858000"/>
-              <a:gd name="connsiteX6" fmla="*/ 0 w 4959047"/>
-              <a:gd name="connsiteY6" fmla="*/ 6858000 h 6858000"/>
-            </a:gdLst>
-            <a:ahLst/>
-            <a:cxnLst>
-              <a:cxn ang="0">
-                <a:pos x="connsiteX0" y="connsiteY0"/>
-              </a:cxn>
-              <a:cxn ang="0">
-                <a:pos x="connsiteX1" y="connsiteY1"/>
-              </a:cxn>
-              <a:cxn ang="0">
-                <a:pos x="connsiteX2" y="connsiteY2"/>
-              </a:cxn>
-              <a:cxn ang="0">
-                <a:pos x="connsiteX3" y="connsiteY3"/>
-              </a:cxn>
-              <a:cxn ang="0">
-                <a:pos x="connsiteX4" y="connsiteY4"/>
-              </a:cxn>
-              <a:cxn ang="0">
-                <a:pos x="connsiteX5" y="connsiteY5"/>
-              </a:cxn>
-              <a:cxn ang="0">
-                <a:pos x="connsiteX6" y="connsiteY6"/>
-              </a:cxn>
-            </a:cxnLst>
-            <a:rect l="l" t="t" r="r" b="b"/>
-            <a:pathLst>
-              <a:path w="4959047" h="6858000">
-                <a:moveTo>
-                  <a:pt x="0" y="0"/>
-                </a:moveTo>
-                <a:lnTo>
-                  <a:pt x="4110127" y="0"/>
-                </a:lnTo>
-                <a:lnTo>
-                  <a:pt x="4179024" y="123368"/>
-                </a:lnTo>
-                <a:cubicBezTo>
-                  <a:pt x="4668929" y="1045156"/>
-                  <a:pt x="4959047" y="2189404"/>
-                  <a:pt x="4959047" y="3429000"/>
-                </a:cubicBezTo>
-                <a:cubicBezTo>
-                  <a:pt x="4959047" y="4668597"/>
-                  <a:pt x="4668929" y="5812845"/>
-                  <a:pt x="4179024" y="6734633"/>
-                </a:cubicBezTo>
-                <a:lnTo>
-                  <a:pt x="4110127" y="6858000"/>
-                </a:lnTo>
-                <a:lnTo>
-                  <a:pt x="0" y="6858000"/>
-                </a:lnTo>
-                <a:close/>
-              </a:path>
-            </a:pathLst>
-          </a:custGeom>
-          <a:ln w="9525">
+          </a:prstGeom>
+          <a:ln w="12700">
             <a:solidFill>
               <a:schemeClr val="tx2">
                 <a:lumMod val="10000"/>
@@ -11031,8 +13294,8 @@
             </a:solidFill>
           </a:ln>
           <a:effectLst>
-            <a:outerShdw blurRad="50800" dist="38100" algn="l" rotWithShape="0">
-              <a:schemeClr val="bg1">
+            <a:outerShdw blurRad="50800" dist="38100" dir="2700000" algn="tl" rotWithShape="0">
+              <a:schemeClr val="bg2">
                 <a:lumMod val="85000"/>
                 <a:alpha val="30000"/>
               </a:schemeClr>
@@ -11056,9 +13319,7 @@
           </a:fontRef>
         </p:style>
         <p:txBody>
-          <a:bodyPr wrap="square" rtlCol="0" anchor="ctr">
-            <a:noAutofit/>
-          </a:bodyPr>
+          <a:bodyPr rtlCol="0" anchor="ctr"/>
           <a:lstStyle/>
           <a:p>
             <a:pPr marL="0" marR="0" lvl="0" indent="0" algn="ctr" defTabSz="914400" rtl="0" eaLnBrk="1" fontAlgn="auto" latinLnBrk="0" hangingPunct="1">
@@ -11095,12 +13356,48 @@
           </a:p>
         </p:txBody>
       </p:sp>
-      <p:sp useBgFill="1">
-        <p:nvSpPr>
-          <p:cNvPr id="83" name="Freeform: Shape 82">
-            <a:extLst>
-              <a:ext uri="{FF2B5EF4-FFF2-40B4-BE49-F238E27FC236}">
-                <a16:creationId xmlns:a16="http://schemas.microsoft.com/office/drawing/2014/main" id="{84D4DDB8-B68F-45B0-9F62-C4279996F672}"/>
+      <p:sp>
+        <p:nvSpPr>
+          <p:cNvPr id="2" name="Title 1">
+            <a:extLst>
+              <a:ext uri="{FF2B5EF4-FFF2-40B4-BE49-F238E27FC236}">
+                <a16:creationId xmlns:a16="http://schemas.microsoft.com/office/drawing/2014/main" id="{66210003-3781-0C47-990A-6F6149910DBA}"/>
+              </a:ext>
+            </a:extLst>
+          </p:cNvPr>
+          <p:cNvSpPr>
+            <a:spLocks noGrp="1"/>
+          </p:cNvSpPr>
+          <p:nvPr>
+            <p:ph type="title"/>
+          </p:nvPr>
+        </p:nvSpPr>
+        <p:spPr>
+          <a:xfrm>
+            <a:off x="2103121" y="310343"/>
+            <a:ext cx="7985759" cy="868823"/>
+          </a:xfrm>
+        </p:spPr>
+        <p:txBody>
+          <a:bodyPr vert="horz" lIns="91440" tIns="45720" rIns="91440" bIns="45720" rtlCol="0" anchor="ctr">
+            <a:normAutofit/>
+          </a:bodyPr>
+          <a:lstStyle/>
+          <a:p>
+            <a:pPr algn="ctr"/>
+            <a:r>
+              <a:rPr lang="en-US" sz="2800" dirty="0"/>
+              <a:t>Activity 3.2 : Patient booking appointment</a:t>
+            </a:r>
+          </a:p>
+        </p:txBody>
+      </p:sp>
+      <p:sp>
+        <p:nvSpPr>
+          <p:cNvPr id="70" name="Rectangle: Rounded Corners 69">
+            <a:extLst>
+              <a:ext uri="{FF2B5EF4-FFF2-40B4-BE49-F238E27FC236}">
+                <a16:creationId xmlns:a16="http://schemas.microsoft.com/office/drawing/2014/main" id="{586B4EF9-43BA-4655-A6FF-1D8E21574C95}"/>
               </a:ext>
               <a:ext uri="{C183D7F6-B498-43B3-948B-1728B52AA6E4}">
                 <adec:decorative xmlns:adec="http://schemas.microsoft.com/office/drawing/2017/decorative" val="1"/>
@@ -11120,87 +13417,20 @@
         </p:nvSpPr>
         <p:spPr>
           <a:xfrm>
-            <a:off x="0" y="0"/>
-            <a:ext cx="4948887" cy="6858000"/>
-          </a:xfrm>
-          <a:custGeom>
-            <a:avLst/>
-            <a:gdLst>
-              <a:gd name="connsiteX0" fmla="*/ 0 w 4948887"/>
-              <a:gd name="connsiteY0" fmla="*/ 0 h 6858000"/>
-              <a:gd name="connsiteX1" fmla="*/ 4099967 w 4948887"/>
-              <a:gd name="connsiteY1" fmla="*/ 0 h 6858000"/>
-              <a:gd name="connsiteX2" fmla="*/ 4168864 w 4948887"/>
-              <a:gd name="connsiteY2" fmla="*/ 123368 h 6858000"/>
-              <a:gd name="connsiteX3" fmla="*/ 4948887 w 4948887"/>
-              <a:gd name="connsiteY3" fmla="*/ 3429000 h 6858000"/>
-              <a:gd name="connsiteX4" fmla="*/ 4168864 w 4948887"/>
-              <a:gd name="connsiteY4" fmla="*/ 6734633 h 6858000"/>
-              <a:gd name="connsiteX5" fmla="*/ 4099967 w 4948887"/>
-              <a:gd name="connsiteY5" fmla="*/ 6858000 h 6858000"/>
-              <a:gd name="connsiteX6" fmla="*/ 0 w 4948887"/>
-              <a:gd name="connsiteY6" fmla="*/ 6858000 h 6858000"/>
-            </a:gdLst>
-            <a:ahLst/>
-            <a:cxnLst>
-              <a:cxn ang="0">
-                <a:pos x="connsiteX0" y="connsiteY0"/>
-              </a:cxn>
-              <a:cxn ang="0">
-                <a:pos x="connsiteX1" y="connsiteY1"/>
-              </a:cxn>
-              <a:cxn ang="0">
-                <a:pos x="connsiteX2" y="connsiteY2"/>
-              </a:cxn>
-              <a:cxn ang="0">
-                <a:pos x="connsiteX3" y="connsiteY3"/>
-              </a:cxn>
-              <a:cxn ang="0">
-                <a:pos x="connsiteX4" y="connsiteY4"/>
-              </a:cxn>
-              <a:cxn ang="0">
-                <a:pos x="connsiteX5" y="connsiteY5"/>
-              </a:cxn>
-              <a:cxn ang="0">
-                <a:pos x="connsiteX6" y="connsiteY6"/>
-              </a:cxn>
-            </a:cxnLst>
-            <a:rect l="l" t="t" r="r" b="b"/>
-            <a:pathLst>
-              <a:path w="4948887" h="6858000">
-                <a:moveTo>
-                  <a:pt x="0" y="0"/>
-                </a:moveTo>
-                <a:lnTo>
-                  <a:pt x="4099967" y="0"/>
-                </a:lnTo>
-                <a:lnTo>
-                  <a:pt x="4168864" y="123368"/>
-                </a:lnTo>
-                <a:cubicBezTo>
-                  <a:pt x="4658769" y="1045156"/>
-                  <a:pt x="4948887" y="2189404"/>
-                  <a:pt x="4948887" y="3429000"/>
-                </a:cubicBezTo>
-                <a:cubicBezTo>
-                  <a:pt x="4948887" y="4668597"/>
-                  <a:pt x="4658769" y="5812845"/>
-                  <a:pt x="4168864" y="6734633"/>
-                </a:cubicBezTo>
-                <a:lnTo>
-                  <a:pt x="4099967" y="6858000"/>
-                </a:lnTo>
-                <a:lnTo>
-                  <a:pt x="0" y="6858000"/>
-                </a:lnTo>
-                <a:close/>
-              </a:path>
-            </a:pathLst>
-          </a:custGeom>
-          <a:ln w="9525">
+            <a:off x="2483110" y="1211407"/>
+            <a:ext cx="7225780" cy="685800"/>
+          </a:xfrm>
+          <a:prstGeom prst="roundRect">
+            <a:avLst>
+              <a:gd name="adj" fmla="val 0"/>
+            </a:avLst>
+          </a:prstGeom>
+          <a:solidFill>
+            <a:schemeClr val="accent1"/>
+          </a:solidFill>
+          <a:ln>
             <a:noFill/>
           </a:ln>
-          <a:effectLst/>
         </p:spPr>
         <p:style>
           <a:lnRef idx="2">
@@ -11219,9 +13449,7 @@
           </a:fontRef>
         </p:style>
         <p:txBody>
-          <a:bodyPr wrap="square" rtlCol="0" anchor="ctr">
-            <a:noAutofit/>
-          </a:bodyPr>
+          <a:bodyPr rtlCol="0" anchor="ctr"/>
           <a:lstStyle/>
           <a:p>
             <a:pPr marL="0" marR="0" lvl="0" indent="0" algn="ctr" defTabSz="914400" rtl="0" eaLnBrk="1" fontAlgn="auto" latinLnBrk="0" hangingPunct="1">
@@ -11251,45 +13479,10 @@
               <a:effectLst/>
               <a:uLnTx/>
               <a:uFillTx/>
-              <a:latin typeface="Calibri" panose="020F0502020204030204"/>
+              <a:latin typeface="Avenir Next LT Pro"/>
               <a:ea typeface="+mn-ea"/>
               <a:cs typeface="+mn-cs"/>
             </a:endParaRPr>
-          </a:p>
-        </p:txBody>
-      </p:sp>
-      <p:sp>
-        <p:nvSpPr>
-          <p:cNvPr id="2" name="Title 1">
-            <a:extLst>
-              <a:ext uri="{FF2B5EF4-FFF2-40B4-BE49-F238E27FC236}">
-                <a16:creationId xmlns:a16="http://schemas.microsoft.com/office/drawing/2014/main" id="{66210003-3781-0C47-990A-6F6149910DBA}"/>
-              </a:ext>
-            </a:extLst>
-          </p:cNvPr>
-          <p:cNvSpPr>
-            <a:spLocks noGrp="1"/>
-          </p:cNvSpPr>
-          <p:nvPr>
-            <p:ph type="title"/>
-          </p:nvPr>
-        </p:nvSpPr>
-        <p:spPr>
-          <a:xfrm>
-            <a:off x="477981" y="1122363"/>
-            <a:ext cx="4023360" cy="3204134"/>
-          </a:xfrm>
-        </p:spPr>
-        <p:txBody>
-          <a:bodyPr vert="horz" lIns="91440" tIns="45720" rIns="91440" bIns="45720" rtlCol="0" anchor="b">
-            <a:normAutofit/>
-          </a:bodyPr>
-          <a:lstStyle/>
-          <a:p>
-            <a:r>
-              <a:rPr lang="en-US" sz="4800" dirty="0"/>
-              <a:t>Activity 3.3 : Selecting slot for appointment</a:t>
-            </a:r>
           </a:p>
         </p:txBody>
       </p:sp>
@@ -11311,217 +13504,35 @@
         </p:nvSpPr>
         <p:spPr>
           <a:xfrm>
-            <a:off x="477981" y="4872922"/>
-            <a:ext cx="3933306" cy="1208141"/>
-          </a:xfrm>
-        </p:spPr>
-        <p:txBody>
-          <a:bodyPr vert="horz" lIns="91440" tIns="45720" rIns="91440" bIns="45720" rtlCol="0">
+            <a:off x="2615738" y="1263807"/>
+            <a:ext cx="6960524" cy="598516"/>
+          </a:xfrm>
+        </p:spPr>
+        <p:txBody>
+          <a:bodyPr vert="horz" lIns="91440" tIns="45720" rIns="91440" bIns="45720" rtlCol="0" anchor="ctr">
             <a:normAutofit/>
           </a:bodyPr>
           <a:lstStyle/>
           <a:p>
-            <a:pPr marL="0" indent="0">
-              <a:buNone/>
-            </a:pPr>
-            <a:endParaRPr lang="en-US" sz="2000" dirty="0"/>
-          </a:p>
-        </p:txBody>
-      </p:sp>
-      <p:sp>
-        <p:nvSpPr>
-          <p:cNvPr id="85" name="Rectangle 84">
-            <a:extLst>
-              <a:ext uri="{FF2B5EF4-FFF2-40B4-BE49-F238E27FC236}">
-                <a16:creationId xmlns:a16="http://schemas.microsoft.com/office/drawing/2014/main" id="{AF2F604E-43BE-4DC3-B983-E071523364F8}"/>
-              </a:ext>
-              <a:ext uri="{C183D7F6-B498-43B3-948B-1728B52AA6E4}">
-                <adec:decorative xmlns:adec="http://schemas.microsoft.com/office/drawing/2017/decorative" val="1"/>
-              </a:ext>
-            </a:extLst>
-          </p:cNvPr>
-          <p:cNvSpPr>
-            <a:spLocks noGrp="1" noRot="1" noChangeAspect="1" noMove="1" noResize="1" noEditPoints="1" noAdjustHandles="1" noChangeArrowheads="1" noChangeShapeType="1" noTextEdit="1"/>
-          </p:cNvSpPr>
-          <p:nvPr>
-            <p:extLst>
-              <p:ext uri="{386F3935-93C4-4BCD-93E2-E3B085C9AB24}">
-                <p16:designElem xmlns:p16="http://schemas.microsoft.com/office/powerpoint/2015/main" val="1"/>
-              </p:ext>
-            </p:extLst>
-          </p:nvPr>
-        </p:nvSpPr>
-        <p:spPr>
-          <a:xfrm rot="5400000">
-            <a:off x="759921" y="346791"/>
-            <a:ext cx="146304" cy="704088"/>
-          </a:xfrm>
-          <a:prstGeom prst="rect">
-            <a:avLst/>
-          </a:prstGeom>
-          <a:solidFill>
-            <a:schemeClr val="accent1"/>
-          </a:solidFill>
-          <a:ln>
-            <a:noFill/>
-          </a:ln>
-        </p:spPr>
-        <p:style>
-          <a:lnRef idx="2">
-            <a:schemeClr val="accent1">
-              <a:shade val="50000"/>
-            </a:schemeClr>
-          </a:lnRef>
-          <a:fillRef idx="1">
-            <a:schemeClr val="accent1"/>
-          </a:fillRef>
-          <a:effectRef idx="0">
-            <a:schemeClr val="accent1"/>
-          </a:effectRef>
-          <a:fontRef idx="minor">
-            <a:schemeClr val="lt1"/>
-          </a:fontRef>
-        </p:style>
-        <p:txBody>
-          <a:bodyPr rtlCol="0" anchor="ctr"/>
-          <a:lstStyle/>
-          <a:p>
-            <a:pPr marL="0" marR="0" lvl="0" indent="0" algn="ctr" defTabSz="914400" rtl="0" eaLnBrk="1" fontAlgn="auto" latinLnBrk="0" hangingPunct="1">
+            <a:pPr marL="0" indent="0" algn="ctr">
               <a:lnSpc>
                 <a:spcPct val="100000"/>
               </a:lnSpc>
-              <a:spcBef>
-                <a:spcPts val="0"/>
-              </a:spcBef>
-              <a:spcAft>
-                <a:spcPts val="0"/>
-              </a:spcAft>
-              <a:buClrTx/>
-              <a:buSzTx/>
-              <a:buFontTx/>
               <a:buNone/>
-              <a:tabLst/>
-              <a:defRPr/>
             </a:pPr>
-            <a:endParaRPr kumimoji="0" lang="en-US" sz="1800" b="0" i="0" u="none" strike="noStrike" kern="1200" cap="none" spc="0" normalizeH="0" baseline="0" noProof="0">
-              <a:ln>
-                <a:noFill/>
-              </a:ln>
-              <a:solidFill>
-                <a:prstClr val="white"/>
-              </a:solidFill>
-              <a:effectLst/>
-              <a:uLnTx/>
-              <a:uFillTx/>
-              <a:latin typeface="Calibri" panose="020F0502020204030204"/>
-              <a:ea typeface="+mn-ea"/>
-              <a:cs typeface="+mn-cs"/>
-            </a:endParaRPr>
-          </a:p>
-        </p:txBody>
-      </p:sp>
-      <p:sp>
-        <p:nvSpPr>
-          <p:cNvPr id="87" name="Rectangle 86">
-            <a:extLst>
-              <a:ext uri="{FF2B5EF4-FFF2-40B4-BE49-F238E27FC236}">
-                <a16:creationId xmlns:a16="http://schemas.microsoft.com/office/drawing/2014/main" id="{08C9B587-E65E-4B52-B37C-ABEBB6E87928}"/>
-              </a:ext>
-              <a:ext uri="{C183D7F6-B498-43B3-948B-1728B52AA6E4}">
-                <adec:decorative xmlns:adec="http://schemas.microsoft.com/office/drawing/2017/decorative" val="1"/>
-              </a:ext>
-            </a:extLst>
-          </p:cNvPr>
-          <p:cNvSpPr>
-            <a:spLocks noGrp="1" noRot="1" noChangeAspect="1" noMove="1" noResize="1" noEditPoints="1" noAdjustHandles="1" noChangeArrowheads="1" noChangeShapeType="1" noTextEdit="1"/>
-          </p:cNvSpPr>
-          <p:nvPr>
-            <p:extLst>
-              <p:ext uri="{386F3935-93C4-4BCD-93E2-E3B085C9AB24}">
-                <p16:designElem xmlns:p16="http://schemas.microsoft.com/office/powerpoint/2015/main" val="1"/>
-              </p:ext>
-            </p:extLst>
-          </p:nvPr>
-        </p:nvSpPr>
-        <p:spPr>
-          <a:xfrm>
-            <a:off x="481029" y="4546920"/>
-            <a:ext cx="4023360" cy="18288"/>
-          </a:xfrm>
-          <a:prstGeom prst="rect">
-            <a:avLst/>
-          </a:prstGeom>
-          <a:solidFill>
-            <a:schemeClr val="tx2">
-              <a:lumMod val="25000"/>
-              <a:lumOff val="75000"/>
-            </a:schemeClr>
-          </a:solidFill>
-          <a:ln w="3175">
-            <a:noFill/>
-          </a:ln>
-          <a:effectLst/>
-        </p:spPr>
-        <p:style>
-          <a:lnRef idx="2">
-            <a:schemeClr val="accent1">
-              <a:shade val="50000"/>
-            </a:schemeClr>
-          </a:lnRef>
-          <a:fillRef idx="1">
-            <a:schemeClr val="accent1"/>
-          </a:fillRef>
-          <a:effectRef idx="0">
-            <a:schemeClr val="accent1"/>
-          </a:effectRef>
-          <a:fontRef idx="minor">
-            <a:schemeClr val="lt1"/>
-          </a:fontRef>
-        </p:style>
-        <p:txBody>
-          <a:bodyPr rtlCol="0" anchor="ctr"/>
-          <a:lstStyle/>
-          <a:p>
-            <a:pPr marL="0" marR="0" lvl="0" indent="0" algn="ctr" defTabSz="914400" rtl="0" eaLnBrk="1" fontAlgn="auto" latinLnBrk="0" hangingPunct="1">
-              <a:lnSpc>
-                <a:spcPct val="100000"/>
-              </a:lnSpc>
-              <a:spcBef>
-                <a:spcPts val="0"/>
-              </a:spcBef>
-              <a:spcAft>
-                <a:spcPts val="0"/>
-              </a:spcAft>
-              <a:buClrTx/>
-              <a:buSzTx/>
-              <a:buFontTx/>
-              <a:buNone/>
-              <a:tabLst/>
-              <a:defRPr/>
-            </a:pPr>
-            <a:endParaRPr kumimoji="0" lang="en-US" sz="1800" b="0" i="0" u="none" strike="noStrike" kern="1200" cap="none" spc="0" normalizeH="0" baseline="0" noProof="0">
-              <a:ln>
-                <a:noFill/>
-              </a:ln>
-              <a:solidFill>
-                <a:prstClr val="white"/>
-              </a:solidFill>
-              <a:effectLst/>
-              <a:uLnTx/>
-              <a:uFillTx/>
-              <a:latin typeface="Calibri" panose="020F0502020204030204"/>
-              <a:ea typeface="+mn-ea"/>
-              <a:cs typeface="+mn-cs"/>
-            </a:endParaRPr>
+            <a:r>
+              <a:rPr lang="en-US" sz="1700" dirty="0"/>
+              <a:t>Patient filtering the needed doctor before booking appointment</a:t>
+            </a:r>
           </a:p>
         </p:txBody>
       </p:sp>
       <p:pic>
         <p:nvPicPr>
-          <p:cNvPr id="5" name="Picture 4" descr="Graphical user interface, website&#10;&#10;Description automatically generated with medium confidence">
-            <a:extLst>
-              <a:ext uri="{FF2B5EF4-FFF2-40B4-BE49-F238E27FC236}">
-                <a16:creationId xmlns:a16="http://schemas.microsoft.com/office/drawing/2014/main" id="{DA62EC5D-4AA2-854E-9FCA-3BEEA2E118C2}"/>
+          <p:cNvPr id="5" name="Picture 4" descr="Graphical user interface&#10;&#10;Description automatically generated with medium confidence">
+            <a:extLst>
+              <a:ext uri="{FF2B5EF4-FFF2-40B4-BE49-F238E27FC236}">
+                <a16:creationId xmlns:a16="http://schemas.microsoft.com/office/drawing/2014/main" id="{4DBD3FE9-7679-AA41-B882-21BCC85A1B32}"/>
               </a:ext>
             </a:extLst>
           </p:cNvPr>
@@ -11538,8 +13549,68 @@
         </p:blipFill>
         <p:spPr>
           <a:xfrm>
-            <a:off x="7329940" y="625684"/>
-            <a:ext cx="2577667" cy="5455380"/>
+            <a:off x="1865100" y="1949607"/>
+            <a:ext cx="2627651" cy="4376722"/>
+          </a:xfrm>
+          <a:prstGeom prst="rect">
+            <a:avLst/>
+          </a:prstGeom>
+        </p:spPr>
+      </p:pic>
+      <p:pic>
+        <p:nvPicPr>
+          <p:cNvPr id="7" name="Picture 6" descr="A picture containing graphical user interface&#10;&#10;Description automatically generated">
+            <a:extLst>
+              <a:ext uri="{FF2B5EF4-FFF2-40B4-BE49-F238E27FC236}">
+                <a16:creationId xmlns:a16="http://schemas.microsoft.com/office/drawing/2014/main" id="{4A4B0F38-5DF3-F441-8D7E-7276E9418A7B}"/>
+              </a:ext>
+            </a:extLst>
+          </p:cNvPr>
+          <p:cNvPicPr>
+            <a:picLocks noChangeAspect="1"/>
+          </p:cNvPicPr>
+          <p:nvPr/>
+        </p:nvPicPr>
+        <p:blipFill>
+          <a:blip r:embed="rId3"/>
+          <a:stretch>
+            <a:fillRect/>
+          </a:stretch>
+        </p:blipFill>
+        <p:spPr>
+          <a:xfrm>
+            <a:off x="4782077" y="1914724"/>
+            <a:ext cx="3248526" cy="4376722"/>
+          </a:xfrm>
+          <a:prstGeom prst="rect">
+            <a:avLst/>
+          </a:prstGeom>
+        </p:spPr>
+      </p:pic>
+      <p:pic>
+        <p:nvPicPr>
+          <p:cNvPr id="9" name="Picture 8" descr="A picture containing graphical user interface&#10;&#10;Description automatically generated">
+            <a:extLst>
+              <a:ext uri="{FF2B5EF4-FFF2-40B4-BE49-F238E27FC236}">
+                <a16:creationId xmlns:a16="http://schemas.microsoft.com/office/drawing/2014/main" id="{99BDB0C3-543D-4649-BCD8-5B052E400394}"/>
+              </a:ext>
+            </a:extLst>
+          </p:cNvPr>
+          <p:cNvPicPr>
+            <a:picLocks noChangeAspect="1"/>
+          </p:cNvPicPr>
+          <p:nvPr/>
+        </p:nvPicPr>
+        <p:blipFill>
+          <a:blip r:embed="rId4"/>
+          <a:stretch>
+            <a:fillRect/>
+          </a:stretch>
+        </p:blipFill>
+        <p:spPr>
+          <a:xfrm>
+            <a:off x="8081909" y="1949607"/>
+            <a:ext cx="3248526" cy="4323551"/>
           </a:xfrm>
           <a:prstGeom prst="rect">
             <a:avLst/>
@@ -11549,7 +13620,7 @@
     </p:spTree>
     <p:extLst>
       <p:ext uri="{BB962C8B-B14F-4D97-AF65-F5344CB8AC3E}">
-        <p14:creationId xmlns:p14="http://schemas.microsoft.com/office/powerpoint/2010/main" val="3167619648"/>
+        <p14:creationId xmlns:p14="http://schemas.microsoft.com/office/powerpoint/2010/main" val="764050447"/>
       </p:ext>
     </p:extLst>
   </p:cSld>
